--- a/Project Presentation.pptx
+++ b/Project Presentation.pptx
@@ -8,10 +8,11 @@
     <p:sldId id="256" r:id="rId2"/>
     <p:sldId id="257" r:id="rId3"/>
     <p:sldId id="258" r:id="rId4"/>
-    <p:sldId id="259" r:id="rId5"/>
-    <p:sldId id="260" r:id="rId6"/>
-    <p:sldId id="261" r:id="rId7"/>
-    <p:sldId id="262" r:id="rId8"/>
+    <p:sldId id="263" r:id="rId5"/>
+    <p:sldId id="259" r:id="rId6"/>
+    <p:sldId id="260" r:id="rId7"/>
+    <p:sldId id="261" r:id="rId8"/>
+    <p:sldId id="262" r:id="rId9"/>
   </p:sldIdLst>
   <p:sldSz cx="12192000" cy="6858000"/>
   <p:notesSz cx="6858000" cy="9144000"/>
@@ -140,7 +141,7 @@
           <p:cNvPr id="2" name="Title 1">
             <a:extLst>
               <a:ext uri="{FF2B5EF4-FFF2-40B4-BE49-F238E27FC236}">
-                <a16:creationId xmlns:a16="http://schemas.microsoft.com/office/drawing/2014/main" id="{AA5501FD-A8F8-41E0-8D43-003DBAB6D51E}"/>
+                <a16:creationId xmlns:a16="http://schemas.microsoft.com/office/drawing/2014/main" xmlns="" id="{AA5501FD-A8F8-41E0-8D43-003DBAB6D51E}"/>
               </a:ext>
             </a:extLst>
           </p:cNvPr>
@@ -178,7 +179,7 @@
           <p:cNvPr id="3" name="Subtitle 2">
             <a:extLst>
               <a:ext uri="{FF2B5EF4-FFF2-40B4-BE49-F238E27FC236}">
-                <a16:creationId xmlns:a16="http://schemas.microsoft.com/office/drawing/2014/main" id="{5C399954-8AEE-4A49-AC19-D18D02B864E4}"/>
+                <a16:creationId xmlns:a16="http://schemas.microsoft.com/office/drawing/2014/main" xmlns="" id="{5C399954-8AEE-4A49-AC19-D18D02B864E4}"/>
               </a:ext>
             </a:extLst>
           </p:cNvPr>
@@ -249,7 +250,7 @@
           <p:cNvPr id="4" name="Date Placeholder 3">
             <a:extLst>
               <a:ext uri="{FF2B5EF4-FFF2-40B4-BE49-F238E27FC236}">
-                <a16:creationId xmlns:a16="http://schemas.microsoft.com/office/drawing/2014/main" id="{4DF9E8AF-2E75-4790-9F0B-015B629CE17E}"/>
+                <a16:creationId xmlns:a16="http://schemas.microsoft.com/office/drawing/2014/main" xmlns="" id="{4DF9E8AF-2E75-4790-9F0B-015B629CE17E}"/>
               </a:ext>
             </a:extLst>
           </p:cNvPr>
@@ -267,7 +268,7 @@
           <a:p>
             <a:fld id="{AD23BEBD-F3AA-4F74-A010-DB72078CEC4F}" type="datetimeFigureOut">
               <a:rPr lang="en-GB" smtClean="0"/>
-              <a:t>15/02/2018</a:t>
+              <a:t>19/02/2018</a:t>
             </a:fld>
             <a:endParaRPr lang="en-GB"/>
           </a:p>
@@ -278,7 +279,7 @@
           <p:cNvPr id="5" name="Footer Placeholder 4">
             <a:extLst>
               <a:ext uri="{FF2B5EF4-FFF2-40B4-BE49-F238E27FC236}">
-                <a16:creationId xmlns:a16="http://schemas.microsoft.com/office/drawing/2014/main" id="{F8FDA900-F2ED-4DF4-A327-AF01398CC1A0}"/>
+                <a16:creationId xmlns:a16="http://schemas.microsoft.com/office/drawing/2014/main" xmlns="" id="{F8FDA900-F2ED-4DF4-A327-AF01398CC1A0}"/>
               </a:ext>
             </a:extLst>
           </p:cNvPr>
@@ -303,7 +304,7 @@
           <p:cNvPr id="6" name="Slide Number Placeholder 5">
             <a:extLst>
               <a:ext uri="{FF2B5EF4-FFF2-40B4-BE49-F238E27FC236}">
-                <a16:creationId xmlns:a16="http://schemas.microsoft.com/office/drawing/2014/main" id="{80AF940B-B68A-4DBF-B7DD-D6898DDA1DBE}"/>
+                <a16:creationId xmlns:a16="http://schemas.microsoft.com/office/drawing/2014/main" xmlns="" id="{80AF940B-B68A-4DBF-B7DD-D6898DDA1DBE}"/>
               </a:ext>
             </a:extLst>
           </p:cNvPr>
@@ -362,7 +363,7 @@
           <p:cNvPr id="2" name="Title 1">
             <a:extLst>
               <a:ext uri="{FF2B5EF4-FFF2-40B4-BE49-F238E27FC236}">
-                <a16:creationId xmlns:a16="http://schemas.microsoft.com/office/drawing/2014/main" id="{40CBE871-6025-4994-9A09-CF426638BDE8}"/>
+                <a16:creationId xmlns:a16="http://schemas.microsoft.com/office/drawing/2014/main" xmlns="" id="{40CBE871-6025-4994-9A09-CF426638BDE8}"/>
               </a:ext>
             </a:extLst>
           </p:cNvPr>
@@ -391,7 +392,7 @@
           <p:cNvPr id="3" name="Vertical Text Placeholder 2">
             <a:extLst>
               <a:ext uri="{FF2B5EF4-FFF2-40B4-BE49-F238E27FC236}">
-                <a16:creationId xmlns:a16="http://schemas.microsoft.com/office/drawing/2014/main" id="{038C9900-EDDC-4763-AACD-05F946A2540D}"/>
+                <a16:creationId xmlns:a16="http://schemas.microsoft.com/office/drawing/2014/main" xmlns="" id="{038C9900-EDDC-4763-AACD-05F946A2540D}"/>
               </a:ext>
             </a:extLst>
           </p:cNvPr>
@@ -449,7 +450,7 @@
           <p:cNvPr id="4" name="Date Placeholder 3">
             <a:extLst>
               <a:ext uri="{FF2B5EF4-FFF2-40B4-BE49-F238E27FC236}">
-                <a16:creationId xmlns:a16="http://schemas.microsoft.com/office/drawing/2014/main" id="{A7B60D9F-90F5-4453-A9A4-C42D9D8CEA4E}"/>
+                <a16:creationId xmlns:a16="http://schemas.microsoft.com/office/drawing/2014/main" xmlns="" id="{A7B60D9F-90F5-4453-A9A4-C42D9D8CEA4E}"/>
               </a:ext>
             </a:extLst>
           </p:cNvPr>
@@ -467,7 +468,7 @@
           <a:p>
             <a:fld id="{AD23BEBD-F3AA-4F74-A010-DB72078CEC4F}" type="datetimeFigureOut">
               <a:rPr lang="en-GB" smtClean="0"/>
-              <a:t>15/02/2018</a:t>
+              <a:t>19/02/2018</a:t>
             </a:fld>
             <a:endParaRPr lang="en-GB"/>
           </a:p>
@@ -478,7 +479,7 @@
           <p:cNvPr id="5" name="Footer Placeholder 4">
             <a:extLst>
               <a:ext uri="{FF2B5EF4-FFF2-40B4-BE49-F238E27FC236}">
-                <a16:creationId xmlns:a16="http://schemas.microsoft.com/office/drawing/2014/main" id="{78D157B6-5A9F-4CAC-BEE3-DE5E3335FCB4}"/>
+                <a16:creationId xmlns:a16="http://schemas.microsoft.com/office/drawing/2014/main" xmlns="" id="{78D157B6-5A9F-4CAC-BEE3-DE5E3335FCB4}"/>
               </a:ext>
             </a:extLst>
           </p:cNvPr>
@@ -503,7 +504,7 @@
           <p:cNvPr id="6" name="Slide Number Placeholder 5">
             <a:extLst>
               <a:ext uri="{FF2B5EF4-FFF2-40B4-BE49-F238E27FC236}">
-                <a16:creationId xmlns:a16="http://schemas.microsoft.com/office/drawing/2014/main" id="{0CAEDF5C-E925-4589-8945-F0FF6681CCB1}"/>
+                <a16:creationId xmlns:a16="http://schemas.microsoft.com/office/drawing/2014/main" xmlns="" id="{0CAEDF5C-E925-4589-8945-F0FF6681CCB1}"/>
               </a:ext>
             </a:extLst>
           </p:cNvPr>
@@ -562,7 +563,7 @@
           <p:cNvPr id="2" name="Vertical Title 1">
             <a:extLst>
               <a:ext uri="{FF2B5EF4-FFF2-40B4-BE49-F238E27FC236}">
-                <a16:creationId xmlns:a16="http://schemas.microsoft.com/office/drawing/2014/main" id="{8469A6E6-4371-4FB7-92A2-4643EA1550B7}"/>
+                <a16:creationId xmlns:a16="http://schemas.microsoft.com/office/drawing/2014/main" xmlns="" id="{8469A6E6-4371-4FB7-92A2-4643EA1550B7}"/>
               </a:ext>
             </a:extLst>
           </p:cNvPr>
@@ -596,7 +597,7 @@
           <p:cNvPr id="3" name="Vertical Text Placeholder 2">
             <a:extLst>
               <a:ext uri="{FF2B5EF4-FFF2-40B4-BE49-F238E27FC236}">
-                <a16:creationId xmlns:a16="http://schemas.microsoft.com/office/drawing/2014/main" id="{C7DC2601-BA5A-42DB-989E-14AE23BA0073}"/>
+                <a16:creationId xmlns:a16="http://schemas.microsoft.com/office/drawing/2014/main" xmlns="" id="{C7DC2601-BA5A-42DB-989E-14AE23BA0073}"/>
               </a:ext>
             </a:extLst>
           </p:cNvPr>
@@ -659,7 +660,7 @@
           <p:cNvPr id="4" name="Date Placeholder 3">
             <a:extLst>
               <a:ext uri="{FF2B5EF4-FFF2-40B4-BE49-F238E27FC236}">
-                <a16:creationId xmlns:a16="http://schemas.microsoft.com/office/drawing/2014/main" id="{B46809E9-0D54-43B9-AA6C-8B99EFCE9432}"/>
+                <a16:creationId xmlns:a16="http://schemas.microsoft.com/office/drawing/2014/main" xmlns="" id="{B46809E9-0D54-43B9-AA6C-8B99EFCE9432}"/>
               </a:ext>
             </a:extLst>
           </p:cNvPr>
@@ -677,7 +678,7 @@
           <a:p>
             <a:fld id="{AD23BEBD-F3AA-4F74-A010-DB72078CEC4F}" type="datetimeFigureOut">
               <a:rPr lang="en-GB" smtClean="0"/>
-              <a:t>15/02/2018</a:t>
+              <a:t>19/02/2018</a:t>
             </a:fld>
             <a:endParaRPr lang="en-GB"/>
           </a:p>
@@ -688,7 +689,7 @@
           <p:cNvPr id="5" name="Footer Placeholder 4">
             <a:extLst>
               <a:ext uri="{FF2B5EF4-FFF2-40B4-BE49-F238E27FC236}">
-                <a16:creationId xmlns:a16="http://schemas.microsoft.com/office/drawing/2014/main" id="{F7B76793-C486-42EE-9E2B-0EEF95EDA99D}"/>
+                <a16:creationId xmlns:a16="http://schemas.microsoft.com/office/drawing/2014/main" xmlns="" id="{F7B76793-C486-42EE-9E2B-0EEF95EDA99D}"/>
               </a:ext>
             </a:extLst>
           </p:cNvPr>
@@ -713,7 +714,7 @@
           <p:cNvPr id="6" name="Slide Number Placeholder 5">
             <a:extLst>
               <a:ext uri="{FF2B5EF4-FFF2-40B4-BE49-F238E27FC236}">
-                <a16:creationId xmlns:a16="http://schemas.microsoft.com/office/drawing/2014/main" id="{D77D508F-C3B2-4238-9B11-51D33884DCE7}"/>
+                <a16:creationId xmlns:a16="http://schemas.microsoft.com/office/drawing/2014/main" xmlns="" id="{D77D508F-C3B2-4238-9B11-51D33884DCE7}"/>
               </a:ext>
             </a:extLst>
           </p:cNvPr>
@@ -772,7 +773,7 @@
           <p:cNvPr id="2" name="Title 1">
             <a:extLst>
               <a:ext uri="{FF2B5EF4-FFF2-40B4-BE49-F238E27FC236}">
-                <a16:creationId xmlns:a16="http://schemas.microsoft.com/office/drawing/2014/main" id="{61E5EE23-B23A-45CE-ADB0-76D15BCC58E8}"/>
+                <a16:creationId xmlns:a16="http://schemas.microsoft.com/office/drawing/2014/main" xmlns="" id="{61E5EE23-B23A-45CE-ADB0-76D15BCC58E8}"/>
               </a:ext>
             </a:extLst>
           </p:cNvPr>
@@ -801,7 +802,7 @@
           <p:cNvPr id="3" name="Content Placeholder 2">
             <a:extLst>
               <a:ext uri="{FF2B5EF4-FFF2-40B4-BE49-F238E27FC236}">
-                <a16:creationId xmlns:a16="http://schemas.microsoft.com/office/drawing/2014/main" id="{E848E6B5-4E83-4453-957C-92C75B3A5AE3}"/>
+                <a16:creationId xmlns:a16="http://schemas.microsoft.com/office/drawing/2014/main" xmlns="" id="{E848E6B5-4E83-4453-957C-92C75B3A5AE3}"/>
               </a:ext>
             </a:extLst>
           </p:cNvPr>
@@ -859,7 +860,7 @@
           <p:cNvPr id="4" name="Date Placeholder 3">
             <a:extLst>
               <a:ext uri="{FF2B5EF4-FFF2-40B4-BE49-F238E27FC236}">
-                <a16:creationId xmlns:a16="http://schemas.microsoft.com/office/drawing/2014/main" id="{5DCC2507-DD31-47FF-A6D9-CDF8D6D04476}"/>
+                <a16:creationId xmlns:a16="http://schemas.microsoft.com/office/drawing/2014/main" xmlns="" id="{5DCC2507-DD31-47FF-A6D9-CDF8D6D04476}"/>
               </a:ext>
             </a:extLst>
           </p:cNvPr>
@@ -877,7 +878,7 @@
           <a:p>
             <a:fld id="{AD23BEBD-F3AA-4F74-A010-DB72078CEC4F}" type="datetimeFigureOut">
               <a:rPr lang="en-GB" smtClean="0"/>
-              <a:t>15/02/2018</a:t>
+              <a:t>19/02/2018</a:t>
             </a:fld>
             <a:endParaRPr lang="en-GB"/>
           </a:p>
@@ -888,7 +889,7 @@
           <p:cNvPr id="5" name="Footer Placeholder 4">
             <a:extLst>
               <a:ext uri="{FF2B5EF4-FFF2-40B4-BE49-F238E27FC236}">
-                <a16:creationId xmlns:a16="http://schemas.microsoft.com/office/drawing/2014/main" id="{913995ED-BA82-465E-B07B-9E0E6D1725CE}"/>
+                <a16:creationId xmlns:a16="http://schemas.microsoft.com/office/drawing/2014/main" xmlns="" id="{913995ED-BA82-465E-B07B-9E0E6D1725CE}"/>
               </a:ext>
             </a:extLst>
           </p:cNvPr>
@@ -913,7 +914,7 @@
           <p:cNvPr id="6" name="Slide Number Placeholder 5">
             <a:extLst>
               <a:ext uri="{FF2B5EF4-FFF2-40B4-BE49-F238E27FC236}">
-                <a16:creationId xmlns:a16="http://schemas.microsoft.com/office/drawing/2014/main" id="{00F3F3D0-6433-4789-9DEC-D918BB79084A}"/>
+                <a16:creationId xmlns:a16="http://schemas.microsoft.com/office/drawing/2014/main" xmlns="" id="{00F3F3D0-6433-4789-9DEC-D918BB79084A}"/>
               </a:ext>
             </a:extLst>
           </p:cNvPr>
@@ -972,7 +973,7 @@
           <p:cNvPr id="2" name="Title 1">
             <a:extLst>
               <a:ext uri="{FF2B5EF4-FFF2-40B4-BE49-F238E27FC236}">
-                <a16:creationId xmlns:a16="http://schemas.microsoft.com/office/drawing/2014/main" id="{4CDE9F5F-0980-4F79-9136-158960898599}"/>
+                <a16:creationId xmlns:a16="http://schemas.microsoft.com/office/drawing/2014/main" xmlns="" id="{4CDE9F5F-0980-4F79-9136-158960898599}"/>
               </a:ext>
             </a:extLst>
           </p:cNvPr>
@@ -1010,7 +1011,7 @@
           <p:cNvPr id="3" name="Text Placeholder 2">
             <a:extLst>
               <a:ext uri="{FF2B5EF4-FFF2-40B4-BE49-F238E27FC236}">
-                <a16:creationId xmlns:a16="http://schemas.microsoft.com/office/drawing/2014/main" id="{73809406-828D-491B-975A-258E9234AC57}"/>
+                <a16:creationId xmlns:a16="http://schemas.microsoft.com/office/drawing/2014/main" xmlns="" id="{73809406-828D-491B-975A-258E9234AC57}"/>
               </a:ext>
             </a:extLst>
           </p:cNvPr>
@@ -1135,7 +1136,7 @@
           <p:cNvPr id="4" name="Date Placeholder 3">
             <a:extLst>
               <a:ext uri="{FF2B5EF4-FFF2-40B4-BE49-F238E27FC236}">
-                <a16:creationId xmlns:a16="http://schemas.microsoft.com/office/drawing/2014/main" id="{D1E18031-B4D0-4B11-9FB0-1A800BC2E32D}"/>
+                <a16:creationId xmlns:a16="http://schemas.microsoft.com/office/drawing/2014/main" xmlns="" id="{D1E18031-B4D0-4B11-9FB0-1A800BC2E32D}"/>
               </a:ext>
             </a:extLst>
           </p:cNvPr>
@@ -1153,7 +1154,7 @@
           <a:p>
             <a:fld id="{AD23BEBD-F3AA-4F74-A010-DB72078CEC4F}" type="datetimeFigureOut">
               <a:rPr lang="en-GB" smtClean="0"/>
-              <a:t>15/02/2018</a:t>
+              <a:t>19/02/2018</a:t>
             </a:fld>
             <a:endParaRPr lang="en-GB"/>
           </a:p>
@@ -1164,7 +1165,7 @@
           <p:cNvPr id="5" name="Footer Placeholder 4">
             <a:extLst>
               <a:ext uri="{FF2B5EF4-FFF2-40B4-BE49-F238E27FC236}">
-                <a16:creationId xmlns:a16="http://schemas.microsoft.com/office/drawing/2014/main" id="{04E2F716-9343-4C7B-9C22-382077604C9A}"/>
+                <a16:creationId xmlns:a16="http://schemas.microsoft.com/office/drawing/2014/main" xmlns="" id="{04E2F716-9343-4C7B-9C22-382077604C9A}"/>
               </a:ext>
             </a:extLst>
           </p:cNvPr>
@@ -1189,7 +1190,7 @@
           <p:cNvPr id="6" name="Slide Number Placeholder 5">
             <a:extLst>
               <a:ext uri="{FF2B5EF4-FFF2-40B4-BE49-F238E27FC236}">
-                <a16:creationId xmlns:a16="http://schemas.microsoft.com/office/drawing/2014/main" id="{74E61936-6449-428D-AC2E-2040636195C5}"/>
+                <a16:creationId xmlns:a16="http://schemas.microsoft.com/office/drawing/2014/main" xmlns="" id="{74E61936-6449-428D-AC2E-2040636195C5}"/>
               </a:ext>
             </a:extLst>
           </p:cNvPr>
@@ -1248,7 +1249,7 @@
           <p:cNvPr id="2" name="Title 1">
             <a:extLst>
               <a:ext uri="{FF2B5EF4-FFF2-40B4-BE49-F238E27FC236}">
-                <a16:creationId xmlns:a16="http://schemas.microsoft.com/office/drawing/2014/main" id="{77C26A25-41B7-4E27-B9BC-2877161043DA}"/>
+                <a16:creationId xmlns:a16="http://schemas.microsoft.com/office/drawing/2014/main" xmlns="" id="{77C26A25-41B7-4E27-B9BC-2877161043DA}"/>
               </a:ext>
             </a:extLst>
           </p:cNvPr>
@@ -1277,7 +1278,7 @@
           <p:cNvPr id="3" name="Content Placeholder 2">
             <a:extLst>
               <a:ext uri="{FF2B5EF4-FFF2-40B4-BE49-F238E27FC236}">
-                <a16:creationId xmlns:a16="http://schemas.microsoft.com/office/drawing/2014/main" id="{5DD709F4-3326-4F3E-9AAE-3CD024CB0D81}"/>
+                <a16:creationId xmlns:a16="http://schemas.microsoft.com/office/drawing/2014/main" xmlns="" id="{5DD709F4-3326-4F3E-9AAE-3CD024CB0D81}"/>
               </a:ext>
             </a:extLst>
           </p:cNvPr>
@@ -1340,7 +1341,7 @@
           <p:cNvPr id="4" name="Content Placeholder 3">
             <a:extLst>
               <a:ext uri="{FF2B5EF4-FFF2-40B4-BE49-F238E27FC236}">
-                <a16:creationId xmlns:a16="http://schemas.microsoft.com/office/drawing/2014/main" id="{A05A608C-BA9E-40CA-9450-4ACB43BB7D04}"/>
+                <a16:creationId xmlns:a16="http://schemas.microsoft.com/office/drawing/2014/main" xmlns="" id="{A05A608C-BA9E-40CA-9450-4ACB43BB7D04}"/>
               </a:ext>
             </a:extLst>
           </p:cNvPr>
@@ -1403,7 +1404,7 @@
           <p:cNvPr id="5" name="Date Placeholder 4">
             <a:extLst>
               <a:ext uri="{FF2B5EF4-FFF2-40B4-BE49-F238E27FC236}">
-                <a16:creationId xmlns:a16="http://schemas.microsoft.com/office/drawing/2014/main" id="{42B3FCB0-10AF-4422-A6D3-8B985FCC9021}"/>
+                <a16:creationId xmlns:a16="http://schemas.microsoft.com/office/drawing/2014/main" xmlns="" id="{42B3FCB0-10AF-4422-A6D3-8B985FCC9021}"/>
               </a:ext>
             </a:extLst>
           </p:cNvPr>
@@ -1421,7 +1422,7 @@
           <a:p>
             <a:fld id="{AD23BEBD-F3AA-4F74-A010-DB72078CEC4F}" type="datetimeFigureOut">
               <a:rPr lang="en-GB" smtClean="0"/>
-              <a:t>15/02/2018</a:t>
+              <a:t>19/02/2018</a:t>
             </a:fld>
             <a:endParaRPr lang="en-GB"/>
           </a:p>
@@ -1432,7 +1433,7 @@
           <p:cNvPr id="6" name="Footer Placeholder 5">
             <a:extLst>
               <a:ext uri="{FF2B5EF4-FFF2-40B4-BE49-F238E27FC236}">
-                <a16:creationId xmlns:a16="http://schemas.microsoft.com/office/drawing/2014/main" id="{4994463A-782C-423B-AC61-81F9094E16AE}"/>
+                <a16:creationId xmlns:a16="http://schemas.microsoft.com/office/drawing/2014/main" xmlns="" id="{4994463A-782C-423B-AC61-81F9094E16AE}"/>
               </a:ext>
             </a:extLst>
           </p:cNvPr>
@@ -1457,7 +1458,7 @@
           <p:cNvPr id="7" name="Slide Number Placeholder 6">
             <a:extLst>
               <a:ext uri="{FF2B5EF4-FFF2-40B4-BE49-F238E27FC236}">
-                <a16:creationId xmlns:a16="http://schemas.microsoft.com/office/drawing/2014/main" id="{F12C0CC5-0864-41BA-BD54-ABFE48FC7356}"/>
+                <a16:creationId xmlns:a16="http://schemas.microsoft.com/office/drawing/2014/main" xmlns="" id="{F12C0CC5-0864-41BA-BD54-ABFE48FC7356}"/>
               </a:ext>
             </a:extLst>
           </p:cNvPr>
@@ -1516,7 +1517,7 @@
           <p:cNvPr id="2" name="Title 1">
             <a:extLst>
               <a:ext uri="{FF2B5EF4-FFF2-40B4-BE49-F238E27FC236}">
-                <a16:creationId xmlns:a16="http://schemas.microsoft.com/office/drawing/2014/main" id="{7F6C5323-A8DB-4136-892B-29A79AE51E88}"/>
+                <a16:creationId xmlns:a16="http://schemas.microsoft.com/office/drawing/2014/main" xmlns="" id="{7F6C5323-A8DB-4136-892B-29A79AE51E88}"/>
               </a:ext>
             </a:extLst>
           </p:cNvPr>
@@ -1550,7 +1551,7 @@
           <p:cNvPr id="3" name="Text Placeholder 2">
             <a:extLst>
               <a:ext uri="{FF2B5EF4-FFF2-40B4-BE49-F238E27FC236}">
-                <a16:creationId xmlns:a16="http://schemas.microsoft.com/office/drawing/2014/main" id="{3BC7DAD2-ECEC-4467-8701-9C29E74A6CF2}"/>
+                <a16:creationId xmlns:a16="http://schemas.microsoft.com/office/drawing/2014/main" xmlns="" id="{3BC7DAD2-ECEC-4467-8701-9C29E74A6CF2}"/>
               </a:ext>
             </a:extLst>
           </p:cNvPr>
@@ -1621,7 +1622,7 @@
           <p:cNvPr id="4" name="Content Placeholder 3">
             <a:extLst>
               <a:ext uri="{FF2B5EF4-FFF2-40B4-BE49-F238E27FC236}">
-                <a16:creationId xmlns:a16="http://schemas.microsoft.com/office/drawing/2014/main" id="{E818D659-94A4-4254-9471-53D87BA55F58}"/>
+                <a16:creationId xmlns:a16="http://schemas.microsoft.com/office/drawing/2014/main" xmlns="" id="{E818D659-94A4-4254-9471-53D87BA55F58}"/>
               </a:ext>
             </a:extLst>
           </p:cNvPr>
@@ -1684,7 +1685,7 @@
           <p:cNvPr id="5" name="Text Placeholder 4">
             <a:extLst>
               <a:ext uri="{FF2B5EF4-FFF2-40B4-BE49-F238E27FC236}">
-                <a16:creationId xmlns:a16="http://schemas.microsoft.com/office/drawing/2014/main" id="{67C49C95-95CE-40A0-B5F2-0CF343C6B1F5}"/>
+                <a16:creationId xmlns:a16="http://schemas.microsoft.com/office/drawing/2014/main" xmlns="" id="{67C49C95-95CE-40A0-B5F2-0CF343C6B1F5}"/>
               </a:ext>
             </a:extLst>
           </p:cNvPr>
@@ -1755,7 +1756,7 @@
           <p:cNvPr id="6" name="Content Placeholder 5">
             <a:extLst>
               <a:ext uri="{FF2B5EF4-FFF2-40B4-BE49-F238E27FC236}">
-                <a16:creationId xmlns:a16="http://schemas.microsoft.com/office/drawing/2014/main" id="{00C83844-4C99-4839-837C-9665EA930A22}"/>
+                <a16:creationId xmlns:a16="http://schemas.microsoft.com/office/drawing/2014/main" xmlns="" id="{00C83844-4C99-4839-837C-9665EA930A22}"/>
               </a:ext>
             </a:extLst>
           </p:cNvPr>
@@ -1818,7 +1819,7 @@
           <p:cNvPr id="7" name="Date Placeholder 6">
             <a:extLst>
               <a:ext uri="{FF2B5EF4-FFF2-40B4-BE49-F238E27FC236}">
-                <a16:creationId xmlns:a16="http://schemas.microsoft.com/office/drawing/2014/main" id="{D51E42A7-EA97-486A-9345-8CEC87BB973E}"/>
+                <a16:creationId xmlns:a16="http://schemas.microsoft.com/office/drawing/2014/main" xmlns="" id="{D51E42A7-EA97-486A-9345-8CEC87BB973E}"/>
               </a:ext>
             </a:extLst>
           </p:cNvPr>
@@ -1836,7 +1837,7 @@
           <a:p>
             <a:fld id="{AD23BEBD-F3AA-4F74-A010-DB72078CEC4F}" type="datetimeFigureOut">
               <a:rPr lang="en-GB" smtClean="0"/>
-              <a:t>15/02/2018</a:t>
+              <a:t>19/02/2018</a:t>
             </a:fld>
             <a:endParaRPr lang="en-GB"/>
           </a:p>
@@ -1847,7 +1848,7 @@
           <p:cNvPr id="8" name="Footer Placeholder 7">
             <a:extLst>
               <a:ext uri="{FF2B5EF4-FFF2-40B4-BE49-F238E27FC236}">
-                <a16:creationId xmlns:a16="http://schemas.microsoft.com/office/drawing/2014/main" id="{CE67D431-882F-4B9B-B2E3-500EC42F79DE}"/>
+                <a16:creationId xmlns:a16="http://schemas.microsoft.com/office/drawing/2014/main" xmlns="" id="{CE67D431-882F-4B9B-B2E3-500EC42F79DE}"/>
               </a:ext>
             </a:extLst>
           </p:cNvPr>
@@ -1872,7 +1873,7 @@
           <p:cNvPr id="9" name="Slide Number Placeholder 8">
             <a:extLst>
               <a:ext uri="{FF2B5EF4-FFF2-40B4-BE49-F238E27FC236}">
-                <a16:creationId xmlns:a16="http://schemas.microsoft.com/office/drawing/2014/main" id="{36C8039C-E0C1-4041-9311-86F5ABA45186}"/>
+                <a16:creationId xmlns:a16="http://schemas.microsoft.com/office/drawing/2014/main" xmlns="" id="{36C8039C-E0C1-4041-9311-86F5ABA45186}"/>
               </a:ext>
             </a:extLst>
           </p:cNvPr>
@@ -1931,7 +1932,7 @@
           <p:cNvPr id="2" name="Title 1">
             <a:extLst>
               <a:ext uri="{FF2B5EF4-FFF2-40B4-BE49-F238E27FC236}">
-                <a16:creationId xmlns:a16="http://schemas.microsoft.com/office/drawing/2014/main" id="{71A9D944-3568-4360-A787-0808C61592B9}"/>
+                <a16:creationId xmlns:a16="http://schemas.microsoft.com/office/drawing/2014/main" xmlns="" id="{71A9D944-3568-4360-A787-0808C61592B9}"/>
               </a:ext>
             </a:extLst>
           </p:cNvPr>
@@ -1960,7 +1961,7 @@
           <p:cNvPr id="3" name="Date Placeholder 2">
             <a:extLst>
               <a:ext uri="{FF2B5EF4-FFF2-40B4-BE49-F238E27FC236}">
-                <a16:creationId xmlns:a16="http://schemas.microsoft.com/office/drawing/2014/main" id="{1411A4D5-7F72-4874-8EA5-45A7013AC4EF}"/>
+                <a16:creationId xmlns:a16="http://schemas.microsoft.com/office/drawing/2014/main" xmlns="" id="{1411A4D5-7F72-4874-8EA5-45A7013AC4EF}"/>
               </a:ext>
             </a:extLst>
           </p:cNvPr>
@@ -1978,7 +1979,7 @@
           <a:p>
             <a:fld id="{AD23BEBD-F3AA-4F74-A010-DB72078CEC4F}" type="datetimeFigureOut">
               <a:rPr lang="en-GB" smtClean="0"/>
-              <a:t>15/02/2018</a:t>
+              <a:t>19/02/2018</a:t>
             </a:fld>
             <a:endParaRPr lang="en-GB"/>
           </a:p>
@@ -1989,7 +1990,7 @@
           <p:cNvPr id="4" name="Footer Placeholder 3">
             <a:extLst>
               <a:ext uri="{FF2B5EF4-FFF2-40B4-BE49-F238E27FC236}">
-                <a16:creationId xmlns:a16="http://schemas.microsoft.com/office/drawing/2014/main" id="{C4917865-F0AE-4866-B694-548CFB0E43DB}"/>
+                <a16:creationId xmlns:a16="http://schemas.microsoft.com/office/drawing/2014/main" xmlns="" id="{C4917865-F0AE-4866-B694-548CFB0E43DB}"/>
               </a:ext>
             </a:extLst>
           </p:cNvPr>
@@ -2014,7 +2015,7 @@
           <p:cNvPr id="5" name="Slide Number Placeholder 4">
             <a:extLst>
               <a:ext uri="{FF2B5EF4-FFF2-40B4-BE49-F238E27FC236}">
-                <a16:creationId xmlns:a16="http://schemas.microsoft.com/office/drawing/2014/main" id="{5633254D-643E-43A2-8FBB-DE4EDE72DD06}"/>
+                <a16:creationId xmlns:a16="http://schemas.microsoft.com/office/drawing/2014/main" xmlns="" id="{5633254D-643E-43A2-8FBB-DE4EDE72DD06}"/>
               </a:ext>
             </a:extLst>
           </p:cNvPr>
@@ -2073,7 +2074,7 @@
           <p:cNvPr id="2" name="Date Placeholder 1">
             <a:extLst>
               <a:ext uri="{FF2B5EF4-FFF2-40B4-BE49-F238E27FC236}">
-                <a16:creationId xmlns:a16="http://schemas.microsoft.com/office/drawing/2014/main" id="{314CA5AE-AC2E-4C13-B485-A003065AFFF3}"/>
+                <a16:creationId xmlns:a16="http://schemas.microsoft.com/office/drawing/2014/main" xmlns="" id="{314CA5AE-AC2E-4C13-B485-A003065AFFF3}"/>
               </a:ext>
             </a:extLst>
           </p:cNvPr>
@@ -2091,7 +2092,7 @@
           <a:p>
             <a:fld id="{AD23BEBD-F3AA-4F74-A010-DB72078CEC4F}" type="datetimeFigureOut">
               <a:rPr lang="en-GB" smtClean="0"/>
-              <a:t>15/02/2018</a:t>
+              <a:t>19/02/2018</a:t>
             </a:fld>
             <a:endParaRPr lang="en-GB"/>
           </a:p>
@@ -2102,7 +2103,7 @@
           <p:cNvPr id="3" name="Footer Placeholder 2">
             <a:extLst>
               <a:ext uri="{FF2B5EF4-FFF2-40B4-BE49-F238E27FC236}">
-                <a16:creationId xmlns:a16="http://schemas.microsoft.com/office/drawing/2014/main" id="{CC132C0A-B444-481A-A11E-7E9208F4C78B}"/>
+                <a16:creationId xmlns:a16="http://schemas.microsoft.com/office/drawing/2014/main" xmlns="" id="{CC132C0A-B444-481A-A11E-7E9208F4C78B}"/>
               </a:ext>
             </a:extLst>
           </p:cNvPr>
@@ -2127,7 +2128,7 @@
           <p:cNvPr id="4" name="Slide Number Placeholder 3">
             <a:extLst>
               <a:ext uri="{FF2B5EF4-FFF2-40B4-BE49-F238E27FC236}">
-                <a16:creationId xmlns:a16="http://schemas.microsoft.com/office/drawing/2014/main" id="{8570568E-4390-4DCF-B56B-DBF04DABF4AD}"/>
+                <a16:creationId xmlns:a16="http://schemas.microsoft.com/office/drawing/2014/main" xmlns="" id="{8570568E-4390-4DCF-B56B-DBF04DABF4AD}"/>
               </a:ext>
             </a:extLst>
           </p:cNvPr>
@@ -2186,7 +2187,7 @@
           <p:cNvPr id="2" name="Title 1">
             <a:extLst>
               <a:ext uri="{FF2B5EF4-FFF2-40B4-BE49-F238E27FC236}">
-                <a16:creationId xmlns:a16="http://schemas.microsoft.com/office/drawing/2014/main" id="{D70C4B00-9A26-46FC-80CC-254D5FEE0A71}"/>
+                <a16:creationId xmlns:a16="http://schemas.microsoft.com/office/drawing/2014/main" xmlns="" id="{D70C4B00-9A26-46FC-80CC-254D5FEE0A71}"/>
               </a:ext>
             </a:extLst>
           </p:cNvPr>
@@ -2224,7 +2225,7 @@
           <p:cNvPr id="3" name="Content Placeholder 2">
             <a:extLst>
               <a:ext uri="{FF2B5EF4-FFF2-40B4-BE49-F238E27FC236}">
-                <a16:creationId xmlns:a16="http://schemas.microsoft.com/office/drawing/2014/main" id="{162AD264-09CF-49D3-8F27-06D24AB3F0D2}"/>
+                <a16:creationId xmlns:a16="http://schemas.microsoft.com/office/drawing/2014/main" xmlns="" id="{162AD264-09CF-49D3-8F27-06D24AB3F0D2}"/>
               </a:ext>
             </a:extLst>
           </p:cNvPr>
@@ -2315,7 +2316,7 @@
           <p:cNvPr id="4" name="Text Placeholder 3">
             <a:extLst>
               <a:ext uri="{FF2B5EF4-FFF2-40B4-BE49-F238E27FC236}">
-                <a16:creationId xmlns:a16="http://schemas.microsoft.com/office/drawing/2014/main" id="{033DC8EB-5283-4C5D-B77D-3E82972492CB}"/>
+                <a16:creationId xmlns:a16="http://schemas.microsoft.com/office/drawing/2014/main" xmlns="" id="{033DC8EB-5283-4C5D-B77D-3E82972492CB}"/>
               </a:ext>
             </a:extLst>
           </p:cNvPr>
@@ -2386,7 +2387,7 @@
           <p:cNvPr id="5" name="Date Placeholder 4">
             <a:extLst>
               <a:ext uri="{FF2B5EF4-FFF2-40B4-BE49-F238E27FC236}">
-                <a16:creationId xmlns:a16="http://schemas.microsoft.com/office/drawing/2014/main" id="{CD6B27C8-9AFF-491F-B3D3-69AE2EEC4F7F}"/>
+                <a16:creationId xmlns:a16="http://schemas.microsoft.com/office/drawing/2014/main" xmlns="" id="{CD6B27C8-9AFF-491F-B3D3-69AE2EEC4F7F}"/>
               </a:ext>
             </a:extLst>
           </p:cNvPr>
@@ -2404,7 +2405,7 @@
           <a:p>
             <a:fld id="{AD23BEBD-F3AA-4F74-A010-DB72078CEC4F}" type="datetimeFigureOut">
               <a:rPr lang="en-GB" smtClean="0"/>
-              <a:t>15/02/2018</a:t>
+              <a:t>19/02/2018</a:t>
             </a:fld>
             <a:endParaRPr lang="en-GB"/>
           </a:p>
@@ -2415,7 +2416,7 @@
           <p:cNvPr id="6" name="Footer Placeholder 5">
             <a:extLst>
               <a:ext uri="{FF2B5EF4-FFF2-40B4-BE49-F238E27FC236}">
-                <a16:creationId xmlns:a16="http://schemas.microsoft.com/office/drawing/2014/main" id="{703CE241-682E-4952-811D-3AAF3B898648}"/>
+                <a16:creationId xmlns:a16="http://schemas.microsoft.com/office/drawing/2014/main" xmlns="" id="{703CE241-682E-4952-811D-3AAF3B898648}"/>
               </a:ext>
             </a:extLst>
           </p:cNvPr>
@@ -2440,7 +2441,7 @@
           <p:cNvPr id="7" name="Slide Number Placeholder 6">
             <a:extLst>
               <a:ext uri="{FF2B5EF4-FFF2-40B4-BE49-F238E27FC236}">
-                <a16:creationId xmlns:a16="http://schemas.microsoft.com/office/drawing/2014/main" id="{111247E3-C2AD-4BA1-852C-5D1590D08C17}"/>
+                <a16:creationId xmlns:a16="http://schemas.microsoft.com/office/drawing/2014/main" xmlns="" id="{111247E3-C2AD-4BA1-852C-5D1590D08C17}"/>
               </a:ext>
             </a:extLst>
           </p:cNvPr>
@@ -2499,7 +2500,7 @@
           <p:cNvPr id="2" name="Title 1">
             <a:extLst>
               <a:ext uri="{FF2B5EF4-FFF2-40B4-BE49-F238E27FC236}">
-                <a16:creationId xmlns:a16="http://schemas.microsoft.com/office/drawing/2014/main" id="{613183E6-9D66-48F3-A10A-169A583EC2FD}"/>
+                <a16:creationId xmlns:a16="http://schemas.microsoft.com/office/drawing/2014/main" xmlns="" id="{613183E6-9D66-48F3-A10A-169A583EC2FD}"/>
               </a:ext>
             </a:extLst>
           </p:cNvPr>
@@ -2537,7 +2538,7 @@
           <p:cNvPr id="3" name="Picture Placeholder 2">
             <a:extLst>
               <a:ext uri="{FF2B5EF4-FFF2-40B4-BE49-F238E27FC236}">
-                <a16:creationId xmlns:a16="http://schemas.microsoft.com/office/drawing/2014/main" id="{5FE3BD5B-84C7-484D-9A56-99AC79AF1E19}"/>
+                <a16:creationId xmlns:a16="http://schemas.microsoft.com/office/drawing/2014/main" xmlns="" id="{5FE3BD5B-84C7-484D-9A56-99AC79AF1E19}"/>
               </a:ext>
             </a:extLst>
           </p:cNvPr>
@@ -2604,7 +2605,7 @@
           <p:cNvPr id="4" name="Text Placeholder 3">
             <a:extLst>
               <a:ext uri="{FF2B5EF4-FFF2-40B4-BE49-F238E27FC236}">
-                <a16:creationId xmlns:a16="http://schemas.microsoft.com/office/drawing/2014/main" id="{8B79B15C-66DE-456A-A087-44443836BD3E}"/>
+                <a16:creationId xmlns:a16="http://schemas.microsoft.com/office/drawing/2014/main" xmlns="" id="{8B79B15C-66DE-456A-A087-44443836BD3E}"/>
               </a:ext>
             </a:extLst>
           </p:cNvPr>
@@ -2675,7 +2676,7 @@
           <p:cNvPr id="5" name="Date Placeholder 4">
             <a:extLst>
               <a:ext uri="{FF2B5EF4-FFF2-40B4-BE49-F238E27FC236}">
-                <a16:creationId xmlns:a16="http://schemas.microsoft.com/office/drawing/2014/main" id="{C52C82CC-1890-480A-BAAB-87213507DBFE}"/>
+                <a16:creationId xmlns:a16="http://schemas.microsoft.com/office/drawing/2014/main" xmlns="" id="{C52C82CC-1890-480A-BAAB-87213507DBFE}"/>
               </a:ext>
             </a:extLst>
           </p:cNvPr>
@@ -2693,7 +2694,7 @@
           <a:p>
             <a:fld id="{AD23BEBD-F3AA-4F74-A010-DB72078CEC4F}" type="datetimeFigureOut">
               <a:rPr lang="en-GB" smtClean="0"/>
-              <a:t>15/02/2018</a:t>
+              <a:t>19/02/2018</a:t>
             </a:fld>
             <a:endParaRPr lang="en-GB"/>
           </a:p>
@@ -2704,7 +2705,7 @@
           <p:cNvPr id="6" name="Footer Placeholder 5">
             <a:extLst>
               <a:ext uri="{FF2B5EF4-FFF2-40B4-BE49-F238E27FC236}">
-                <a16:creationId xmlns:a16="http://schemas.microsoft.com/office/drawing/2014/main" id="{08196BB1-6A82-4E70-8A14-4EDAFE556515}"/>
+                <a16:creationId xmlns:a16="http://schemas.microsoft.com/office/drawing/2014/main" xmlns="" id="{08196BB1-6A82-4E70-8A14-4EDAFE556515}"/>
               </a:ext>
             </a:extLst>
           </p:cNvPr>
@@ -2729,7 +2730,7 @@
           <p:cNvPr id="7" name="Slide Number Placeholder 6">
             <a:extLst>
               <a:ext uri="{FF2B5EF4-FFF2-40B4-BE49-F238E27FC236}">
-                <a16:creationId xmlns:a16="http://schemas.microsoft.com/office/drawing/2014/main" id="{21B05CBD-6411-4A63-8A3E-503EDBF81A8E}"/>
+                <a16:creationId xmlns:a16="http://schemas.microsoft.com/office/drawing/2014/main" xmlns="" id="{21B05CBD-6411-4A63-8A3E-503EDBF81A8E}"/>
               </a:ext>
             </a:extLst>
           </p:cNvPr>
@@ -2793,7 +2794,7 @@
           <p:cNvPr id="2" name="Title Placeholder 1">
             <a:extLst>
               <a:ext uri="{FF2B5EF4-FFF2-40B4-BE49-F238E27FC236}">
-                <a16:creationId xmlns:a16="http://schemas.microsoft.com/office/drawing/2014/main" id="{CE371E93-D560-49C3-9888-F964B7CA9E30}"/>
+                <a16:creationId xmlns:a16="http://schemas.microsoft.com/office/drawing/2014/main" xmlns="" id="{CE371E93-D560-49C3-9888-F964B7CA9E30}"/>
               </a:ext>
             </a:extLst>
           </p:cNvPr>
@@ -2832,7 +2833,7 @@
           <p:cNvPr id="3" name="Text Placeholder 2">
             <a:extLst>
               <a:ext uri="{FF2B5EF4-FFF2-40B4-BE49-F238E27FC236}">
-                <a16:creationId xmlns:a16="http://schemas.microsoft.com/office/drawing/2014/main" id="{27B6C883-01A4-437E-80E4-209479DE3BA6}"/>
+                <a16:creationId xmlns:a16="http://schemas.microsoft.com/office/drawing/2014/main" xmlns="" id="{27B6C883-01A4-437E-80E4-209479DE3BA6}"/>
               </a:ext>
             </a:extLst>
           </p:cNvPr>
@@ -2900,7 +2901,7 @@
           <p:cNvPr id="4" name="Date Placeholder 3">
             <a:extLst>
               <a:ext uri="{FF2B5EF4-FFF2-40B4-BE49-F238E27FC236}">
-                <a16:creationId xmlns:a16="http://schemas.microsoft.com/office/drawing/2014/main" id="{0222A804-0978-40E7-8FAF-79D5D7F1672B}"/>
+                <a16:creationId xmlns:a16="http://schemas.microsoft.com/office/drawing/2014/main" xmlns="" id="{0222A804-0978-40E7-8FAF-79D5D7F1672B}"/>
               </a:ext>
             </a:extLst>
           </p:cNvPr>
@@ -2936,7 +2937,7 @@
           <a:p>
             <a:fld id="{AD23BEBD-F3AA-4F74-A010-DB72078CEC4F}" type="datetimeFigureOut">
               <a:rPr lang="en-GB" smtClean="0"/>
-              <a:t>15/02/2018</a:t>
+              <a:t>19/02/2018</a:t>
             </a:fld>
             <a:endParaRPr lang="en-GB"/>
           </a:p>
@@ -2947,7 +2948,7 @@
           <p:cNvPr id="5" name="Footer Placeholder 4">
             <a:extLst>
               <a:ext uri="{FF2B5EF4-FFF2-40B4-BE49-F238E27FC236}">
-                <a16:creationId xmlns:a16="http://schemas.microsoft.com/office/drawing/2014/main" id="{C03BDE63-F4C7-49B1-B216-7536CDC931BF}"/>
+                <a16:creationId xmlns:a16="http://schemas.microsoft.com/office/drawing/2014/main" xmlns="" id="{C03BDE63-F4C7-49B1-B216-7536CDC931BF}"/>
               </a:ext>
             </a:extLst>
           </p:cNvPr>
@@ -2990,7 +2991,7 @@
           <p:cNvPr id="6" name="Slide Number Placeholder 5">
             <a:extLst>
               <a:ext uri="{FF2B5EF4-FFF2-40B4-BE49-F238E27FC236}">
-                <a16:creationId xmlns:a16="http://schemas.microsoft.com/office/drawing/2014/main" id="{DAA2EDFA-FD04-4BE8-A5A9-51FA011E4D19}"/>
+                <a16:creationId xmlns:a16="http://schemas.microsoft.com/office/drawing/2014/main" xmlns="" id="{DAA2EDFA-FD04-4BE8-A5A9-51FA011E4D19}"/>
               </a:ext>
             </a:extLst>
           </p:cNvPr>
@@ -3358,7 +3359,7 @@
           <p:cNvPr id="2" name="Title 1">
             <a:extLst>
               <a:ext uri="{FF2B5EF4-FFF2-40B4-BE49-F238E27FC236}">
-                <a16:creationId xmlns:a16="http://schemas.microsoft.com/office/drawing/2014/main" id="{AA8F10E1-8CD4-40D6-8FD3-9A29DC99D8D7}"/>
+                <a16:creationId xmlns:a16="http://schemas.microsoft.com/office/drawing/2014/main" xmlns="" id="{AA8F10E1-8CD4-40D6-8FD3-9A29DC99D8D7}"/>
               </a:ext>
             </a:extLst>
           </p:cNvPr>
@@ -3385,6 +3386,10 @@
               <a:rPr lang="en-GB" b="1" dirty="0"/>
               <a:t>Modelling a Cold Atom using a Driven Gyroscope</a:t>
             </a:r>
+            <a:r>
+              <a:rPr lang="en-GB" dirty="0"/>
+              <a:t/>
+            </a:r>
             <a:br>
               <a:rPr lang="en-GB" dirty="0"/>
             </a:br>
@@ -3397,7 +3402,7 @@
           <p:cNvPr id="3" name="Subtitle 2">
             <a:extLst>
               <a:ext uri="{FF2B5EF4-FFF2-40B4-BE49-F238E27FC236}">
-                <a16:creationId xmlns:a16="http://schemas.microsoft.com/office/drawing/2014/main" id="{879EB53F-BA39-43F2-A78A-52C505FF8285}"/>
+                <a16:creationId xmlns:a16="http://schemas.microsoft.com/office/drawing/2014/main" xmlns="" id="{879EB53F-BA39-43F2-A78A-52C505FF8285}"/>
               </a:ext>
             </a:extLst>
           </p:cNvPr>
@@ -3430,7 +3435,7 @@
           <p:cNvPr id="4" name="TextBox 3">
             <a:extLst>
               <a:ext uri="{FF2B5EF4-FFF2-40B4-BE49-F238E27FC236}">
-                <a16:creationId xmlns:a16="http://schemas.microsoft.com/office/drawing/2014/main" id="{3EF5D434-3192-44DE-9628-C528C798010B}"/>
+                <a16:creationId xmlns:a16="http://schemas.microsoft.com/office/drawing/2014/main" xmlns="" id="{3EF5D434-3192-44DE-9628-C528C798010B}"/>
               </a:ext>
             </a:extLst>
           </p:cNvPr>
@@ -3495,7 +3500,7 @@
           <p:cNvPr id="2" name="Title 1">
             <a:extLst>
               <a:ext uri="{FF2B5EF4-FFF2-40B4-BE49-F238E27FC236}">
-                <a16:creationId xmlns:a16="http://schemas.microsoft.com/office/drawing/2014/main" id="{776ED940-42A6-42A1-8B00-ADBF8C3EA07A}"/>
+                <a16:creationId xmlns:a16="http://schemas.microsoft.com/office/drawing/2014/main" xmlns="" id="{776ED940-42A6-42A1-8B00-ADBF8C3EA07A}"/>
               </a:ext>
             </a:extLst>
           </p:cNvPr>
@@ -3523,7 +3528,7 @@
           <p:cNvPr id="3" name="Content Placeholder 2">
             <a:extLst>
               <a:ext uri="{FF2B5EF4-FFF2-40B4-BE49-F238E27FC236}">
-                <a16:creationId xmlns:a16="http://schemas.microsoft.com/office/drawing/2014/main" id="{A403DE32-9B9A-4FE6-8520-B799E751D32C}"/>
+                <a16:creationId xmlns:a16="http://schemas.microsoft.com/office/drawing/2014/main" xmlns="" id="{A403DE32-9B9A-4FE6-8520-B799E751D32C}"/>
               </a:ext>
             </a:extLst>
           </p:cNvPr>
@@ -3590,12 +3595,12 @@
               <a:t>Produce a torque with </a:t>
             </a:r>
             <a:r>
-              <a:rPr lang="en-GB" dirty="0" err="1"/>
-              <a:t>electromagatism</a:t>
+              <a:rPr lang="en-GB" dirty="0" smtClean="0"/>
+              <a:t>electromagnetism </a:t>
             </a:r>
             <a:r>
               <a:rPr lang="en-GB" dirty="0"/>
-              <a:t> causing the gyroscope to process</a:t>
+              <a:t>causing the gyroscope to process</a:t>
             </a:r>
           </a:p>
           <a:p>
@@ -3647,7 +3652,7 @@
           <p:cNvPr id="2" name="Title 1">
             <a:extLst>
               <a:ext uri="{FF2B5EF4-FFF2-40B4-BE49-F238E27FC236}">
-                <a16:creationId xmlns:a16="http://schemas.microsoft.com/office/drawing/2014/main" id="{8F5736DB-FFCE-47EA-A366-CC4E8587CD49}"/>
+                <a16:creationId xmlns:a16="http://schemas.microsoft.com/office/drawing/2014/main" xmlns="" id="{8F5736DB-FFCE-47EA-A366-CC4E8587CD49}"/>
               </a:ext>
             </a:extLst>
           </p:cNvPr>
@@ -3664,9 +3669,10 @@
           <a:lstStyle/>
           <a:p>
             <a:r>
-              <a:rPr lang="en-GB" dirty="0"/>
-              <a:t>Introduction</a:t>
-            </a:r>
+              <a:rPr lang="en-GB" dirty="0" smtClean="0"/>
+              <a:t>Theory</a:t>
+            </a:r>
+            <a:endParaRPr lang="en-GB" dirty="0"/>
           </a:p>
         </p:txBody>
       </p:sp>
@@ -3675,7 +3681,7 @@
           <p:cNvPr id="3" name="Content Placeholder 2">
             <a:extLst>
               <a:ext uri="{FF2B5EF4-FFF2-40B4-BE49-F238E27FC236}">
-                <a16:creationId xmlns:a16="http://schemas.microsoft.com/office/drawing/2014/main" id="{A1C0B25C-1540-4636-8004-EF1DBC7C92CA}"/>
+                <a16:creationId xmlns:a16="http://schemas.microsoft.com/office/drawing/2014/main" xmlns="" id="{A1C0B25C-1540-4636-8004-EF1DBC7C92CA}"/>
               </a:ext>
             </a:extLst>
           </p:cNvPr>
@@ -3691,7 +3697,16 @@
           <a:bodyPr/>
           <a:lstStyle/>
           <a:p>
-            <a:endParaRPr lang="en-GB"/>
+            <a:r>
+              <a:rPr lang="en-GB" dirty="0" smtClean="0"/>
+              <a:t>Bloch sphere</a:t>
+            </a:r>
+          </a:p>
+          <a:p>
+            <a:endParaRPr lang="en-GB" dirty="0"/>
+          </a:p>
+          <a:p>
+            <a:endParaRPr lang="en-GB" dirty="0"/>
           </a:p>
         </p:txBody>
       </p:sp>
@@ -3727,13 +3742,7 @@
       </p:grpSpPr>
       <p:sp>
         <p:nvSpPr>
-          <p:cNvPr id="2" name="Title 1">
-            <a:extLst>
-              <a:ext uri="{FF2B5EF4-FFF2-40B4-BE49-F238E27FC236}">
-                <a16:creationId xmlns:a16="http://schemas.microsoft.com/office/drawing/2014/main" id="{E86B6ED6-1BE4-441C-80DC-274325747CF3}"/>
-              </a:ext>
-            </a:extLst>
-          </p:cNvPr>
+          <p:cNvPr id="2" name="Title 1"/>
           <p:cNvSpPr>
             <a:spLocks noGrp="1"/>
           </p:cNvSpPr>
@@ -3747,21 +3756,16 @@
           <a:lstStyle/>
           <a:p>
             <a:r>
-              <a:rPr lang="en-GB" dirty="0"/>
-              <a:t>Plans</a:t>
-            </a:r>
-          </a:p>
-        </p:txBody>
-      </p:sp>
-      <p:sp>
-        <p:nvSpPr>
-          <p:cNvPr id="3" name="Content Placeholder 2">
-            <a:extLst>
-              <a:ext uri="{FF2B5EF4-FFF2-40B4-BE49-F238E27FC236}">
-                <a16:creationId xmlns:a16="http://schemas.microsoft.com/office/drawing/2014/main" id="{85C57FF7-E60F-4E0A-8A80-89763CE959D4}"/>
-              </a:ext>
-            </a:extLst>
-          </p:cNvPr>
+              <a:rPr lang="en-US" dirty="0" smtClean="0"/>
+              <a:t>Feasibility studies</a:t>
+            </a:r>
+            <a:endParaRPr lang="en-US" dirty="0"/>
+          </a:p>
+        </p:txBody>
+      </p:sp>
+      <p:sp>
+        <p:nvSpPr>
+          <p:cNvPr id="3" name="Content Placeholder 2"/>
           <p:cNvSpPr>
             <a:spLocks noGrp="1"/>
           </p:cNvSpPr>
@@ -3775,40 +3779,35 @@
           <a:lstStyle/>
           <a:p>
             <a:r>
-              <a:rPr lang="en-GB" dirty="0"/>
-              <a:t>Currently in workshop having motor fitted</a:t>
-            </a:r>
-          </a:p>
-          <a:p>
-            <a:r>
-              <a:rPr lang="en-GB" dirty="0"/>
-              <a:t>Code being written to interpret results from the tachometer</a:t>
-            </a:r>
-          </a:p>
-          <a:p>
-            <a:r>
-              <a:rPr lang="en-GB" dirty="0"/>
-              <a:t>Magnet analysis and attachment</a:t>
-            </a:r>
-          </a:p>
-          <a:p>
-            <a:r>
-              <a:rPr lang="en-GB" dirty="0"/>
-              <a:t>Weeks 9-10 is testing</a:t>
-            </a:r>
-          </a:p>
-          <a:p>
-            <a:r>
-              <a:rPr lang="en-GB" dirty="0"/>
-              <a:t>Finishing and report writing</a:t>
-            </a:r>
+              <a:rPr lang="en-US" dirty="0" smtClean="0"/>
+              <a:t>Driving the rotor of the gyroscope with a current</a:t>
+            </a:r>
+          </a:p>
+          <a:p>
+            <a:endParaRPr lang="en-US" dirty="0"/>
+          </a:p>
+          <a:p>
+            <a:r>
+              <a:rPr lang="en-US" dirty="0" smtClean="0"/>
+              <a:t>With small conducting magnets</a:t>
+            </a:r>
+          </a:p>
+          <a:p>
+            <a:endParaRPr lang="en-US" dirty="0"/>
+          </a:p>
+          <a:p>
+            <a:r>
+              <a:rPr lang="en-US" dirty="0" smtClean="0"/>
+              <a:t>Tachometer and motor arrangement</a:t>
+            </a:r>
+            <a:endParaRPr lang="en-US" dirty="0"/>
           </a:p>
         </p:txBody>
       </p:sp>
     </p:spTree>
     <p:extLst>
       <p:ext uri="{BB962C8B-B14F-4D97-AF65-F5344CB8AC3E}">
-        <p14:creationId xmlns:p14="http://schemas.microsoft.com/office/powerpoint/2010/main" val="1746099802"/>
+        <p14:creationId xmlns:p14="http://schemas.microsoft.com/office/powerpoint/2010/main" val="1838107109"/>
       </p:ext>
     </p:extLst>
   </p:cSld>
@@ -3840,7 +3839,7 @@
           <p:cNvPr id="2" name="Title 1">
             <a:extLst>
               <a:ext uri="{FF2B5EF4-FFF2-40B4-BE49-F238E27FC236}">
-                <a16:creationId xmlns:a16="http://schemas.microsoft.com/office/drawing/2014/main" id="{BA2C8F2B-EEF3-4B33-BA8A-C9A78BBF5175}"/>
+                <a16:creationId xmlns:a16="http://schemas.microsoft.com/office/drawing/2014/main" xmlns="" id="{E86B6ED6-1BE4-441C-80DC-274325747CF3}"/>
               </a:ext>
             </a:extLst>
           </p:cNvPr>
@@ -3858,7 +3857,7 @@
           <a:p>
             <a:r>
               <a:rPr lang="en-GB" dirty="0"/>
-              <a:t>So far</a:t>
+              <a:t>Plans</a:t>
             </a:r>
           </a:p>
         </p:txBody>
@@ -3868,7 +3867,7 @@
           <p:cNvPr id="3" name="Content Placeholder 2">
             <a:extLst>
               <a:ext uri="{FF2B5EF4-FFF2-40B4-BE49-F238E27FC236}">
-                <a16:creationId xmlns:a16="http://schemas.microsoft.com/office/drawing/2014/main" id="{741E673C-D4E4-4878-88DD-E3CE0E3A8E57}"/>
+                <a16:creationId xmlns:a16="http://schemas.microsoft.com/office/drawing/2014/main" xmlns="" id="{85C57FF7-E60F-4E0A-8A80-89763CE959D4}"/>
               </a:ext>
             </a:extLst>
           </p:cNvPr>
@@ -3886,28 +3885,31 @@
           <a:p>
             <a:r>
               <a:rPr lang="en-GB" dirty="0"/>
-              <a:t>Research and design of Faraday Disk</a:t>
+              <a:t>Currently in workshop having motor fitted</a:t>
             </a:r>
           </a:p>
           <a:p>
             <a:r>
               <a:rPr lang="en-GB" dirty="0"/>
-              <a:t>Redesign and proposal</a:t>
+              <a:t>Code being written to interpret results from the tachometer</a:t>
             </a:r>
           </a:p>
           <a:p>
             <a:r>
               <a:rPr lang="en-GB" dirty="0"/>
-              <a:t>Motor design</a:t>
-            </a:r>
-          </a:p>
-          <a:p>
-            <a:pPr marL="0" indent="0">
-              <a:buNone/>
-            </a:pPr>
+              <a:t>Magnet analysis and attachment</a:t>
+            </a:r>
+          </a:p>
+          <a:p>
             <a:r>
               <a:rPr lang="en-GB" dirty="0"/>
-              <a:t> </a:t>
+              <a:t>Weeks 9-10 is testing</a:t>
+            </a:r>
+          </a:p>
+          <a:p>
+            <a:r>
+              <a:rPr lang="en-GB" dirty="0"/>
+              <a:t>Finishing and report writing</a:t>
             </a:r>
           </a:p>
         </p:txBody>
@@ -3915,7 +3917,7 @@
     </p:spTree>
     <p:extLst>
       <p:ext uri="{BB962C8B-B14F-4D97-AF65-F5344CB8AC3E}">
-        <p14:creationId xmlns:p14="http://schemas.microsoft.com/office/powerpoint/2010/main" val="2237587994"/>
+        <p14:creationId xmlns:p14="http://schemas.microsoft.com/office/powerpoint/2010/main" val="1746099802"/>
       </p:ext>
     </p:extLst>
   </p:cSld>
@@ -3947,7 +3949,7 @@
           <p:cNvPr id="2" name="Title 1">
             <a:extLst>
               <a:ext uri="{FF2B5EF4-FFF2-40B4-BE49-F238E27FC236}">
-                <a16:creationId xmlns:a16="http://schemas.microsoft.com/office/drawing/2014/main" id="{9B854454-8067-465B-AD45-B2CDC88CB231}"/>
+                <a16:creationId xmlns:a16="http://schemas.microsoft.com/office/drawing/2014/main" xmlns="" id="{BA2C8F2B-EEF3-4B33-BA8A-C9A78BBF5175}"/>
               </a:ext>
             </a:extLst>
           </p:cNvPr>
@@ -3965,7 +3967,7 @@
           <a:p>
             <a:r>
               <a:rPr lang="en-GB" dirty="0"/>
-              <a:t>Summary</a:t>
+              <a:t>So far</a:t>
             </a:r>
           </a:p>
         </p:txBody>
@@ -3975,7 +3977,7 @@
           <p:cNvPr id="3" name="Content Placeholder 2">
             <a:extLst>
               <a:ext uri="{FF2B5EF4-FFF2-40B4-BE49-F238E27FC236}">
-                <a16:creationId xmlns:a16="http://schemas.microsoft.com/office/drawing/2014/main" id="{0ACB5D71-029B-4F3A-B332-3EC01F9BA7F2}"/>
+                <a16:creationId xmlns:a16="http://schemas.microsoft.com/office/drawing/2014/main" xmlns="" id="{741E673C-D4E4-4878-88DD-E3CE0E3A8E57}"/>
               </a:ext>
             </a:extLst>
           </p:cNvPr>
@@ -3991,14 +3993,38 @@
           <a:bodyPr/>
           <a:lstStyle/>
           <a:p>
-            <a:endParaRPr lang="en-GB"/>
+            <a:r>
+              <a:rPr lang="en-GB" dirty="0"/>
+              <a:t>Research and design of Faraday Disk</a:t>
+            </a:r>
+          </a:p>
+          <a:p>
+            <a:r>
+              <a:rPr lang="en-GB" dirty="0"/>
+              <a:t>Redesign and proposal</a:t>
+            </a:r>
+          </a:p>
+          <a:p>
+            <a:r>
+              <a:rPr lang="en-GB" dirty="0"/>
+              <a:t>Motor design</a:t>
+            </a:r>
+          </a:p>
+          <a:p>
+            <a:pPr marL="0" indent="0">
+              <a:buNone/>
+            </a:pPr>
+            <a:r>
+              <a:rPr lang="en-GB" dirty="0"/>
+              <a:t> </a:t>
+            </a:r>
           </a:p>
         </p:txBody>
       </p:sp>
     </p:spTree>
     <p:extLst>
       <p:ext uri="{BB962C8B-B14F-4D97-AF65-F5344CB8AC3E}">
-        <p14:creationId xmlns:p14="http://schemas.microsoft.com/office/powerpoint/2010/main" val="2669640703"/>
+        <p14:creationId xmlns:p14="http://schemas.microsoft.com/office/powerpoint/2010/main" val="2237587994"/>
       </p:ext>
     </p:extLst>
   </p:cSld>
@@ -4030,7 +4056,90 @@
           <p:cNvPr id="2" name="Title 1">
             <a:extLst>
               <a:ext uri="{FF2B5EF4-FFF2-40B4-BE49-F238E27FC236}">
-                <a16:creationId xmlns:a16="http://schemas.microsoft.com/office/drawing/2014/main" id="{21E26BB8-45B0-4985-B79D-3ED7DF7DB300}"/>
+                <a16:creationId xmlns:a16="http://schemas.microsoft.com/office/drawing/2014/main" xmlns="" id="{9B854454-8067-465B-AD45-B2CDC88CB231}"/>
+              </a:ext>
+            </a:extLst>
+          </p:cNvPr>
+          <p:cNvSpPr>
+            <a:spLocks noGrp="1"/>
+          </p:cNvSpPr>
+          <p:nvPr>
+            <p:ph type="title"/>
+          </p:nvPr>
+        </p:nvSpPr>
+        <p:spPr/>
+        <p:txBody>
+          <a:bodyPr/>
+          <a:lstStyle/>
+          <a:p>
+            <a:r>
+              <a:rPr lang="en-GB" dirty="0"/>
+              <a:t>Summary</a:t>
+            </a:r>
+          </a:p>
+        </p:txBody>
+      </p:sp>
+      <p:sp>
+        <p:nvSpPr>
+          <p:cNvPr id="3" name="Content Placeholder 2">
+            <a:extLst>
+              <a:ext uri="{FF2B5EF4-FFF2-40B4-BE49-F238E27FC236}">
+                <a16:creationId xmlns:a16="http://schemas.microsoft.com/office/drawing/2014/main" xmlns="" id="{0ACB5D71-029B-4F3A-B332-3EC01F9BA7F2}"/>
+              </a:ext>
+            </a:extLst>
+          </p:cNvPr>
+          <p:cNvSpPr>
+            <a:spLocks noGrp="1"/>
+          </p:cNvSpPr>
+          <p:nvPr>
+            <p:ph idx="1"/>
+          </p:nvPr>
+        </p:nvSpPr>
+        <p:spPr/>
+        <p:txBody>
+          <a:bodyPr/>
+          <a:lstStyle/>
+          <a:p>
+            <a:endParaRPr lang="en-GB"/>
+          </a:p>
+        </p:txBody>
+      </p:sp>
+    </p:spTree>
+    <p:extLst>
+      <p:ext uri="{BB962C8B-B14F-4D97-AF65-F5344CB8AC3E}">
+        <p14:creationId xmlns:p14="http://schemas.microsoft.com/office/powerpoint/2010/main" val="2669640703"/>
+      </p:ext>
+    </p:extLst>
+  </p:cSld>
+  <p:clrMapOvr>
+    <a:masterClrMapping/>
+  </p:clrMapOvr>
+</p:sld>
+</file>
+
+<file path=ppt/slides/slide8.xml><?xml version="1.0" encoding="utf-8"?>
+<p:sld xmlns:a="http://schemas.openxmlformats.org/drawingml/2006/main" xmlns:r="http://schemas.openxmlformats.org/officeDocument/2006/relationships" xmlns:p="http://schemas.openxmlformats.org/presentationml/2006/main">
+  <p:cSld>
+    <p:spTree>
+      <p:nvGrpSpPr>
+        <p:cNvPr id="1" name=""/>
+        <p:cNvGrpSpPr/>
+        <p:nvPr/>
+      </p:nvGrpSpPr>
+      <p:grpSpPr>
+        <a:xfrm>
+          <a:off x="0" y="0"/>
+          <a:ext cx="0" cy="0"/>
+          <a:chOff x="0" y="0"/>
+          <a:chExt cx="0" cy="0"/>
+        </a:xfrm>
+      </p:grpSpPr>
+      <p:sp>
+        <p:nvSpPr>
+          <p:cNvPr id="2" name="Title 1">
+            <a:extLst>
+              <a:ext uri="{FF2B5EF4-FFF2-40B4-BE49-F238E27FC236}">
+                <a16:creationId xmlns:a16="http://schemas.microsoft.com/office/drawing/2014/main" xmlns="" id="{21E26BB8-45B0-4985-B79D-3ED7DF7DB300}"/>
               </a:ext>
             </a:extLst>
           </p:cNvPr>
@@ -4058,7 +4167,7 @@
           <p:cNvPr id="3" name="Content Placeholder 2">
             <a:extLst>
               <a:ext uri="{FF2B5EF4-FFF2-40B4-BE49-F238E27FC236}">
-                <a16:creationId xmlns:a16="http://schemas.microsoft.com/office/drawing/2014/main" id="{FC6D7CB9-CDA0-4B6E-96C6-F7A4FEFDF70A}"/>
+                <a16:creationId xmlns:a16="http://schemas.microsoft.com/office/drawing/2014/main" xmlns="" id="{FC6D7CB9-CDA0-4B6E-96C6-F7A4FEFDF70A}"/>
               </a:ext>
             </a:extLst>
           </p:cNvPr>

--- a/Project Presentation.pptx
+++ b/Project Presentation.pptx
@@ -8,11 +8,10 @@
     <p:sldId id="256" r:id="rId2"/>
     <p:sldId id="257" r:id="rId3"/>
     <p:sldId id="258" r:id="rId4"/>
-    <p:sldId id="263" r:id="rId5"/>
-    <p:sldId id="259" r:id="rId6"/>
-    <p:sldId id="260" r:id="rId7"/>
-    <p:sldId id="261" r:id="rId8"/>
-    <p:sldId id="262" r:id="rId9"/>
+    <p:sldId id="259" r:id="rId5"/>
+    <p:sldId id="260" r:id="rId6"/>
+    <p:sldId id="261" r:id="rId7"/>
+    <p:sldId id="262" r:id="rId8"/>
   </p:sldIdLst>
   <p:sldSz cx="12192000" cy="6858000"/>
   <p:notesSz cx="6858000" cy="9144000"/>
@@ -141,7 +140,7 @@
           <p:cNvPr id="2" name="Title 1">
             <a:extLst>
               <a:ext uri="{FF2B5EF4-FFF2-40B4-BE49-F238E27FC236}">
-                <a16:creationId xmlns:a16="http://schemas.microsoft.com/office/drawing/2014/main" xmlns="" id="{AA5501FD-A8F8-41E0-8D43-003DBAB6D51E}"/>
+                <a16:creationId xmlns:a16="http://schemas.microsoft.com/office/drawing/2014/main" id="{AA5501FD-A8F8-41E0-8D43-003DBAB6D51E}"/>
               </a:ext>
             </a:extLst>
           </p:cNvPr>
@@ -179,7 +178,7 @@
           <p:cNvPr id="3" name="Subtitle 2">
             <a:extLst>
               <a:ext uri="{FF2B5EF4-FFF2-40B4-BE49-F238E27FC236}">
-                <a16:creationId xmlns:a16="http://schemas.microsoft.com/office/drawing/2014/main" xmlns="" id="{5C399954-8AEE-4A49-AC19-D18D02B864E4}"/>
+                <a16:creationId xmlns:a16="http://schemas.microsoft.com/office/drawing/2014/main" id="{5C399954-8AEE-4A49-AC19-D18D02B864E4}"/>
               </a:ext>
             </a:extLst>
           </p:cNvPr>
@@ -250,7 +249,7 @@
           <p:cNvPr id="4" name="Date Placeholder 3">
             <a:extLst>
               <a:ext uri="{FF2B5EF4-FFF2-40B4-BE49-F238E27FC236}">
-                <a16:creationId xmlns:a16="http://schemas.microsoft.com/office/drawing/2014/main" xmlns="" id="{4DF9E8AF-2E75-4790-9F0B-015B629CE17E}"/>
+                <a16:creationId xmlns:a16="http://schemas.microsoft.com/office/drawing/2014/main" id="{4DF9E8AF-2E75-4790-9F0B-015B629CE17E}"/>
               </a:ext>
             </a:extLst>
           </p:cNvPr>
@@ -279,7 +278,7 @@
           <p:cNvPr id="5" name="Footer Placeholder 4">
             <a:extLst>
               <a:ext uri="{FF2B5EF4-FFF2-40B4-BE49-F238E27FC236}">
-                <a16:creationId xmlns:a16="http://schemas.microsoft.com/office/drawing/2014/main" xmlns="" id="{F8FDA900-F2ED-4DF4-A327-AF01398CC1A0}"/>
+                <a16:creationId xmlns:a16="http://schemas.microsoft.com/office/drawing/2014/main" id="{F8FDA900-F2ED-4DF4-A327-AF01398CC1A0}"/>
               </a:ext>
             </a:extLst>
           </p:cNvPr>
@@ -304,7 +303,7 @@
           <p:cNvPr id="6" name="Slide Number Placeholder 5">
             <a:extLst>
               <a:ext uri="{FF2B5EF4-FFF2-40B4-BE49-F238E27FC236}">
-                <a16:creationId xmlns:a16="http://schemas.microsoft.com/office/drawing/2014/main" xmlns="" id="{80AF940B-B68A-4DBF-B7DD-D6898DDA1DBE}"/>
+                <a16:creationId xmlns:a16="http://schemas.microsoft.com/office/drawing/2014/main" id="{80AF940B-B68A-4DBF-B7DD-D6898DDA1DBE}"/>
               </a:ext>
             </a:extLst>
           </p:cNvPr>
@@ -363,7 +362,7 @@
           <p:cNvPr id="2" name="Title 1">
             <a:extLst>
               <a:ext uri="{FF2B5EF4-FFF2-40B4-BE49-F238E27FC236}">
-                <a16:creationId xmlns:a16="http://schemas.microsoft.com/office/drawing/2014/main" xmlns="" id="{40CBE871-6025-4994-9A09-CF426638BDE8}"/>
+                <a16:creationId xmlns:a16="http://schemas.microsoft.com/office/drawing/2014/main" id="{40CBE871-6025-4994-9A09-CF426638BDE8}"/>
               </a:ext>
             </a:extLst>
           </p:cNvPr>
@@ -392,7 +391,7 @@
           <p:cNvPr id="3" name="Vertical Text Placeholder 2">
             <a:extLst>
               <a:ext uri="{FF2B5EF4-FFF2-40B4-BE49-F238E27FC236}">
-                <a16:creationId xmlns:a16="http://schemas.microsoft.com/office/drawing/2014/main" xmlns="" id="{038C9900-EDDC-4763-AACD-05F946A2540D}"/>
+                <a16:creationId xmlns:a16="http://schemas.microsoft.com/office/drawing/2014/main" id="{038C9900-EDDC-4763-AACD-05F946A2540D}"/>
               </a:ext>
             </a:extLst>
           </p:cNvPr>
@@ -450,7 +449,7 @@
           <p:cNvPr id="4" name="Date Placeholder 3">
             <a:extLst>
               <a:ext uri="{FF2B5EF4-FFF2-40B4-BE49-F238E27FC236}">
-                <a16:creationId xmlns:a16="http://schemas.microsoft.com/office/drawing/2014/main" xmlns="" id="{A7B60D9F-90F5-4453-A9A4-C42D9D8CEA4E}"/>
+                <a16:creationId xmlns:a16="http://schemas.microsoft.com/office/drawing/2014/main" id="{A7B60D9F-90F5-4453-A9A4-C42D9D8CEA4E}"/>
               </a:ext>
             </a:extLst>
           </p:cNvPr>
@@ -479,7 +478,7 @@
           <p:cNvPr id="5" name="Footer Placeholder 4">
             <a:extLst>
               <a:ext uri="{FF2B5EF4-FFF2-40B4-BE49-F238E27FC236}">
-                <a16:creationId xmlns:a16="http://schemas.microsoft.com/office/drawing/2014/main" xmlns="" id="{78D157B6-5A9F-4CAC-BEE3-DE5E3335FCB4}"/>
+                <a16:creationId xmlns:a16="http://schemas.microsoft.com/office/drawing/2014/main" id="{78D157B6-5A9F-4CAC-BEE3-DE5E3335FCB4}"/>
               </a:ext>
             </a:extLst>
           </p:cNvPr>
@@ -504,7 +503,7 @@
           <p:cNvPr id="6" name="Slide Number Placeholder 5">
             <a:extLst>
               <a:ext uri="{FF2B5EF4-FFF2-40B4-BE49-F238E27FC236}">
-                <a16:creationId xmlns:a16="http://schemas.microsoft.com/office/drawing/2014/main" xmlns="" id="{0CAEDF5C-E925-4589-8945-F0FF6681CCB1}"/>
+                <a16:creationId xmlns:a16="http://schemas.microsoft.com/office/drawing/2014/main" id="{0CAEDF5C-E925-4589-8945-F0FF6681CCB1}"/>
               </a:ext>
             </a:extLst>
           </p:cNvPr>
@@ -563,7 +562,7 @@
           <p:cNvPr id="2" name="Vertical Title 1">
             <a:extLst>
               <a:ext uri="{FF2B5EF4-FFF2-40B4-BE49-F238E27FC236}">
-                <a16:creationId xmlns:a16="http://schemas.microsoft.com/office/drawing/2014/main" xmlns="" id="{8469A6E6-4371-4FB7-92A2-4643EA1550B7}"/>
+                <a16:creationId xmlns:a16="http://schemas.microsoft.com/office/drawing/2014/main" id="{8469A6E6-4371-4FB7-92A2-4643EA1550B7}"/>
               </a:ext>
             </a:extLst>
           </p:cNvPr>
@@ -597,7 +596,7 @@
           <p:cNvPr id="3" name="Vertical Text Placeholder 2">
             <a:extLst>
               <a:ext uri="{FF2B5EF4-FFF2-40B4-BE49-F238E27FC236}">
-                <a16:creationId xmlns:a16="http://schemas.microsoft.com/office/drawing/2014/main" xmlns="" id="{C7DC2601-BA5A-42DB-989E-14AE23BA0073}"/>
+                <a16:creationId xmlns:a16="http://schemas.microsoft.com/office/drawing/2014/main" id="{C7DC2601-BA5A-42DB-989E-14AE23BA0073}"/>
               </a:ext>
             </a:extLst>
           </p:cNvPr>
@@ -660,7 +659,7 @@
           <p:cNvPr id="4" name="Date Placeholder 3">
             <a:extLst>
               <a:ext uri="{FF2B5EF4-FFF2-40B4-BE49-F238E27FC236}">
-                <a16:creationId xmlns:a16="http://schemas.microsoft.com/office/drawing/2014/main" xmlns="" id="{B46809E9-0D54-43B9-AA6C-8B99EFCE9432}"/>
+                <a16:creationId xmlns:a16="http://schemas.microsoft.com/office/drawing/2014/main" id="{B46809E9-0D54-43B9-AA6C-8B99EFCE9432}"/>
               </a:ext>
             </a:extLst>
           </p:cNvPr>
@@ -689,7 +688,7 @@
           <p:cNvPr id="5" name="Footer Placeholder 4">
             <a:extLst>
               <a:ext uri="{FF2B5EF4-FFF2-40B4-BE49-F238E27FC236}">
-                <a16:creationId xmlns:a16="http://schemas.microsoft.com/office/drawing/2014/main" xmlns="" id="{F7B76793-C486-42EE-9E2B-0EEF95EDA99D}"/>
+                <a16:creationId xmlns:a16="http://schemas.microsoft.com/office/drawing/2014/main" id="{F7B76793-C486-42EE-9E2B-0EEF95EDA99D}"/>
               </a:ext>
             </a:extLst>
           </p:cNvPr>
@@ -714,7 +713,7 @@
           <p:cNvPr id="6" name="Slide Number Placeholder 5">
             <a:extLst>
               <a:ext uri="{FF2B5EF4-FFF2-40B4-BE49-F238E27FC236}">
-                <a16:creationId xmlns:a16="http://schemas.microsoft.com/office/drawing/2014/main" xmlns="" id="{D77D508F-C3B2-4238-9B11-51D33884DCE7}"/>
+                <a16:creationId xmlns:a16="http://schemas.microsoft.com/office/drawing/2014/main" id="{D77D508F-C3B2-4238-9B11-51D33884DCE7}"/>
               </a:ext>
             </a:extLst>
           </p:cNvPr>
@@ -773,7 +772,7 @@
           <p:cNvPr id="2" name="Title 1">
             <a:extLst>
               <a:ext uri="{FF2B5EF4-FFF2-40B4-BE49-F238E27FC236}">
-                <a16:creationId xmlns:a16="http://schemas.microsoft.com/office/drawing/2014/main" xmlns="" id="{61E5EE23-B23A-45CE-ADB0-76D15BCC58E8}"/>
+                <a16:creationId xmlns:a16="http://schemas.microsoft.com/office/drawing/2014/main" id="{61E5EE23-B23A-45CE-ADB0-76D15BCC58E8}"/>
               </a:ext>
             </a:extLst>
           </p:cNvPr>
@@ -802,7 +801,7 @@
           <p:cNvPr id="3" name="Content Placeholder 2">
             <a:extLst>
               <a:ext uri="{FF2B5EF4-FFF2-40B4-BE49-F238E27FC236}">
-                <a16:creationId xmlns:a16="http://schemas.microsoft.com/office/drawing/2014/main" xmlns="" id="{E848E6B5-4E83-4453-957C-92C75B3A5AE3}"/>
+                <a16:creationId xmlns:a16="http://schemas.microsoft.com/office/drawing/2014/main" id="{E848E6B5-4E83-4453-957C-92C75B3A5AE3}"/>
               </a:ext>
             </a:extLst>
           </p:cNvPr>
@@ -860,7 +859,7 @@
           <p:cNvPr id="4" name="Date Placeholder 3">
             <a:extLst>
               <a:ext uri="{FF2B5EF4-FFF2-40B4-BE49-F238E27FC236}">
-                <a16:creationId xmlns:a16="http://schemas.microsoft.com/office/drawing/2014/main" xmlns="" id="{5DCC2507-DD31-47FF-A6D9-CDF8D6D04476}"/>
+                <a16:creationId xmlns:a16="http://schemas.microsoft.com/office/drawing/2014/main" id="{5DCC2507-DD31-47FF-A6D9-CDF8D6D04476}"/>
               </a:ext>
             </a:extLst>
           </p:cNvPr>
@@ -889,7 +888,7 @@
           <p:cNvPr id="5" name="Footer Placeholder 4">
             <a:extLst>
               <a:ext uri="{FF2B5EF4-FFF2-40B4-BE49-F238E27FC236}">
-                <a16:creationId xmlns:a16="http://schemas.microsoft.com/office/drawing/2014/main" xmlns="" id="{913995ED-BA82-465E-B07B-9E0E6D1725CE}"/>
+                <a16:creationId xmlns:a16="http://schemas.microsoft.com/office/drawing/2014/main" id="{913995ED-BA82-465E-B07B-9E0E6D1725CE}"/>
               </a:ext>
             </a:extLst>
           </p:cNvPr>
@@ -914,7 +913,7 @@
           <p:cNvPr id="6" name="Slide Number Placeholder 5">
             <a:extLst>
               <a:ext uri="{FF2B5EF4-FFF2-40B4-BE49-F238E27FC236}">
-                <a16:creationId xmlns:a16="http://schemas.microsoft.com/office/drawing/2014/main" xmlns="" id="{00F3F3D0-6433-4789-9DEC-D918BB79084A}"/>
+                <a16:creationId xmlns:a16="http://schemas.microsoft.com/office/drawing/2014/main" id="{00F3F3D0-6433-4789-9DEC-D918BB79084A}"/>
               </a:ext>
             </a:extLst>
           </p:cNvPr>
@@ -973,7 +972,7 @@
           <p:cNvPr id="2" name="Title 1">
             <a:extLst>
               <a:ext uri="{FF2B5EF4-FFF2-40B4-BE49-F238E27FC236}">
-                <a16:creationId xmlns:a16="http://schemas.microsoft.com/office/drawing/2014/main" xmlns="" id="{4CDE9F5F-0980-4F79-9136-158960898599}"/>
+                <a16:creationId xmlns:a16="http://schemas.microsoft.com/office/drawing/2014/main" id="{4CDE9F5F-0980-4F79-9136-158960898599}"/>
               </a:ext>
             </a:extLst>
           </p:cNvPr>
@@ -1011,7 +1010,7 @@
           <p:cNvPr id="3" name="Text Placeholder 2">
             <a:extLst>
               <a:ext uri="{FF2B5EF4-FFF2-40B4-BE49-F238E27FC236}">
-                <a16:creationId xmlns:a16="http://schemas.microsoft.com/office/drawing/2014/main" xmlns="" id="{73809406-828D-491B-975A-258E9234AC57}"/>
+                <a16:creationId xmlns:a16="http://schemas.microsoft.com/office/drawing/2014/main" id="{73809406-828D-491B-975A-258E9234AC57}"/>
               </a:ext>
             </a:extLst>
           </p:cNvPr>
@@ -1136,7 +1135,7 @@
           <p:cNvPr id="4" name="Date Placeholder 3">
             <a:extLst>
               <a:ext uri="{FF2B5EF4-FFF2-40B4-BE49-F238E27FC236}">
-                <a16:creationId xmlns:a16="http://schemas.microsoft.com/office/drawing/2014/main" xmlns="" id="{D1E18031-B4D0-4B11-9FB0-1A800BC2E32D}"/>
+                <a16:creationId xmlns:a16="http://schemas.microsoft.com/office/drawing/2014/main" id="{D1E18031-B4D0-4B11-9FB0-1A800BC2E32D}"/>
               </a:ext>
             </a:extLst>
           </p:cNvPr>
@@ -1165,7 +1164,7 @@
           <p:cNvPr id="5" name="Footer Placeholder 4">
             <a:extLst>
               <a:ext uri="{FF2B5EF4-FFF2-40B4-BE49-F238E27FC236}">
-                <a16:creationId xmlns:a16="http://schemas.microsoft.com/office/drawing/2014/main" xmlns="" id="{04E2F716-9343-4C7B-9C22-382077604C9A}"/>
+                <a16:creationId xmlns:a16="http://schemas.microsoft.com/office/drawing/2014/main" id="{04E2F716-9343-4C7B-9C22-382077604C9A}"/>
               </a:ext>
             </a:extLst>
           </p:cNvPr>
@@ -1190,7 +1189,7 @@
           <p:cNvPr id="6" name="Slide Number Placeholder 5">
             <a:extLst>
               <a:ext uri="{FF2B5EF4-FFF2-40B4-BE49-F238E27FC236}">
-                <a16:creationId xmlns:a16="http://schemas.microsoft.com/office/drawing/2014/main" xmlns="" id="{74E61936-6449-428D-AC2E-2040636195C5}"/>
+                <a16:creationId xmlns:a16="http://schemas.microsoft.com/office/drawing/2014/main" id="{74E61936-6449-428D-AC2E-2040636195C5}"/>
               </a:ext>
             </a:extLst>
           </p:cNvPr>
@@ -1249,7 +1248,7 @@
           <p:cNvPr id="2" name="Title 1">
             <a:extLst>
               <a:ext uri="{FF2B5EF4-FFF2-40B4-BE49-F238E27FC236}">
-                <a16:creationId xmlns:a16="http://schemas.microsoft.com/office/drawing/2014/main" xmlns="" id="{77C26A25-41B7-4E27-B9BC-2877161043DA}"/>
+                <a16:creationId xmlns:a16="http://schemas.microsoft.com/office/drawing/2014/main" id="{77C26A25-41B7-4E27-B9BC-2877161043DA}"/>
               </a:ext>
             </a:extLst>
           </p:cNvPr>
@@ -1278,7 +1277,7 @@
           <p:cNvPr id="3" name="Content Placeholder 2">
             <a:extLst>
               <a:ext uri="{FF2B5EF4-FFF2-40B4-BE49-F238E27FC236}">
-                <a16:creationId xmlns:a16="http://schemas.microsoft.com/office/drawing/2014/main" xmlns="" id="{5DD709F4-3326-4F3E-9AAE-3CD024CB0D81}"/>
+                <a16:creationId xmlns:a16="http://schemas.microsoft.com/office/drawing/2014/main" id="{5DD709F4-3326-4F3E-9AAE-3CD024CB0D81}"/>
               </a:ext>
             </a:extLst>
           </p:cNvPr>
@@ -1341,7 +1340,7 @@
           <p:cNvPr id="4" name="Content Placeholder 3">
             <a:extLst>
               <a:ext uri="{FF2B5EF4-FFF2-40B4-BE49-F238E27FC236}">
-                <a16:creationId xmlns:a16="http://schemas.microsoft.com/office/drawing/2014/main" xmlns="" id="{A05A608C-BA9E-40CA-9450-4ACB43BB7D04}"/>
+                <a16:creationId xmlns:a16="http://schemas.microsoft.com/office/drawing/2014/main" id="{A05A608C-BA9E-40CA-9450-4ACB43BB7D04}"/>
               </a:ext>
             </a:extLst>
           </p:cNvPr>
@@ -1404,7 +1403,7 @@
           <p:cNvPr id="5" name="Date Placeholder 4">
             <a:extLst>
               <a:ext uri="{FF2B5EF4-FFF2-40B4-BE49-F238E27FC236}">
-                <a16:creationId xmlns:a16="http://schemas.microsoft.com/office/drawing/2014/main" xmlns="" id="{42B3FCB0-10AF-4422-A6D3-8B985FCC9021}"/>
+                <a16:creationId xmlns:a16="http://schemas.microsoft.com/office/drawing/2014/main" id="{42B3FCB0-10AF-4422-A6D3-8B985FCC9021}"/>
               </a:ext>
             </a:extLst>
           </p:cNvPr>
@@ -1433,7 +1432,7 @@
           <p:cNvPr id="6" name="Footer Placeholder 5">
             <a:extLst>
               <a:ext uri="{FF2B5EF4-FFF2-40B4-BE49-F238E27FC236}">
-                <a16:creationId xmlns:a16="http://schemas.microsoft.com/office/drawing/2014/main" xmlns="" id="{4994463A-782C-423B-AC61-81F9094E16AE}"/>
+                <a16:creationId xmlns:a16="http://schemas.microsoft.com/office/drawing/2014/main" id="{4994463A-782C-423B-AC61-81F9094E16AE}"/>
               </a:ext>
             </a:extLst>
           </p:cNvPr>
@@ -1458,7 +1457,7 @@
           <p:cNvPr id="7" name="Slide Number Placeholder 6">
             <a:extLst>
               <a:ext uri="{FF2B5EF4-FFF2-40B4-BE49-F238E27FC236}">
-                <a16:creationId xmlns:a16="http://schemas.microsoft.com/office/drawing/2014/main" xmlns="" id="{F12C0CC5-0864-41BA-BD54-ABFE48FC7356}"/>
+                <a16:creationId xmlns:a16="http://schemas.microsoft.com/office/drawing/2014/main" id="{F12C0CC5-0864-41BA-BD54-ABFE48FC7356}"/>
               </a:ext>
             </a:extLst>
           </p:cNvPr>
@@ -1517,7 +1516,7 @@
           <p:cNvPr id="2" name="Title 1">
             <a:extLst>
               <a:ext uri="{FF2B5EF4-FFF2-40B4-BE49-F238E27FC236}">
-                <a16:creationId xmlns:a16="http://schemas.microsoft.com/office/drawing/2014/main" xmlns="" id="{7F6C5323-A8DB-4136-892B-29A79AE51E88}"/>
+                <a16:creationId xmlns:a16="http://schemas.microsoft.com/office/drawing/2014/main" id="{7F6C5323-A8DB-4136-892B-29A79AE51E88}"/>
               </a:ext>
             </a:extLst>
           </p:cNvPr>
@@ -1551,7 +1550,7 @@
           <p:cNvPr id="3" name="Text Placeholder 2">
             <a:extLst>
               <a:ext uri="{FF2B5EF4-FFF2-40B4-BE49-F238E27FC236}">
-                <a16:creationId xmlns:a16="http://schemas.microsoft.com/office/drawing/2014/main" xmlns="" id="{3BC7DAD2-ECEC-4467-8701-9C29E74A6CF2}"/>
+                <a16:creationId xmlns:a16="http://schemas.microsoft.com/office/drawing/2014/main" id="{3BC7DAD2-ECEC-4467-8701-9C29E74A6CF2}"/>
               </a:ext>
             </a:extLst>
           </p:cNvPr>
@@ -1622,7 +1621,7 @@
           <p:cNvPr id="4" name="Content Placeholder 3">
             <a:extLst>
               <a:ext uri="{FF2B5EF4-FFF2-40B4-BE49-F238E27FC236}">
-                <a16:creationId xmlns:a16="http://schemas.microsoft.com/office/drawing/2014/main" xmlns="" id="{E818D659-94A4-4254-9471-53D87BA55F58}"/>
+                <a16:creationId xmlns:a16="http://schemas.microsoft.com/office/drawing/2014/main" id="{E818D659-94A4-4254-9471-53D87BA55F58}"/>
               </a:ext>
             </a:extLst>
           </p:cNvPr>
@@ -1685,7 +1684,7 @@
           <p:cNvPr id="5" name="Text Placeholder 4">
             <a:extLst>
               <a:ext uri="{FF2B5EF4-FFF2-40B4-BE49-F238E27FC236}">
-                <a16:creationId xmlns:a16="http://schemas.microsoft.com/office/drawing/2014/main" xmlns="" id="{67C49C95-95CE-40A0-B5F2-0CF343C6B1F5}"/>
+                <a16:creationId xmlns:a16="http://schemas.microsoft.com/office/drawing/2014/main" id="{67C49C95-95CE-40A0-B5F2-0CF343C6B1F5}"/>
               </a:ext>
             </a:extLst>
           </p:cNvPr>
@@ -1756,7 +1755,7 @@
           <p:cNvPr id="6" name="Content Placeholder 5">
             <a:extLst>
               <a:ext uri="{FF2B5EF4-FFF2-40B4-BE49-F238E27FC236}">
-                <a16:creationId xmlns:a16="http://schemas.microsoft.com/office/drawing/2014/main" xmlns="" id="{00C83844-4C99-4839-837C-9665EA930A22}"/>
+                <a16:creationId xmlns:a16="http://schemas.microsoft.com/office/drawing/2014/main" id="{00C83844-4C99-4839-837C-9665EA930A22}"/>
               </a:ext>
             </a:extLst>
           </p:cNvPr>
@@ -1819,7 +1818,7 @@
           <p:cNvPr id="7" name="Date Placeholder 6">
             <a:extLst>
               <a:ext uri="{FF2B5EF4-FFF2-40B4-BE49-F238E27FC236}">
-                <a16:creationId xmlns:a16="http://schemas.microsoft.com/office/drawing/2014/main" xmlns="" id="{D51E42A7-EA97-486A-9345-8CEC87BB973E}"/>
+                <a16:creationId xmlns:a16="http://schemas.microsoft.com/office/drawing/2014/main" id="{D51E42A7-EA97-486A-9345-8CEC87BB973E}"/>
               </a:ext>
             </a:extLst>
           </p:cNvPr>
@@ -1848,7 +1847,7 @@
           <p:cNvPr id="8" name="Footer Placeholder 7">
             <a:extLst>
               <a:ext uri="{FF2B5EF4-FFF2-40B4-BE49-F238E27FC236}">
-                <a16:creationId xmlns:a16="http://schemas.microsoft.com/office/drawing/2014/main" xmlns="" id="{CE67D431-882F-4B9B-B2E3-500EC42F79DE}"/>
+                <a16:creationId xmlns:a16="http://schemas.microsoft.com/office/drawing/2014/main" id="{CE67D431-882F-4B9B-B2E3-500EC42F79DE}"/>
               </a:ext>
             </a:extLst>
           </p:cNvPr>
@@ -1873,7 +1872,7 @@
           <p:cNvPr id="9" name="Slide Number Placeholder 8">
             <a:extLst>
               <a:ext uri="{FF2B5EF4-FFF2-40B4-BE49-F238E27FC236}">
-                <a16:creationId xmlns:a16="http://schemas.microsoft.com/office/drawing/2014/main" xmlns="" id="{36C8039C-E0C1-4041-9311-86F5ABA45186}"/>
+                <a16:creationId xmlns:a16="http://schemas.microsoft.com/office/drawing/2014/main" id="{36C8039C-E0C1-4041-9311-86F5ABA45186}"/>
               </a:ext>
             </a:extLst>
           </p:cNvPr>
@@ -1932,7 +1931,7 @@
           <p:cNvPr id="2" name="Title 1">
             <a:extLst>
               <a:ext uri="{FF2B5EF4-FFF2-40B4-BE49-F238E27FC236}">
-                <a16:creationId xmlns:a16="http://schemas.microsoft.com/office/drawing/2014/main" xmlns="" id="{71A9D944-3568-4360-A787-0808C61592B9}"/>
+                <a16:creationId xmlns:a16="http://schemas.microsoft.com/office/drawing/2014/main" id="{71A9D944-3568-4360-A787-0808C61592B9}"/>
               </a:ext>
             </a:extLst>
           </p:cNvPr>
@@ -1961,7 +1960,7 @@
           <p:cNvPr id="3" name="Date Placeholder 2">
             <a:extLst>
               <a:ext uri="{FF2B5EF4-FFF2-40B4-BE49-F238E27FC236}">
-                <a16:creationId xmlns:a16="http://schemas.microsoft.com/office/drawing/2014/main" xmlns="" id="{1411A4D5-7F72-4874-8EA5-45A7013AC4EF}"/>
+                <a16:creationId xmlns:a16="http://schemas.microsoft.com/office/drawing/2014/main" id="{1411A4D5-7F72-4874-8EA5-45A7013AC4EF}"/>
               </a:ext>
             </a:extLst>
           </p:cNvPr>
@@ -1990,7 +1989,7 @@
           <p:cNvPr id="4" name="Footer Placeholder 3">
             <a:extLst>
               <a:ext uri="{FF2B5EF4-FFF2-40B4-BE49-F238E27FC236}">
-                <a16:creationId xmlns:a16="http://schemas.microsoft.com/office/drawing/2014/main" xmlns="" id="{C4917865-F0AE-4866-B694-548CFB0E43DB}"/>
+                <a16:creationId xmlns:a16="http://schemas.microsoft.com/office/drawing/2014/main" id="{C4917865-F0AE-4866-B694-548CFB0E43DB}"/>
               </a:ext>
             </a:extLst>
           </p:cNvPr>
@@ -2015,7 +2014,7 @@
           <p:cNvPr id="5" name="Slide Number Placeholder 4">
             <a:extLst>
               <a:ext uri="{FF2B5EF4-FFF2-40B4-BE49-F238E27FC236}">
-                <a16:creationId xmlns:a16="http://schemas.microsoft.com/office/drawing/2014/main" xmlns="" id="{5633254D-643E-43A2-8FBB-DE4EDE72DD06}"/>
+                <a16:creationId xmlns:a16="http://schemas.microsoft.com/office/drawing/2014/main" id="{5633254D-643E-43A2-8FBB-DE4EDE72DD06}"/>
               </a:ext>
             </a:extLst>
           </p:cNvPr>
@@ -2074,7 +2073,7 @@
           <p:cNvPr id="2" name="Date Placeholder 1">
             <a:extLst>
               <a:ext uri="{FF2B5EF4-FFF2-40B4-BE49-F238E27FC236}">
-                <a16:creationId xmlns:a16="http://schemas.microsoft.com/office/drawing/2014/main" xmlns="" id="{314CA5AE-AC2E-4C13-B485-A003065AFFF3}"/>
+                <a16:creationId xmlns:a16="http://schemas.microsoft.com/office/drawing/2014/main" id="{314CA5AE-AC2E-4C13-B485-A003065AFFF3}"/>
               </a:ext>
             </a:extLst>
           </p:cNvPr>
@@ -2103,7 +2102,7 @@
           <p:cNvPr id="3" name="Footer Placeholder 2">
             <a:extLst>
               <a:ext uri="{FF2B5EF4-FFF2-40B4-BE49-F238E27FC236}">
-                <a16:creationId xmlns:a16="http://schemas.microsoft.com/office/drawing/2014/main" xmlns="" id="{CC132C0A-B444-481A-A11E-7E9208F4C78B}"/>
+                <a16:creationId xmlns:a16="http://schemas.microsoft.com/office/drawing/2014/main" id="{CC132C0A-B444-481A-A11E-7E9208F4C78B}"/>
               </a:ext>
             </a:extLst>
           </p:cNvPr>
@@ -2128,7 +2127,7 @@
           <p:cNvPr id="4" name="Slide Number Placeholder 3">
             <a:extLst>
               <a:ext uri="{FF2B5EF4-FFF2-40B4-BE49-F238E27FC236}">
-                <a16:creationId xmlns:a16="http://schemas.microsoft.com/office/drawing/2014/main" xmlns="" id="{8570568E-4390-4DCF-B56B-DBF04DABF4AD}"/>
+                <a16:creationId xmlns:a16="http://schemas.microsoft.com/office/drawing/2014/main" id="{8570568E-4390-4DCF-B56B-DBF04DABF4AD}"/>
               </a:ext>
             </a:extLst>
           </p:cNvPr>
@@ -2187,7 +2186,7 @@
           <p:cNvPr id="2" name="Title 1">
             <a:extLst>
               <a:ext uri="{FF2B5EF4-FFF2-40B4-BE49-F238E27FC236}">
-                <a16:creationId xmlns:a16="http://schemas.microsoft.com/office/drawing/2014/main" xmlns="" id="{D70C4B00-9A26-46FC-80CC-254D5FEE0A71}"/>
+                <a16:creationId xmlns:a16="http://schemas.microsoft.com/office/drawing/2014/main" id="{D70C4B00-9A26-46FC-80CC-254D5FEE0A71}"/>
               </a:ext>
             </a:extLst>
           </p:cNvPr>
@@ -2225,7 +2224,7 @@
           <p:cNvPr id="3" name="Content Placeholder 2">
             <a:extLst>
               <a:ext uri="{FF2B5EF4-FFF2-40B4-BE49-F238E27FC236}">
-                <a16:creationId xmlns:a16="http://schemas.microsoft.com/office/drawing/2014/main" xmlns="" id="{162AD264-09CF-49D3-8F27-06D24AB3F0D2}"/>
+                <a16:creationId xmlns:a16="http://schemas.microsoft.com/office/drawing/2014/main" id="{162AD264-09CF-49D3-8F27-06D24AB3F0D2}"/>
               </a:ext>
             </a:extLst>
           </p:cNvPr>
@@ -2316,7 +2315,7 @@
           <p:cNvPr id="4" name="Text Placeholder 3">
             <a:extLst>
               <a:ext uri="{FF2B5EF4-FFF2-40B4-BE49-F238E27FC236}">
-                <a16:creationId xmlns:a16="http://schemas.microsoft.com/office/drawing/2014/main" xmlns="" id="{033DC8EB-5283-4C5D-B77D-3E82972492CB}"/>
+                <a16:creationId xmlns:a16="http://schemas.microsoft.com/office/drawing/2014/main" id="{033DC8EB-5283-4C5D-B77D-3E82972492CB}"/>
               </a:ext>
             </a:extLst>
           </p:cNvPr>
@@ -2387,7 +2386,7 @@
           <p:cNvPr id="5" name="Date Placeholder 4">
             <a:extLst>
               <a:ext uri="{FF2B5EF4-FFF2-40B4-BE49-F238E27FC236}">
-                <a16:creationId xmlns:a16="http://schemas.microsoft.com/office/drawing/2014/main" xmlns="" id="{CD6B27C8-9AFF-491F-B3D3-69AE2EEC4F7F}"/>
+                <a16:creationId xmlns:a16="http://schemas.microsoft.com/office/drawing/2014/main" id="{CD6B27C8-9AFF-491F-B3D3-69AE2EEC4F7F}"/>
               </a:ext>
             </a:extLst>
           </p:cNvPr>
@@ -2416,7 +2415,7 @@
           <p:cNvPr id="6" name="Footer Placeholder 5">
             <a:extLst>
               <a:ext uri="{FF2B5EF4-FFF2-40B4-BE49-F238E27FC236}">
-                <a16:creationId xmlns:a16="http://schemas.microsoft.com/office/drawing/2014/main" xmlns="" id="{703CE241-682E-4952-811D-3AAF3B898648}"/>
+                <a16:creationId xmlns:a16="http://schemas.microsoft.com/office/drawing/2014/main" id="{703CE241-682E-4952-811D-3AAF3B898648}"/>
               </a:ext>
             </a:extLst>
           </p:cNvPr>
@@ -2441,7 +2440,7 @@
           <p:cNvPr id="7" name="Slide Number Placeholder 6">
             <a:extLst>
               <a:ext uri="{FF2B5EF4-FFF2-40B4-BE49-F238E27FC236}">
-                <a16:creationId xmlns:a16="http://schemas.microsoft.com/office/drawing/2014/main" xmlns="" id="{111247E3-C2AD-4BA1-852C-5D1590D08C17}"/>
+                <a16:creationId xmlns:a16="http://schemas.microsoft.com/office/drawing/2014/main" id="{111247E3-C2AD-4BA1-852C-5D1590D08C17}"/>
               </a:ext>
             </a:extLst>
           </p:cNvPr>
@@ -2500,7 +2499,7 @@
           <p:cNvPr id="2" name="Title 1">
             <a:extLst>
               <a:ext uri="{FF2B5EF4-FFF2-40B4-BE49-F238E27FC236}">
-                <a16:creationId xmlns:a16="http://schemas.microsoft.com/office/drawing/2014/main" xmlns="" id="{613183E6-9D66-48F3-A10A-169A583EC2FD}"/>
+                <a16:creationId xmlns:a16="http://schemas.microsoft.com/office/drawing/2014/main" id="{613183E6-9D66-48F3-A10A-169A583EC2FD}"/>
               </a:ext>
             </a:extLst>
           </p:cNvPr>
@@ -2538,7 +2537,7 @@
           <p:cNvPr id="3" name="Picture Placeholder 2">
             <a:extLst>
               <a:ext uri="{FF2B5EF4-FFF2-40B4-BE49-F238E27FC236}">
-                <a16:creationId xmlns:a16="http://schemas.microsoft.com/office/drawing/2014/main" xmlns="" id="{5FE3BD5B-84C7-484D-9A56-99AC79AF1E19}"/>
+                <a16:creationId xmlns:a16="http://schemas.microsoft.com/office/drawing/2014/main" id="{5FE3BD5B-84C7-484D-9A56-99AC79AF1E19}"/>
               </a:ext>
             </a:extLst>
           </p:cNvPr>
@@ -2605,7 +2604,7 @@
           <p:cNvPr id="4" name="Text Placeholder 3">
             <a:extLst>
               <a:ext uri="{FF2B5EF4-FFF2-40B4-BE49-F238E27FC236}">
-                <a16:creationId xmlns:a16="http://schemas.microsoft.com/office/drawing/2014/main" xmlns="" id="{8B79B15C-66DE-456A-A087-44443836BD3E}"/>
+                <a16:creationId xmlns:a16="http://schemas.microsoft.com/office/drawing/2014/main" id="{8B79B15C-66DE-456A-A087-44443836BD3E}"/>
               </a:ext>
             </a:extLst>
           </p:cNvPr>
@@ -2676,7 +2675,7 @@
           <p:cNvPr id="5" name="Date Placeholder 4">
             <a:extLst>
               <a:ext uri="{FF2B5EF4-FFF2-40B4-BE49-F238E27FC236}">
-                <a16:creationId xmlns:a16="http://schemas.microsoft.com/office/drawing/2014/main" xmlns="" id="{C52C82CC-1890-480A-BAAB-87213507DBFE}"/>
+                <a16:creationId xmlns:a16="http://schemas.microsoft.com/office/drawing/2014/main" id="{C52C82CC-1890-480A-BAAB-87213507DBFE}"/>
               </a:ext>
             </a:extLst>
           </p:cNvPr>
@@ -2705,7 +2704,7 @@
           <p:cNvPr id="6" name="Footer Placeholder 5">
             <a:extLst>
               <a:ext uri="{FF2B5EF4-FFF2-40B4-BE49-F238E27FC236}">
-                <a16:creationId xmlns:a16="http://schemas.microsoft.com/office/drawing/2014/main" xmlns="" id="{08196BB1-6A82-4E70-8A14-4EDAFE556515}"/>
+                <a16:creationId xmlns:a16="http://schemas.microsoft.com/office/drawing/2014/main" id="{08196BB1-6A82-4E70-8A14-4EDAFE556515}"/>
               </a:ext>
             </a:extLst>
           </p:cNvPr>
@@ -2730,7 +2729,7 @@
           <p:cNvPr id="7" name="Slide Number Placeholder 6">
             <a:extLst>
               <a:ext uri="{FF2B5EF4-FFF2-40B4-BE49-F238E27FC236}">
-                <a16:creationId xmlns:a16="http://schemas.microsoft.com/office/drawing/2014/main" xmlns="" id="{21B05CBD-6411-4A63-8A3E-503EDBF81A8E}"/>
+                <a16:creationId xmlns:a16="http://schemas.microsoft.com/office/drawing/2014/main" id="{21B05CBD-6411-4A63-8A3E-503EDBF81A8E}"/>
               </a:ext>
             </a:extLst>
           </p:cNvPr>
@@ -2794,7 +2793,7 @@
           <p:cNvPr id="2" name="Title Placeholder 1">
             <a:extLst>
               <a:ext uri="{FF2B5EF4-FFF2-40B4-BE49-F238E27FC236}">
-                <a16:creationId xmlns:a16="http://schemas.microsoft.com/office/drawing/2014/main" xmlns="" id="{CE371E93-D560-49C3-9888-F964B7CA9E30}"/>
+                <a16:creationId xmlns:a16="http://schemas.microsoft.com/office/drawing/2014/main" id="{CE371E93-D560-49C3-9888-F964B7CA9E30}"/>
               </a:ext>
             </a:extLst>
           </p:cNvPr>
@@ -2833,7 +2832,7 @@
           <p:cNvPr id="3" name="Text Placeholder 2">
             <a:extLst>
               <a:ext uri="{FF2B5EF4-FFF2-40B4-BE49-F238E27FC236}">
-                <a16:creationId xmlns:a16="http://schemas.microsoft.com/office/drawing/2014/main" xmlns="" id="{27B6C883-01A4-437E-80E4-209479DE3BA6}"/>
+                <a16:creationId xmlns:a16="http://schemas.microsoft.com/office/drawing/2014/main" id="{27B6C883-01A4-437E-80E4-209479DE3BA6}"/>
               </a:ext>
             </a:extLst>
           </p:cNvPr>
@@ -2901,7 +2900,7 @@
           <p:cNvPr id="4" name="Date Placeholder 3">
             <a:extLst>
               <a:ext uri="{FF2B5EF4-FFF2-40B4-BE49-F238E27FC236}">
-                <a16:creationId xmlns:a16="http://schemas.microsoft.com/office/drawing/2014/main" xmlns="" id="{0222A804-0978-40E7-8FAF-79D5D7F1672B}"/>
+                <a16:creationId xmlns:a16="http://schemas.microsoft.com/office/drawing/2014/main" id="{0222A804-0978-40E7-8FAF-79D5D7F1672B}"/>
               </a:ext>
             </a:extLst>
           </p:cNvPr>
@@ -2948,7 +2947,7 @@
           <p:cNvPr id="5" name="Footer Placeholder 4">
             <a:extLst>
               <a:ext uri="{FF2B5EF4-FFF2-40B4-BE49-F238E27FC236}">
-                <a16:creationId xmlns:a16="http://schemas.microsoft.com/office/drawing/2014/main" xmlns="" id="{C03BDE63-F4C7-49B1-B216-7536CDC931BF}"/>
+                <a16:creationId xmlns:a16="http://schemas.microsoft.com/office/drawing/2014/main" id="{C03BDE63-F4C7-49B1-B216-7536CDC931BF}"/>
               </a:ext>
             </a:extLst>
           </p:cNvPr>
@@ -2991,7 +2990,7 @@
           <p:cNvPr id="6" name="Slide Number Placeholder 5">
             <a:extLst>
               <a:ext uri="{FF2B5EF4-FFF2-40B4-BE49-F238E27FC236}">
-                <a16:creationId xmlns:a16="http://schemas.microsoft.com/office/drawing/2014/main" xmlns="" id="{DAA2EDFA-FD04-4BE8-A5A9-51FA011E4D19}"/>
+                <a16:creationId xmlns:a16="http://schemas.microsoft.com/office/drawing/2014/main" id="{DAA2EDFA-FD04-4BE8-A5A9-51FA011E4D19}"/>
               </a:ext>
             </a:extLst>
           </p:cNvPr>
@@ -3359,7 +3358,7 @@
           <p:cNvPr id="2" name="Title 1">
             <a:extLst>
               <a:ext uri="{FF2B5EF4-FFF2-40B4-BE49-F238E27FC236}">
-                <a16:creationId xmlns:a16="http://schemas.microsoft.com/office/drawing/2014/main" xmlns="" id="{AA8F10E1-8CD4-40D6-8FD3-9A29DC99D8D7}"/>
+                <a16:creationId xmlns:a16="http://schemas.microsoft.com/office/drawing/2014/main" id="{AA8F10E1-8CD4-40D6-8FD3-9A29DC99D8D7}"/>
               </a:ext>
             </a:extLst>
           </p:cNvPr>
@@ -3386,10 +3385,6 @@
               <a:rPr lang="en-GB" b="1" dirty="0"/>
               <a:t>Modelling a Cold Atom using a Driven Gyroscope</a:t>
             </a:r>
-            <a:r>
-              <a:rPr lang="en-GB" dirty="0"/>
-              <a:t/>
-            </a:r>
             <a:br>
               <a:rPr lang="en-GB" dirty="0"/>
             </a:br>
@@ -3402,7 +3397,7 @@
           <p:cNvPr id="3" name="Subtitle 2">
             <a:extLst>
               <a:ext uri="{FF2B5EF4-FFF2-40B4-BE49-F238E27FC236}">
-                <a16:creationId xmlns:a16="http://schemas.microsoft.com/office/drawing/2014/main" xmlns="" id="{879EB53F-BA39-43F2-A78A-52C505FF8285}"/>
+                <a16:creationId xmlns:a16="http://schemas.microsoft.com/office/drawing/2014/main" id="{879EB53F-BA39-43F2-A78A-52C505FF8285}"/>
               </a:ext>
             </a:extLst>
           </p:cNvPr>
@@ -3435,7 +3430,7 @@
           <p:cNvPr id="4" name="TextBox 3">
             <a:extLst>
               <a:ext uri="{FF2B5EF4-FFF2-40B4-BE49-F238E27FC236}">
-                <a16:creationId xmlns:a16="http://schemas.microsoft.com/office/drawing/2014/main" xmlns="" id="{3EF5D434-3192-44DE-9628-C528C798010B}"/>
+                <a16:creationId xmlns:a16="http://schemas.microsoft.com/office/drawing/2014/main" id="{3EF5D434-3192-44DE-9628-C528C798010B}"/>
               </a:ext>
             </a:extLst>
           </p:cNvPr>
@@ -3500,7 +3495,7 @@
           <p:cNvPr id="2" name="Title 1">
             <a:extLst>
               <a:ext uri="{FF2B5EF4-FFF2-40B4-BE49-F238E27FC236}">
-                <a16:creationId xmlns:a16="http://schemas.microsoft.com/office/drawing/2014/main" xmlns="" id="{776ED940-42A6-42A1-8B00-ADBF8C3EA07A}"/>
+                <a16:creationId xmlns:a16="http://schemas.microsoft.com/office/drawing/2014/main" id="{776ED940-42A6-42A1-8B00-ADBF8C3EA07A}"/>
               </a:ext>
             </a:extLst>
           </p:cNvPr>
@@ -3517,7 +3512,7 @@
           <a:lstStyle/>
           <a:p>
             <a:r>
-              <a:rPr lang="en-GB" dirty="0"/>
+              <a:rPr lang="en-GB" b="1" dirty="0"/>
               <a:t>Aims</a:t>
             </a:r>
           </a:p>
@@ -3528,7 +3523,7 @@
           <p:cNvPr id="3" name="Content Placeholder 2">
             <a:extLst>
               <a:ext uri="{FF2B5EF4-FFF2-40B4-BE49-F238E27FC236}">
-                <a16:creationId xmlns:a16="http://schemas.microsoft.com/office/drawing/2014/main" xmlns="" id="{A403DE32-9B9A-4FE6-8520-B799E751D32C}"/>
+                <a16:creationId xmlns:a16="http://schemas.microsoft.com/office/drawing/2014/main" id="{A403DE32-9B9A-4FE6-8520-B799E751D32C}"/>
               </a:ext>
             </a:extLst>
           </p:cNvPr>
@@ -3595,12 +3590,12 @@
               <a:t>Produce a torque with </a:t>
             </a:r>
             <a:r>
-              <a:rPr lang="en-GB" dirty="0" smtClean="0"/>
-              <a:t>electromagnetism </a:t>
+              <a:rPr lang="en-GB" dirty="0" err="1"/>
+              <a:t>electromagatism</a:t>
             </a:r>
             <a:r>
               <a:rPr lang="en-GB" dirty="0"/>
-              <a:t>causing the gyroscope to process</a:t>
+              <a:t> causing the gyroscope to process</a:t>
             </a:r>
           </a:p>
           <a:p>
@@ -3652,7 +3647,7 @@
           <p:cNvPr id="2" name="Title 1">
             <a:extLst>
               <a:ext uri="{FF2B5EF4-FFF2-40B4-BE49-F238E27FC236}">
-                <a16:creationId xmlns:a16="http://schemas.microsoft.com/office/drawing/2014/main" xmlns="" id="{8F5736DB-FFCE-47EA-A366-CC4E8587CD49}"/>
+                <a16:creationId xmlns:a16="http://schemas.microsoft.com/office/drawing/2014/main" id="{8F5736DB-FFCE-47EA-A366-CC4E8587CD49}"/>
               </a:ext>
             </a:extLst>
           </p:cNvPr>
@@ -3669,10 +3664,9 @@
           <a:lstStyle/>
           <a:p>
             <a:r>
-              <a:rPr lang="en-GB" dirty="0" smtClean="0"/>
-              <a:t>Theory</a:t>
-            </a:r>
-            <a:endParaRPr lang="en-GB" dirty="0"/>
+              <a:rPr lang="en-GB" b="1" dirty="0"/>
+              <a:t>Introduction</a:t>
+            </a:r>
           </a:p>
         </p:txBody>
       </p:sp>
@@ -3681,7 +3675,7 @@
           <p:cNvPr id="3" name="Content Placeholder 2">
             <a:extLst>
               <a:ext uri="{FF2B5EF4-FFF2-40B4-BE49-F238E27FC236}">
-                <a16:creationId xmlns:a16="http://schemas.microsoft.com/office/drawing/2014/main" xmlns="" id="{A1C0B25C-1540-4636-8004-EF1DBC7C92CA}"/>
+                <a16:creationId xmlns:a16="http://schemas.microsoft.com/office/drawing/2014/main" id="{A1C0B25C-1540-4636-8004-EF1DBC7C92CA}"/>
               </a:ext>
             </a:extLst>
           </p:cNvPr>
@@ -3697,16 +3691,7 @@
           <a:bodyPr/>
           <a:lstStyle/>
           <a:p>
-            <a:r>
-              <a:rPr lang="en-GB" dirty="0" smtClean="0"/>
-              <a:t>Bloch sphere</a:t>
-            </a:r>
-          </a:p>
-          <a:p>
-            <a:endParaRPr lang="en-GB" dirty="0"/>
-          </a:p>
-          <a:p>
-            <a:endParaRPr lang="en-GB" dirty="0"/>
+            <a:endParaRPr lang="en-GB"/>
           </a:p>
         </p:txBody>
       </p:sp>
@@ -3742,7 +3727,13 @@
       </p:grpSpPr>
       <p:sp>
         <p:nvSpPr>
-          <p:cNvPr id="2" name="Title 1"/>
+          <p:cNvPr id="2" name="Title 1">
+            <a:extLst>
+              <a:ext uri="{FF2B5EF4-FFF2-40B4-BE49-F238E27FC236}">
+                <a16:creationId xmlns:a16="http://schemas.microsoft.com/office/drawing/2014/main" id="{E86B6ED6-1BE4-441C-80DC-274325747CF3}"/>
+              </a:ext>
+            </a:extLst>
+          </p:cNvPr>
           <p:cNvSpPr>
             <a:spLocks noGrp="1"/>
           </p:cNvSpPr>
@@ -3756,16 +3747,21 @@
           <a:lstStyle/>
           <a:p>
             <a:r>
-              <a:rPr lang="en-US" dirty="0" smtClean="0"/>
-              <a:t>Feasibility studies</a:t>
-            </a:r>
-            <a:endParaRPr lang="en-US" dirty="0"/>
-          </a:p>
-        </p:txBody>
-      </p:sp>
-      <p:sp>
-        <p:nvSpPr>
-          <p:cNvPr id="3" name="Content Placeholder 2"/>
+              <a:rPr lang="en-GB" dirty="0"/>
+              <a:t>Plans</a:t>
+            </a:r>
+          </a:p>
+        </p:txBody>
+      </p:sp>
+      <p:sp>
+        <p:nvSpPr>
+          <p:cNvPr id="3" name="Content Placeholder 2">
+            <a:extLst>
+              <a:ext uri="{FF2B5EF4-FFF2-40B4-BE49-F238E27FC236}">
+                <a16:creationId xmlns:a16="http://schemas.microsoft.com/office/drawing/2014/main" id="{85C57FF7-E60F-4E0A-8A80-89763CE959D4}"/>
+              </a:ext>
+            </a:extLst>
+          </p:cNvPr>
           <p:cNvSpPr>
             <a:spLocks noGrp="1"/>
           </p:cNvSpPr>
@@ -3779,35 +3775,34 @@
           <a:lstStyle/>
           <a:p>
             <a:r>
-              <a:rPr lang="en-US" dirty="0" smtClean="0"/>
-              <a:t>Driving the rotor of the gyroscope with a current</a:t>
-            </a:r>
-          </a:p>
-          <a:p>
-            <a:endParaRPr lang="en-US" dirty="0"/>
-          </a:p>
-          <a:p>
-            <a:r>
-              <a:rPr lang="en-US" dirty="0" smtClean="0"/>
-              <a:t>With small conducting magnets</a:t>
-            </a:r>
-          </a:p>
-          <a:p>
-            <a:endParaRPr lang="en-US" dirty="0"/>
-          </a:p>
-          <a:p>
-            <a:r>
-              <a:rPr lang="en-US" dirty="0" smtClean="0"/>
-              <a:t>Tachometer and motor arrangement</a:t>
-            </a:r>
-            <a:endParaRPr lang="en-US" dirty="0"/>
+              <a:rPr lang="en-GB" dirty="0"/>
+              <a:t>Currently in workshop having motor fitted</a:t>
+            </a:r>
+          </a:p>
+          <a:p>
+            <a:r>
+              <a:rPr lang="en-GB" dirty="0"/>
+              <a:t>Magnet analysis and attachment</a:t>
+            </a:r>
+          </a:p>
+          <a:p>
+            <a:r>
+              <a:rPr lang="en-GB" dirty="0"/>
+              <a:t>Weeks 9-10 is testing</a:t>
+            </a:r>
+          </a:p>
+          <a:p>
+            <a:r>
+              <a:rPr lang="en-GB" dirty="0"/>
+              <a:t>Finishing and report writing</a:t>
+            </a:r>
           </a:p>
         </p:txBody>
       </p:sp>
     </p:spTree>
     <p:extLst>
       <p:ext uri="{BB962C8B-B14F-4D97-AF65-F5344CB8AC3E}">
-        <p14:creationId xmlns:p14="http://schemas.microsoft.com/office/powerpoint/2010/main" val="1838107109"/>
+        <p14:creationId xmlns:p14="http://schemas.microsoft.com/office/powerpoint/2010/main" val="1746099802"/>
       </p:ext>
     </p:extLst>
   </p:cSld>
@@ -3839,7 +3834,7 @@
           <p:cNvPr id="2" name="Title 1">
             <a:extLst>
               <a:ext uri="{FF2B5EF4-FFF2-40B4-BE49-F238E27FC236}">
-                <a16:creationId xmlns:a16="http://schemas.microsoft.com/office/drawing/2014/main" xmlns="" id="{E86B6ED6-1BE4-441C-80DC-274325747CF3}"/>
+                <a16:creationId xmlns:a16="http://schemas.microsoft.com/office/drawing/2014/main" id="{BA2C8F2B-EEF3-4B33-BA8A-C9A78BBF5175}"/>
               </a:ext>
             </a:extLst>
           </p:cNvPr>
@@ -3856,36 +3851,48 @@
           <a:lstStyle/>
           <a:p>
             <a:r>
+              <a:rPr lang="en-GB" b="1" dirty="0"/>
+              <a:t>So far</a:t>
+            </a:r>
+          </a:p>
+        </p:txBody>
+      </p:sp>
+      <p:sp>
+        <p:nvSpPr>
+          <p:cNvPr id="3" name="Content Placeholder 2">
+            <a:extLst>
+              <a:ext uri="{FF2B5EF4-FFF2-40B4-BE49-F238E27FC236}">
+                <a16:creationId xmlns:a16="http://schemas.microsoft.com/office/drawing/2014/main" id="{741E673C-D4E4-4878-88DD-E3CE0E3A8E57}"/>
+              </a:ext>
+            </a:extLst>
+          </p:cNvPr>
+          <p:cNvSpPr>
+            <a:spLocks noGrp="1"/>
+          </p:cNvSpPr>
+          <p:nvPr>
+            <p:ph idx="1"/>
+          </p:nvPr>
+        </p:nvSpPr>
+        <p:spPr/>
+        <p:txBody>
+          <a:bodyPr/>
+          <a:lstStyle/>
+          <a:p>
+            <a:r>
               <a:rPr lang="en-GB" dirty="0"/>
-              <a:t>Plans</a:t>
-            </a:r>
-          </a:p>
-        </p:txBody>
-      </p:sp>
-      <p:sp>
-        <p:nvSpPr>
-          <p:cNvPr id="3" name="Content Placeholder 2">
-            <a:extLst>
-              <a:ext uri="{FF2B5EF4-FFF2-40B4-BE49-F238E27FC236}">
-                <a16:creationId xmlns:a16="http://schemas.microsoft.com/office/drawing/2014/main" xmlns="" id="{85C57FF7-E60F-4E0A-8A80-89763CE959D4}"/>
-              </a:ext>
-            </a:extLst>
-          </p:cNvPr>
-          <p:cNvSpPr>
-            <a:spLocks noGrp="1"/>
-          </p:cNvSpPr>
-          <p:nvPr>
-            <p:ph idx="1"/>
-          </p:nvPr>
-        </p:nvSpPr>
-        <p:spPr/>
-        <p:txBody>
-          <a:bodyPr/>
-          <a:lstStyle/>
+              <a:t>Research and design of Faraday Disk</a:t>
+            </a:r>
+          </a:p>
           <a:p>
             <a:r>
               <a:rPr lang="en-GB" dirty="0"/>
-              <a:t>Currently in workshop having motor fitted</a:t>
+              <a:t>Redesign and proposal</a:t>
+            </a:r>
+          </a:p>
+          <a:p>
+            <a:r>
+              <a:rPr lang="en-GB" dirty="0"/>
+              <a:t>Motor design</a:t>
             </a:r>
           </a:p>
           <a:p>
@@ -3897,19 +3904,19 @@
           <a:p>
             <a:r>
               <a:rPr lang="en-GB" dirty="0"/>
-              <a:t>Magnet analysis and attachment</a:t>
-            </a:r>
-          </a:p>
-          <a:p>
+              <a:t>Magnet analysis</a:t>
+            </a:r>
+          </a:p>
+          <a:p>
+            <a:endParaRPr lang="en-GB" dirty="0"/>
+          </a:p>
+          <a:p>
+            <a:pPr marL="0" indent="0">
+              <a:buNone/>
+            </a:pPr>
             <a:r>
               <a:rPr lang="en-GB" dirty="0"/>
-              <a:t>Weeks 9-10 is testing</a:t>
-            </a:r>
-          </a:p>
-          <a:p>
-            <a:r>
-              <a:rPr lang="en-GB" dirty="0"/>
-              <a:t>Finishing and report writing</a:t>
+              <a:t> </a:t>
             </a:r>
           </a:p>
         </p:txBody>
@@ -3917,7 +3924,7 @@
     </p:spTree>
     <p:extLst>
       <p:ext uri="{BB962C8B-B14F-4D97-AF65-F5344CB8AC3E}">
-        <p14:creationId xmlns:p14="http://schemas.microsoft.com/office/powerpoint/2010/main" val="1746099802"/>
+        <p14:creationId xmlns:p14="http://schemas.microsoft.com/office/powerpoint/2010/main" val="2237587994"/>
       </p:ext>
     </p:extLst>
   </p:cSld>
@@ -3949,7 +3956,7 @@
           <p:cNvPr id="2" name="Title 1">
             <a:extLst>
               <a:ext uri="{FF2B5EF4-FFF2-40B4-BE49-F238E27FC236}">
-                <a16:creationId xmlns:a16="http://schemas.microsoft.com/office/drawing/2014/main" xmlns="" id="{BA2C8F2B-EEF3-4B33-BA8A-C9A78BBF5175}"/>
+                <a16:creationId xmlns:a16="http://schemas.microsoft.com/office/drawing/2014/main" id="{9B854454-8067-465B-AD45-B2CDC88CB231}"/>
               </a:ext>
             </a:extLst>
           </p:cNvPr>
@@ -3966,8 +3973,8 @@
           <a:lstStyle/>
           <a:p>
             <a:r>
-              <a:rPr lang="en-GB" dirty="0"/>
-              <a:t>So far</a:t>
+              <a:rPr lang="en-GB" b="1" dirty="0"/>
+              <a:t>Summary</a:t>
             </a:r>
           </a:p>
         </p:txBody>
@@ -3977,7 +3984,7 @@
           <p:cNvPr id="3" name="Content Placeholder 2">
             <a:extLst>
               <a:ext uri="{FF2B5EF4-FFF2-40B4-BE49-F238E27FC236}">
-                <a16:creationId xmlns:a16="http://schemas.microsoft.com/office/drawing/2014/main" xmlns="" id="{741E673C-D4E4-4878-88DD-E3CE0E3A8E57}"/>
+                <a16:creationId xmlns:a16="http://schemas.microsoft.com/office/drawing/2014/main" id="{0ACB5D71-029B-4F3A-B332-3EC01F9BA7F2}"/>
               </a:ext>
             </a:extLst>
           </p:cNvPr>
@@ -3993,38 +4000,14 @@
           <a:bodyPr/>
           <a:lstStyle/>
           <a:p>
-            <a:r>
-              <a:rPr lang="en-GB" dirty="0"/>
-              <a:t>Research and design of Faraday Disk</a:t>
-            </a:r>
-          </a:p>
-          <a:p>
-            <a:r>
-              <a:rPr lang="en-GB" dirty="0"/>
-              <a:t>Redesign and proposal</a:t>
-            </a:r>
-          </a:p>
-          <a:p>
-            <a:r>
-              <a:rPr lang="en-GB" dirty="0"/>
-              <a:t>Motor design</a:t>
-            </a:r>
-          </a:p>
-          <a:p>
-            <a:pPr marL="0" indent="0">
-              <a:buNone/>
-            </a:pPr>
-            <a:r>
-              <a:rPr lang="en-GB" dirty="0"/>
-              <a:t> </a:t>
-            </a:r>
+            <a:endParaRPr lang="en-GB"/>
           </a:p>
         </p:txBody>
       </p:sp>
     </p:spTree>
     <p:extLst>
       <p:ext uri="{BB962C8B-B14F-4D97-AF65-F5344CB8AC3E}">
-        <p14:creationId xmlns:p14="http://schemas.microsoft.com/office/powerpoint/2010/main" val="2237587994"/>
+        <p14:creationId xmlns:p14="http://schemas.microsoft.com/office/powerpoint/2010/main" val="2669640703"/>
       </p:ext>
     </p:extLst>
   </p:cSld>
@@ -4056,90 +4039,7 @@
           <p:cNvPr id="2" name="Title 1">
             <a:extLst>
               <a:ext uri="{FF2B5EF4-FFF2-40B4-BE49-F238E27FC236}">
-                <a16:creationId xmlns:a16="http://schemas.microsoft.com/office/drawing/2014/main" xmlns="" id="{9B854454-8067-465B-AD45-B2CDC88CB231}"/>
-              </a:ext>
-            </a:extLst>
-          </p:cNvPr>
-          <p:cNvSpPr>
-            <a:spLocks noGrp="1"/>
-          </p:cNvSpPr>
-          <p:nvPr>
-            <p:ph type="title"/>
-          </p:nvPr>
-        </p:nvSpPr>
-        <p:spPr/>
-        <p:txBody>
-          <a:bodyPr/>
-          <a:lstStyle/>
-          <a:p>
-            <a:r>
-              <a:rPr lang="en-GB" dirty="0"/>
-              <a:t>Summary</a:t>
-            </a:r>
-          </a:p>
-        </p:txBody>
-      </p:sp>
-      <p:sp>
-        <p:nvSpPr>
-          <p:cNvPr id="3" name="Content Placeholder 2">
-            <a:extLst>
-              <a:ext uri="{FF2B5EF4-FFF2-40B4-BE49-F238E27FC236}">
-                <a16:creationId xmlns:a16="http://schemas.microsoft.com/office/drawing/2014/main" xmlns="" id="{0ACB5D71-029B-4F3A-B332-3EC01F9BA7F2}"/>
-              </a:ext>
-            </a:extLst>
-          </p:cNvPr>
-          <p:cNvSpPr>
-            <a:spLocks noGrp="1"/>
-          </p:cNvSpPr>
-          <p:nvPr>
-            <p:ph idx="1"/>
-          </p:nvPr>
-        </p:nvSpPr>
-        <p:spPr/>
-        <p:txBody>
-          <a:bodyPr/>
-          <a:lstStyle/>
-          <a:p>
-            <a:endParaRPr lang="en-GB"/>
-          </a:p>
-        </p:txBody>
-      </p:sp>
-    </p:spTree>
-    <p:extLst>
-      <p:ext uri="{BB962C8B-B14F-4D97-AF65-F5344CB8AC3E}">
-        <p14:creationId xmlns:p14="http://schemas.microsoft.com/office/powerpoint/2010/main" val="2669640703"/>
-      </p:ext>
-    </p:extLst>
-  </p:cSld>
-  <p:clrMapOvr>
-    <a:masterClrMapping/>
-  </p:clrMapOvr>
-</p:sld>
-</file>
-
-<file path=ppt/slides/slide8.xml><?xml version="1.0" encoding="utf-8"?>
-<p:sld xmlns:a="http://schemas.openxmlformats.org/drawingml/2006/main" xmlns:r="http://schemas.openxmlformats.org/officeDocument/2006/relationships" xmlns:p="http://schemas.openxmlformats.org/presentationml/2006/main">
-  <p:cSld>
-    <p:spTree>
-      <p:nvGrpSpPr>
-        <p:cNvPr id="1" name=""/>
-        <p:cNvGrpSpPr/>
-        <p:nvPr/>
-      </p:nvGrpSpPr>
-      <p:grpSpPr>
-        <a:xfrm>
-          <a:off x="0" y="0"/>
-          <a:ext cx="0" cy="0"/>
-          <a:chOff x="0" y="0"/>
-          <a:chExt cx="0" cy="0"/>
-        </a:xfrm>
-      </p:grpSpPr>
-      <p:sp>
-        <p:nvSpPr>
-          <p:cNvPr id="2" name="Title 1">
-            <a:extLst>
-              <a:ext uri="{FF2B5EF4-FFF2-40B4-BE49-F238E27FC236}">
-                <a16:creationId xmlns:a16="http://schemas.microsoft.com/office/drawing/2014/main" xmlns="" id="{21E26BB8-45B0-4985-B79D-3ED7DF7DB300}"/>
+                <a16:creationId xmlns:a16="http://schemas.microsoft.com/office/drawing/2014/main" id="{21E26BB8-45B0-4985-B79D-3ED7DF7DB300}"/>
               </a:ext>
             </a:extLst>
           </p:cNvPr>
@@ -4167,7 +4067,7 @@
           <p:cNvPr id="3" name="Content Placeholder 2">
             <a:extLst>
               <a:ext uri="{FF2B5EF4-FFF2-40B4-BE49-F238E27FC236}">
-                <a16:creationId xmlns:a16="http://schemas.microsoft.com/office/drawing/2014/main" xmlns="" id="{FC6D7CB9-CDA0-4B6E-96C6-F7A4FEFDF70A}"/>
+                <a16:creationId xmlns:a16="http://schemas.microsoft.com/office/drawing/2014/main" id="{FC6D7CB9-CDA0-4B6E-96C6-F7A4FEFDF70A}"/>
               </a:ext>
             </a:extLst>
           </p:cNvPr>

--- a/Project Presentation.pptx
+++ b/Project Presentation.pptx
@@ -3587,15 +3587,7 @@
           <a:p>
             <a:r>
               <a:rPr lang="en-GB" dirty="0"/>
-              <a:t>Produce a torque with </a:t>
-            </a:r>
-            <a:r>
-              <a:rPr lang="en-GB" dirty="0" err="1"/>
-              <a:t>electromagatism</a:t>
-            </a:r>
-            <a:r>
-              <a:rPr lang="en-GB" dirty="0"/>
-              <a:t> causing the gyroscope to process</a:t>
+              <a:t>Produce a torque with electromagnetism causing the gyroscope to process</a:t>
             </a:r>
           </a:p>
           <a:p>

--- a/Project Presentation.pptx
+++ b/Project Presentation.pptx
@@ -4,14 +4,18 @@
   <p:sldMasterIdLst>
     <p:sldMasterId id="2147483648" r:id="rId1"/>
   </p:sldMasterIdLst>
+  <p:notesMasterIdLst>
+    <p:notesMasterId r:id="rId10"/>
+  </p:notesMasterIdLst>
   <p:sldIdLst>
     <p:sldId id="256" r:id="rId2"/>
     <p:sldId id="257" r:id="rId3"/>
     <p:sldId id="258" r:id="rId4"/>
-    <p:sldId id="259" r:id="rId5"/>
-    <p:sldId id="260" r:id="rId6"/>
-    <p:sldId id="261" r:id="rId7"/>
-    <p:sldId id="262" r:id="rId8"/>
+    <p:sldId id="263" r:id="rId5"/>
+    <p:sldId id="259" r:id="rId6"/>
+    <p:sldId id="260" r:id="rId7"/>
+    <p:sldId id="261" r:id="rId8"/>
+    <p:sldId id="262" r:id="rId9"/>
   </p:sldIdLst>
   <p:sldSz cx="12192000" cy="6858000"/>
   <p:notesSz cx="6858000" cy="9144000"/>
@@ -118,6 +122,356 @@
 </p:presentation>
 </file>
 
+<file path=ppt/notesMasters/notesMaster1.xml><?xml version="1.0" encoding="utf-8"?>
+<p:notesMaster xmlns:a="http://schemas.openxmlformats.org/drawingml/2006/main" xmlns:r="http://schemas.openxmlformats.org/officeDocument/2006/relationships" xmlns:p="http://schemas.openxmlformats.org/presentationml/2006/main">
+  <p:cSld>
+    <p:bg>
+      <p:bgRef idx="1001">
+        <a:schemeClr val="bg1"/>
+      </p:bgRef>
+    </p:bg>
+    <p:spTree>
+      <p:nvGrpSpPr>
+        <p:cNvPr id="1" name=""/>
+        <p:cNvGrpSpPr/>
+        <p:nvPr/>
+      </p:nvGrpSpPr>
+      <p:grpSpPr>
+        <a:xfrm>
+          <a:off x="0" y="0"/>
+          <a:ext cx="0" cy="0"/>
+          <a:chOff x="0" y="0"/>
+          <a:chExt cx="0" cy="0"/>
+        </a:xfrm>
+      </p:grpSpPr>
+      <p:sp>
+        <p:nvSpPr>
+          <p:cNvPr id="2" name="Header Placeholder 1"/>
+          <p:cNvSpPr>
+            <a:spLocks noGrp="1"/>
+          </p:cNvSpPr>
+          <p:nvPr>
+            <p:ph type="hdr" sz="quarter"/>
+          </p:nvPr>
+        </p:nvSpPr>
+        <p:spPr>
+          <a:xfrm>
+            <a:off x="0" y="0"/>
+            <a:ext cx="2971800" cy="458788"/>
+          </a:xfrm>
+          <a:prstGeom prst="rect">
+            <a:avLst/>
+          </a:prstGeom>
+        </p:spPr>
+        <p:txBody>
+          <a:bodyPr vert="horz" lIns="91440" tIns="45720" rIns="91440" bIns="45720" rtlCol="0"/>
+          <a:lstStyle>
+            <a:lvl1pPr algn="l">
+              <a:defRPr sz="1200"/>
+            </a:lvl1pPr>
+          </a:lstStyle>
+          <a:p>
+            <a:endParaRPr lang="en-US"/>
+          </a:p>
+        </p:txBody>
+      </p:sp>
+      <p:sp>
+        <p:nvSpPr>
+          <p:cNvPr id="3" name="Date Placeholder 2"/>
+          <p:cNvSpPr>
+            <a:spLocks noGrp="1"/>
+          </p:cNvSpPr>
+          <p:nvPr>
+            <p:ph type="dt" idx="1"/>
+          </p:nvPr>
+        </p:nvSpPr>
+        <p:spPr>
+          <a:xfrm>
+            <a:off x="3884613" y="0"/>
+            <a:ext cx="2971800" cy="458788"/>
+          </a:xfrm>
+          <a:prstGeom prst="rect">
+            <a:avLst/>
+          </a:prstGeom>
+        </p:spPr>
+        <p:txBody>
+          <a:bodyPr vert="horz" lIns="91440" tIns="45720" rIns="91440" bIns="45720" rtlCol="0"/>
+          <a:lstStyle>
+            <a:lvl1pPr algn="r">
+              <a:defRPr sz="1200"/>
+            </a:lvl1pPr>
+          </a:lstStyle>
+          <a:p>
+            <a:fld id="{302F12A2-8921-C444-85FC-DEC05E081886}" type="datetimeFigureOut">
+              <a:rPr lang="en-US" smtClean="0"/>
+              <a:t>2/19/18</a:t>
+            </a:fld>
+            <a:endParaRPr lang="en-US"/>
+          </a:p>
+        </p:txBody>
+      </p:sp>
+      <p:sp>
+        <p:nvSpPr>
+          <p:cNvPr id="4" name="Slide Image Placeholder 3"/>
+          <p:cNvSpPr>
+            <a:spLocks noGrp="1" noRot="1" noChangeAspect="1"/>
+          </p:cNvSpPr>
+          <p:nvPr>
+            <p:ph type="sldImg" idx="2"/>
+          </p:nvPr>
+        </p:nvSpPr>
+        <p:spPr>
+          <a:xfrm>
+            <a:off x="685800" y="1143000"/>
+            <a:ext cx="5486400" cy="3086100"/>
+          </a:xfrm>
+          <a:prstGeom prst="rect">
+            <a:avLst/>
+          </a:prstGeom>
+          <a:noFill/>
+          <a:ln w="12700">
+            <a:solidFill>
+              <a:prstClr val="black"/>
+            </a:solidFill>
+          </a:ln>
+        </p:spPr>
+        <p:txBody>
+          <a:bodyPr vert="horz" lIns="91440" tIns="45720" rIns="91440" bIns="45720" rtlCol="0" anchor="ctr"/>
+          <a:lstStyle/>
+          <a:p>
+            <a:endParaRPr lang="en-US"/>
+          </a:p>
+        </p:txBody>
+      </p:sp>
+      <p:sp>
+        <p:nvSpPr>
+          <p:cNvPr id="5" name="Notes Placeholder 4"/>
+          <p:cNvSpPr>
+            <a:spLocks noGrp="1"/>
+          </p:cNvSpPr>
+          <p:nvPr>
+            <p:ph type="body" sz="quarter" idx="3"/>
+          </p:nvPr>
+        </p:nvSpPr>
+        <p:spPr>
+          <a:xfrm>
+            <a:off x="685800" y="4400550"/>
+            <a:ext cx="5486400" cy="3600450"/>
+          </a:xfrm>
+          <a:prstGeom prst="rect">
+            <a:avLst/>
+          </a:prstGeom>
+        </p:spPr>
+        <p:txBody>
+          <a:bodyPr vert="horz" lIns="91440" tIns="45720" rIns="91440" bIns="45720" rtlCol="0"/>
+          <a:lstStyle/>
+          <a:p>
+            <a:pPr lvl="0"/>
+            <a:r>
+              <a:rPr lang="en-US" smtClean="0"/>
+              <a:t>Click to edit Master text styles</a:t>
+            </a:r>
+          </a:p>
+          <a:p>
+            <a:pPr lvl="1"/>
+            <a:r>
+              <a:rPr lang="en-US" smtClean="0"/>
+              <a:t>Second level</a:t>
+            </a:r>
+          </a:p>
+          <a:p>
+            <a:pPr lvl="2"/>
+            <a:r>
+              <a:rPr lang="en-US" smtClean="0"/>
+              <a:t>Third level</a:t>
+            </a:r>
+          </a:p>
+          <a:p>
+            <a:pPr lvl="3"/>
+            <a:r>
+              <a:rPr lang="en-US" smtClean="0"/>
+              <a:t>Fourth level</a:t>
+            </a:r>
+          </a:p>
+          <a:p>
+            <a:pPr lvl="4"/>
+            <a:r>
+              <a:rPr lang="en-US" smtClean="0"/>
+              <a:t>Fifth level</a:t>
+            </a:r>
+            <a:endParaRPr lang="en-US"/>
+          </a:p>
+        </p:txBody>
+      </p:sp>
+      <p:sp>
+        <p:nvSpPr>
+          <p:cNvPr id="6" name="Footer Placeholder 5"/>
+          <p:cNvSpPr>
+            <a:spLocks noGrp="1"/>
+          </p:cNvSpPr>
+          <p:nvPr>
+            <p:ph type="ftr" sz="quarter" idx="4"/>
+          </p:nvPr>
+        </p:nvSpPr>
+        <p:spPr>
+          <a:xfrm>
+            <a:off x="0" y="8685213"/>
+            <a:ext cx="2971800" cy="458787"/>
+          </a:xfrm>
+          <a:prstGeom prst="rect">
+            <a:avLst/>
+          </a:prstGeom>
+        </p:spPr>
+        <p:txBody>
+          <a:bodyPr vert="horz" lIns="91440" tIns="45720" rIns="91440" bIns="45720" rtlCol="0" anchor="b"/>
+          <a:lstStyle>
+            <a:lvl1pPr algn="l">
+              <a:defRPr sz="1200"/>
+            </a:lvl1pPr>
+          </a:lstStyle>
+          <a:p>
+            <a:endParaRPr lang="en-US"/>
+          </a:p>
+        </p:txBody>
+      </p:sp>
+      <p:sp>
+        <p:nvSpPr>
+          <p:cNvPr id="7" name="Slide Number Placeholder 6"/>
+          <p:cNvSpPr>
+            <a:spLocks noGrp="1"/>
+          </p:cNvSpPr>
+          <p:nvPr>
+            <p:ph type="sldNum" sz="quarter" idx="5"/>
+          </p:nvPr>
+        </p:nvSpPr>
+        <p:spPr>
+          <a:xfrm>
+            <a:off x="3884613" y="8685213"/>
+            <a:ext cx="2971800" cy="458787"/>
+          </a:xfrm>
+          <a:prstGeom prst="rect">
+            <a:avLst/>
+          </a:prstGeom>
+        </p:spPr>
+        <p:txBody>
+          <a:bodyPr vert="horz" lIns="91440" tIns="45720" rIns="91440" bIns="45720" rtlCol="0" anchor="b"/>
+          <a:lstStyle>
+            <a:lvl1pPr algn="r">
+              <a:defRPr sz="1200"/>
+            </a:lvl1pPr>
+          </a:lstStyle>
+          <a:p>
+            <a:fld id="{0D22C595-8801-DE46-B1F6-E77DA9C0B04B}" type="slidenum">
+              <a:rPr lang="en-US" smtClean="0"/>
+              <a:t>‹#›</a:t>
+            </a:fld>
+            <a:endParaRPr lang="en-US"/>
+          </a:p>
+        </p:txBody>
+      </p:sp>
+    </p:spTree>
+    <p:extLst>
+      <p:ext uri="{BB962C8B-B14F-4D97-AF65-F5344CB8AC3E}">
+        <p14:creationId xmlns:p14="http://schemas.microsoft.com/office/powerpoint/2010/main" val="97711629"/>
+      </p:ext>
+    </p:extLst>
+  </p:cSld>
+  <p:clrMap bg1="lt1" tx1="dk1" bg2="lt2" tx2="dk2" accent1="accent1" accent2="accent2" accent3="accent3" accent4="accent4" accent5="accent5" accent6="accent6" hlink="hlink" folHlink="folHlink"/>
+  <p:notesStyle>
+    <a:lvl1pPr marL="0" algn="l" defTabSz="914400" rtl="0" eaLnBrk="1" latinLnBrk="0" hangingPunct="1">
+      <a:defRPr sz="1200" kern="1200">
+        <a:solidFill>
+          <a:schemeClr val="tx1"/>
+        </a:solidFill>
+        <a:latin typeface="+mn-lt"/>
+        <a:ea typeface="+mn-ea"/>
+        <a:cs typeface="+mn-cs"/>
+      </a:defRPr>
+    </a:lvl1pPr>
+    <a:lvl2pPr marL="457200" algn="l" defTabSz="914400" rtl="0" eaLnBrk="1" latinLnBrk="0" hangingPunct="1">
+      <a:defRPr sz="1200" kern="1200">
+        <a:solidFill>
+          <a:schemeClr val="tx1"/>
+        </a:solidFill>
+        <a:latin typeface="+mn-lt"/>
+        <a:ea typeface="+mn-ea"/>
+        <a:cs typeface="+mn-cs"/>
+      </a:defRPr>
+    </a:lvl2pPr>
+    <a:lvl3pPr marL="914400" algn="l" defTabSz="914400" rtl="0" eaLnBrk="1" latinLnBrk="0" hangingPunct="1">
+      <a:defRPr sz="1200" kern="1200">
+        <a:solidFill>
+          <a:schemeClr val="tx1"/>
+        </a:solidFill>
+        <a:latin typeface="+mn-lt"/>
+        <a:ea typeface="+mn-ea"/>
+        <a:cs typeface="+mn-cs"/>
+      </a:defRPr>
+    </a:lvl3pPr>
+    <a:lvl4pPr marL="1371600" algn="l" defTabSz="914400" rtl="0" eaLnBrk="1" latinLnBrk="0" hangingPunct="1">
+      <a:defRPr sz="1200" kern="1200">
+        <a:solidFill>
+          <a:schemeClr val="tx1"/>
+        </a:solidFill>
+        <a:latin typeface="+mn-lt"/>
+        <a:ea typeface="+mn-ea"/>
+        <a:cs typeface="+mn-cs"/>
+      </a:defRPr>
+    </a:lvl4pPr>
+    <a:lvl5pPr marL="1828800" algn="l" defTabSz="914400" rtl="0" eaLnBrk="1" latinLnBrk="0" hangingPunct="1">
+      <a:defRPr sz="1200" kern="1200">
+        <a:solidFill>
+          <a:schemeClr val="tx1"/>
+        </a:solidFill>
+        <a:latin typeface="+mn-lt"/>
+        <a:ea typeface="+mn-ea"/>
+        <a:cs typeface="+mn-cs"/>
+      </a:defRPr>
+    </a:lvl5pPr>
+    <a:lvl6pPr marL="2286000" algn="l" defTabSz="914400" rtl="0" eaLnBrk="1" latinLnBrk="0" hangingPunct="1">
+      <a:defRPr sz="1200" kern="1200">
+        <a:solidFill>
+          <a:schemeClr val="tx1"/>
+        </a:solidFill>
+        <a:latin typeface="+mn-lt"/>
+        <a:ea typeface="+mn-ea"/>
+        <a:cs typeface="+mn-cs"/>
+      </a:defRPr>
+    </a:lvl6pPr>
+    <a:lvl7pPr marL="2743200" algn="l" defTabSz="914400" rtl="0" eaLnBrk="1" latinLnBrk="0" hangingPunct="1">
+      <a:defRPr sz="1200" kern="1200">
+        <a:solidFill>
+          <a:schemeClr val="tx1"/>
+        </a:solidFill>
+        <a:latin typeface="+mn-lt"/>
+        <a:ea typeface="+mn-ea"/>
+        <a:cs typeface="+mn-cs"/>
+      </a:defRPr>
+    </a:lvl7pPr>
+    <a:lvl8pPr marL="3200400" algn="l" defTabSz="914400" rtl="0" eaLnBrk="1" latinLnBrk="0" hangingPunct="1">
+      <a:defRPr sz="1200" kern="1200">
+        <a:solidFill>
+          <a:schemeClr val="tx1"/>
+        </a:solidFill>
+        <a:latin typeface="+mn-lt"/>
+        <a:ea typeface="+mn-ea"/>
+        <a:cs typeface="+mn-cs"/>
+      </a:defRPr>
+    </a:lvl8pPr>
+    <a:lvl9pPr marL="3657600" algn="l" defTabSz="914400" rtl="0" eaLnBrk="1" latinLnBrk="0" hangingPunct="1">
+      <a:defRPr sz="1200" kern="1200">
+        <a:solidFill>
+          <a:schemeClr val="tx1"/>
+        </a:solidFill>
+        <a:latin typeface="+mn-lt"/>
+        <a:ea typeface="+mn-ea"/>
+        <a:cs typeface="+mn-cs"/>
+      </a:defRPr>
+    </a:lvl9pPr>
+  </p:notesStyle>
+</p:notesMaster>
+</file>
+
 <file path=ppt/slideLayouts/slideLayout1.xml><?xml version="1.0" encoding="utf-8"?>
 <p:sldLayout xmlns:a="http://schemas.openxmlformats.org/drawingml/2006/main" xmlns:r="http://schemas.openxmlformats.org/officeDocument/2006/relationships" xmlns:p="http://schemas.openxmlformats.org/presentationml/2006/main" type="title" preserve="1">
   <p:cSld name="Title Slide">
@@ -140,7 +494,7 @@
           <p:cNvPr id="2" name="Title 1">
             <a:extLst>
               <a:ext uri="{FF2B5EF4-FFF2-40B4-BE49-F238E27FC236}">
-                <a16:creationId xmlns:a16="http://schemas.microsoft.com/office/drawing/2014/main" id="{AA5501FD-A8F8-41E0-8D43-003DBAB6D51E}"/>
+                <a16:creationId xmlns:a16="http://schemas.microsoft.com/office/drawing/2014/main" xmlns="" id="{AA5501FD-A8F8-41E0-8D43-003DBAB6D51E}"/>
               </a:ext>
             </a:extLst>
           </p:cNvPr>
@@ -178,7 +532,7 @@
           <p:cNvPr id="3" name="Subtitle 2">
             <a:extLst>
               <a:ext uri="{FF2B5EF4-FFF2-40B4-BE49-F238E27FC236}">
-                <a16:creationId xmlns:a16="http://schemas.microsoft.com/office/drawing/2014/main" id="{5C399954-8AEE-4A49-AC19-D18D02B864E4}"/>
+                <a16:creationId xmlns:a16="http://schemas.microsoft.com/office/drawing/2014/main" xmlns="" id="{5C399954-8AEE-4A49-AC19-D18D02B864E4}"/>
               </a:ext>
             </a:extLst>
           </p:cNvPr>
@@ -249,7 +603,7 @@
           <p:cNvPr id="4" name="Date Placeholder 3">
             <a:extLst>
               <a:ext uri="{FF2B5EF4-FFF2-40B4-BE49-F238E27FC236}">
-                <a16:creationId xmlns:a16="http://schemas.microsoft.com/office/drawing/2014/main" id="{4DF9E8AF-2E75-4790-9F0B-015B629CE17E}"/>
+                <a16:creationId xmlns:a16="http://schemas.microsoft.com/office/drawing/2014/main" xmlns="" id="{4DF9E8AF-2E75-4790-9F0B-015B629CE17E}"/>
               </a:ext>
             </a:extLst>
           </p:cNvPr>
@@ -278,7 +632,7 @@
           <p:cNvPr id="5" name="Footer Placeholder 4">
             <a:extLst>
               <a:ext uri="{FF2B5EF4-FFF2-40B4-BE49-F238E27FC236}">
-                <a16:creationId xmlns:a16="http://schemas.microsoft.com/office/drawing/2014/main" id="{F8FDA900-F2ED-4DF4-A327-AF01398CC1A0}"/>
+                <a16:creationId xmlns:a16="http://schemas.microsoft.com/office/drawing/2014/main" xmlns="" id="{F8FDA900-F2ED-4DF4-A327-AF01398CC1A0}"/>
               </a:ext>
             </a:extLst>
           </p:cNvPr>
@@ -303,7 +657,7 @@
           <p:cNvPr id="6" name="Slide Number Placeholder 5">
             <a:extLst>
               <a:ext uri="{FF2B5EF4-FFF2-40B4-BE49-F238E27FC236}">
-                <a16:creationId xmlns:a16="http://schemas.microsoft.com/office/drawing/2014/main" id="{80AF940B-B68A-4DBF-B7DD-D6898DDA1DBE}"/>
+                <a16:creationId xmlns:a16="http://schemas.microsoft.com/office/drawing/2014/main" xmlns="" id="{80AF940B-B68A-4DBF-B7DD-D6898DDA1DBE}"/>
               </a:ext>
             </a:extLst>
           </p:cNvPr>
@@ -362,7 +716,7 @@
           <p:cNvPr id="2" name="Title 1">
             <a:extLst>
               <a:ext uri="{FF2B5EF4-FFF2-40B4-BE49-F238E27FC236}">
-                <a16:creationId xmlns:a16="http://schemas.microsoft.com/office/drawing/2014/main" id="{40CBE871-6025-4994-9A09-CF426638BDE8}"/>
+                <a16:creationId xmlns:a16="http://schemas.microsoft.com/office/drawing/2014/main" xmlns="" id="{40CBE871-6025-4994-9A09-CF426638BDE8}"/>
               </a:ext>
             </a:extLst>
           </p:cNvPr>
@@ -391,7 +745,7 @@
           <p:cNvPr id="3" name="Vertical Text Placeholder 2">
             <a:extLst>
               <a:ext uri="{FF2B5EF4-FFF2-40B4-BE49-F238E27FC236}">
-                <a16:creationId xmlns:a16="http://schemas.microsoft.com/office/drawing/2014/main" id="{038C9900-EDDC-4763-AACD-05F946A2540D}"/>
+                <a16:creationId xmlns:a16="http://schemas.microsoft.com/office/drawing/2014/main" xmlns="" id="{038C9900-EDDC-4763-AACD-05F946A2540D}"/>
               </a:ext>
             </a:extLst>
           </p:cNvPr>
@@ -449,7 +803,7 @@
           <p:cNvPr id="4" name="Date Placeholder 3">
             <a:extLst>
               <a:ext uri="{FF2B5EF4-FFF2-40B4-BE49-F238E27FC236}">
-                <a16:creationId xmlns:a16="http://schemas.microsoft.com/office/drawing/2014/main" id="{A7B60D9F-90F5-4453-A9A4-C42D9D8CEA4E}"/>
+                <a16:creationId xmlns:a16="http://schemas.microsoft.com/office/drawing/2014/main" xmlns="" id="{A7B60D9F-90F5-4453-A9A4-C42D9D8CEA4E}"/>
               </a:ext>
             </a:extLst>
           </p:cNvPr>
@@ -478,7 +832,7 @@
           <p:cNvPr id="5" name="Footer Placeholder 4">
             <a:extLst>
               <a:ext uri="{FF2B5EF4-FFF2-40B4-BE49-F238E27FC236}">
-                <a16:creationId xmlns:a16="http://schemas.microsoft.com/office/drawing/2014/main" id="{78D157B6-5A9F-4CAC-BEE3-DE5E3335FCB4}"/>
+                <a16:creationId xmlns:a16="http://schemas.microsoft.com/office/drawing/2014/main" xmlns="" id="{78D157B6-5A9F-4CAC-BEE3-DE5E3335FCB4}"/>
               </a:ext>
             </a:extLst>
           </p:cNvPr>
@@ -503,7 +857,7 @@
           <p:cNvPr id="6" name="Slide Number Placeholder 5">
             <a:extLst>
               <a:ext uri="{FF2B5EF4-FFF2-40B4-BE49-F238E27FC236}">
-                <a16:creationId xmlns:a16="http://schemas.microsoft.com/office/drawing/2014/main" id="{0CAEDF5C-E925-4589-8945-F0FF6681CCB1}"/>
+                <a16:creationId xmlns:a16="http://schemas.microsoft.com/office/drawing/2014/main" xmlns="" id="{0CAEDF5C-E925-4589-8945-F0FF6681CCB1}"/>
               </a:ext>
             </a:extLst>
           </p:cNvPr>
@@ -562,7 +916,7 @@
           <p:cNvPr id="2" name="Vertical Title 1">
             <a:extLst>
               <a:ext uri="{FF2B5EF4-FFF2-40B4-BE49-F238E27FC236}">
-                <a16:creationId xmlns:a16="http://schemas.microsoft.com/office/drawing/2014/main" id="{8469A6E6-4371-4FB7-92A2-4643EA1550B7}"/>
+                <a16:creationId xmlns:a16="http://schemas.microsoft.com/office/drawing/2014/main" xmlns="" id="{8469A6E6-4371-4FB7-92A2-4643EA1550B7}"/>
               </a:ext>
             </a:extLst>
           </p:cNvPr>
@@ -596,7 +950,7 @@
           <p:cNvPr id="3" name="Vertical Text Placeholder 2">
             <a:extLst>
               <a:ext uri="{FF2B5EF4-FFF2-40B4-BE49-F238E27FC236}">
-                <a16:creationId xmlns:a16="http://schemas.microsoft.com/office/drawing/2014/main" id="{C7DC2601-BA5A-42DB-989E-14AE23BA0073}"/>
+                <a16:creationId xmlns:a16="http://schemas.microsoft.com/office/drawing/2014/main" xmlns="" id="{C7DC2601-BA5A-42DB-989E-14AE23BA0073}"/>
               </a:ext>
             </a:extLst>
           </p:cNvPr>
@@ -659,7 +1013,7 @@
           <p:cNvPr id="4" name="Date Placeholder 3">
             <a:extLst>
               <a:ext uri="{FF2B5EF4-FFF2-40B4-BE49-F238E27FC236}">
-                <a16:creationId xmlns:a16="http://schemas.microsoft.com/office/drawing/2014/main" id="{B46809E9-0D54-43B9-AA6C-8B99EFCE9432}"/>
+                <a16:creationId xmlns:a16="http://schemas.microsoft.com/office/drawing/2014/main" xmlns="" id="{B46809E9-0D54-43B9-AA6C-8B99EFCE9432}"/>
               </a:ext>
             </a:extLst>
           </p:cNvPr>
@@ -688,7 +1042,7 @@
           <p:cNvPr id="5" name="Footer Placeholder 4">
             <a:extLst>
               <a:ext uri="{FF2B5EF4-FFF2-40B4-BE49-F238E27FC236}">
-                <a16:creationId xmlns:a16="http://schemas.microsoft.com/office/drawing/2014/main" id="{F7B76793-C486-42EE-9E2B-0EEF95EDA99D}"/>
+                <a16:creationId xmlns:a16="http://schemas.microsoft.com/office/drawing/2014/main" xmlns="" id="{F7B76793-C486-42EE-9E2B-0EEF95EDA99D}"/>
               </a:ext>
             </a:extLst>
           </p:cNvPr>
@@ -713,7 +1067,7 @@
           <p:cNvPr id="6" name="Slide Number Placeholder 5">
             <a:extLst>
               <a:ext uri="{FF2B5EF4-FFF2-40B4-BE49-F238E27FC236}">
-                <a16:creationId xmlns:a16="http://schemas.microsoft.com/office/drawing/2014/main" id="{D77D508F-C3B2-4238-9B11-51D33884DCE7}"/>
+                <a16:creationId xmlns:a16="http://schemas.microsoft.com/office/drawing/2014/main" xmlns="" id="{D77D508F-C3B2-4238-9B11-51D33884DCE7}"/>
               </a:ext>
             </a:extLst>
           </p:cNvPr>
@@ -772,7 +1126,7 @@
           <p:cNvPr id="2" name="Title 1">
             <a:extLst>
               <a:ext uri="{FF2B5EF4-FFF2-40B4-BE49-F238E27FC236}">
-                <a16:creationId xmlns:a16="http://schemas.microsoft.com/office/drawing/2014/main" id="{61E5EE23-B23A-45CE-ADB0-76D15BCC58E8}"/>
+                <a16:creationId xmlns:a16="http://schemas.microsoft.com/office/drawing/2014/main" xmlns="" id="{61E5EE23-B23A-45CE-ADB0-76D15BCC58E8}"/>
               </a:ext>
             </a:extLst>
           </p:cNvPr>
@@ -801,7 +1155,7 @@
           <p:cNvPr id="3" name="Content Placeholder 2">
             <a:extLst>
               <a:ext uri="{FF2B5EF4-FFF2-40B4-BE49-F238E27FC236}">
-                <a16:creationId xmlns:a16="http://schemas.microsoft.com/office/drawing/2014/main" id="{E848E6B5-4E83-4453-957C-92C75B3A5AE3}"/>
+                <a16:creationId xmlns:a16="http://schemas.microsoft.com/office/drawing/2014/main" xmlns="" id="{E848E6B5-4E83-4453-957C-92C75B3A5AE3}"/>
               </a:ext>
             </a:extLst>
           </p:cNvPr>
@@ -859,7 +1213,7 @@
           <p:cNvPr id="4" name="Date Placeholder 3">
             <a:extLst>
               <a:ext uri="{FF2B5EF4-FFF2-40B4-BE49-F238E27FC236}">
-                <a16:creationId xmlns:a16="http://schemas.microsoft.com/office/drawing/2014/main" id="{5DCC2507-DD31-47FF-A6D9-CDF8D6D04476}"/>
+                <a16:creationId xmlns:a16="http://schemas.microsoft.com/office/drawing/2014/main" xmlns="" id="{5DCC2507-DD31-47FF-A6D9-CDF8D6D04476}"/>
               </a:ext>
             </a:extLst>
           </p:cNvPr>
@@ -888,7 +1242,7 @@
           <p:cNvPr id="5" name="Footer Placeholder 4">
             <a:extLst>
               <a:ext uri="{FF2B5EF4-FFF2-40B4-BE49-F238E27FC236}">
-                <a16:creationId xmlns:a16="http://schemas.microsoft.com/office/drawing/2014/main" id="{913995ED-BA82-465E-B07B-9E0E6D1725CE}"/>
+                <a16:creationId xmlns:a16="http://schemas.microsoft.com/office/drawing/2014/main" xmlns="" id="{913995ED-BA82-465E-B07B-9E0E6D1725CE}"/>
               </a:ext>
             </a:extLst>
           </p:cNvPr>
@@ -913,7 +1267,7 @@
           <p:cNvPr id="6" name="Slide Number Placeholder 5">
             <a:extLst>
               <a:ext uri="{FF2B5EF4-FFF2-40B4-BE49-F238E27FC236}">
-                <a16:creationId xmlns:a16="http://schemas.microsoft.com/office/drawing/2014/main" id="{00F3F3D0-6433-4789-9DEC-D918BB79084A}"/>
+                <a16:creationId xmlns:a16="http://schemas.microsoft.com/office/drawing/2014/main" xmlns="" id="{00F3F3D0-6433-4789-9DEC-D918BB79084A}"/>
               </a:ext>
             </a:extLst>
           </p:cNvPr>
@@ -972,7 +1326,7 @@
           <p:cNvPr id="2" name="Title 1">
             <a:extLst>
               <a:ext uri="{FF2B5EF4-FFF2-40B4-BE49-F238E27FC236}">
-                <a16:creationId xmlns:a16="http://schemas.microsoft.com/office/drawing/2014/main" id="{4CDE9F5F-0980-4F79-9136-158960898599}"/>
+                <a16:creationId xmlns:a16="http://schemas.microsoft.com/office/drawing/2014/main" xmlns="" id="{4CDE9F5F-0980-4F79-9136-158960898599}"/>
               </a:ext>
             </a:extLst>
           </p:cNvPr>
@@ -1010,7 +1364,7 @@
           <p:cNvPr id="3" name="Text Placeholder 2">
             <a:extLst>
               <a:ext uri="{FF2B5EF4-FFF2-40B4-BE49-F238E27FC236}">
-                <a16:creationId xmlns:a16="http://schemas.microsoft.com/office/drawing/2014/main" id="{73809406-828D-491B-975A-258E9234AC57}"/>
+                <a16:creationId xmlns:a16="http://schemas.microsoft.com/office/drawing/2014/main" xmlns="" id="{73809406-828D-491B-975A-258E9234AC57}"/>
               </a:ext>
             </a:extLst>
           </p:cNvPr>
@@ -1135,7 +1489,7 @@
           <p:cNvPr id="4" name="Date Placeholder 3">
             <a:extLst>
               <a:ext uri="{FF2B5EF4-FFF2-40B4-BE49-F238E27FC236}">
-                <a16:creationId xmlns:a16="http://schemas.microsoft.com/office/drawing/2014/main" id="{D1E18031-B4D0-4B11-9FB0-1A800BC2E32D}"/>
+                <a16:creationId xmlns:a16="http://schemas.microsoft.com/office/drawing/2014/main" xmlns="" id="{D1E18031-B4D0-4B11-9FB0-1A800BC2E32D}"/>
               </a:ext>
             </a:extLst>
           </p:cNvPr>
@@ -1164,7 +1518,7 @@
           <p:cNvPr id="5" name="Footer Placeholder 4">
             <a:extLst>
               <a:ext uri="{FF2B5EF4-FFF2-40B4-BE49-F238E27FC236}">
-                <a16:creationId xmlns:a16="http://schemas.microsoft.com/office/drawing/2014/main" id="{04E2F716-9343-4C7B-9C22-382077604C9A}"/>
+                <a16:creationId xmlns:a16="http://schemas.microsoft.com/office/drawing/2014/main" xmlns="" id="{04E2F716-9343-4C7B-9C22-382077604C9A}"/>
               </a:ext>
             </a:extLst>
           </p:cNvPr>
@@ -1189,7 +1543,7 @@
           <p:cNvPr id="6" name="Slide Number Placeholder 5">
             <a:extLst>
               <a:ext uri="{FF2B5EF4-FFF2-40B4-BE49-F238E27FC236}">
-                <a16:creationId xmlns:a16="http://schemas.microsoft.com/office/drawing/2014/main" id="{74E61936-6449-428D-AC2E-2040636195C5}"/>
+                <a16:creationId xmlns:a16="http://schemas.microsoft.com/office/drawing/2014/main" xmlns="" id="{74E61936-6449-428D-AC2E-2040636195C5}"/>
               </a:ext>
             </a:extLst>
           </p:cNvPr>
@@ -1248,7 +1602,7 @@
           <p:cNvPr id="2" name="Title 1">
             <a:extLst>
               <a:ext uri="{FF2B5EF4-FFF2-40B4-BE49-F238E27FC236}">
-                <a16:creationId xmlns:a16="http://schemas.microsoft.com/office/drawing/2014/main" id="{77C26A25-41B7-4E27-B9BC-2877161043DA}"/>
+                <a16:creationId xmlns:a16="http://schemas.microsoft.com/office/drawing/2014/main" xmlns="" id="{77C26A25-41B7-4E27-B9BC-2877161043DA}"/>
               </a:ext>
             </a:extLst>
           </p:cNvPr>
@@ -1277,7 +1631,7 @@
           <p:cNvPr id="3" name="Content Placeholder 2">
             <a:extLst>
               <a:ext uri="{FF2B5EF4-FFF2-40B4-BE49-F238E27FC236}">
-                <a16:creationId xmlns:a16="http://schemas.microsoft.com/office/drawing/2014/main" id="{5DD709F4-3326-4F3E-9AAE-3CD024CB0D81}"/>
+                <a16:creationId xmlns:a16="http://schemas.microsoft.com/office/drawing/2014/main" xmlns="" id="{5DD709F4-3326-4F3E-9AAE-3CD024CB0D81}"/>
               </a:ext>
             </a:extLst>
           </p:cNvPr>
@@ -1340,7 +1694,7 @@
           <p:cNvPr id="4" name="Content Placeholder 3">
             <a:extLst>
               <a:ext uri="{FF2B5EF4-FFF2-40B4-BE49-F238E27FC236}">
-                <a16:creationId xmlns:a16="http://schemas.microsoft.com/office/drawing/2014/main" id="{A05A608C-BA9E-40CA-9450-4ACB43BB7D04}"/>
+                <a16:creationId xmlns:a16="http://schemas.microsoft.com/office/drawing/2014/main" xmlns="" id="{A05A608C-BA9E-40CA-9450-4ACB43BB7D04}"/>
               </a:ext>
             </a:extLst>
           </p:cNvPr>
@@ -1403,7 +1757,7 @@
           <p:cNvPr id="5" name="Date Placeholder 4">
             <a:extLst>
               <a:ext uri="{FF2B5EF4-FFF2-40B4-BE49-F238E27FC236}">
-                <a16:creationId xmlns:a16="http://schemas.microsoft.com/office/drawing/2014/main" id="{42B3FCB0-10AF-4422-A6D3-8B985FCC9021}"/>
+                <a16:creationId xmlns:a16="http://schemas.microsoft.com/office/drawing/2014/main" xmlns="" id="{42B3FCB0-10AF-4422-A6D3-8B985FCC9021}"/>
               </a:ext>
             </a:extLst>
           </p:cNvPr>
@@ -1432,7 +1786,7 @@
           <p:cNvPr id="6" name="Footer Placeholder 5">
             <a:extLst>
               <a:ext uri="{FF2B5EF4-FFF2-40B4-BE49-F238E27FC236}">
-                <a16:creationId xmlns:a16="http://schemas.microsoft.com/office/drawing/2014/main" id="{4994463A-782C-423B-AC61-81F9094E16AE}"/>
+                <a16:creationId xmlns:a16="http://schemas.microsoft.com/office/drawing/2014/main" xmlns="" id="{4994463A-782C-423B-AC61-81F9094E16AE}"/>
               </a:ext>
             </a:extLst>
           </p:cNvPr>
@@ -1457,7 +1811,7 @@
           <p:cNvPr id="7" name="Slide Number Placeholder 6">
             <a:extLst>
               <a:ext uri="{FF2B5EF4-FFF2-40B4-BE49-F238E27FC236}">
-                <a16:creationId xmlns:a16="http://schemas.microsoft.com/office/drawing/2014/main" id="{F12C0CC5-0864-41BA-BD54-ABFE48FC7356}"/>
+                <a16:creationId xmlns:a16="http://schemas.microsoft.com/office/drawing/2014/main" xmlns="" id="{F12C0CC5-0864-41BA-BD54-ABFE48FC7356}"/>
               </a:ext>
             </a:extLst>
           </p:cNvPr>
@@ -1516,7 +1870,7 @@
           <p:cNvPr id="2" name="Title 1">
             <a:extLst>
               <a:ext uri="{FF2B5EF4-FFF2-40B4-BE49-F238E27FC236}">
-                <a16:creationId xmlns:a16="http://schemas.microsoft.com/office/drawing/2014/main" id="{7F6C5323-A8DB-4136-892B-29A79AE51E88}"/>
+                <a16:creationId xmlns:a16="http://schemas.microsoft.com/office/drawing/2014/main" xmlns="" id="{7F6C5323-A8DB-4136-892B-29A79AE51E88}"/>
               </a:ext>
             </a:extLst>
           </p:cNvPr>
@@ -1550,7 +1904,7 @@
           <p:cNvPr id="3" name="Text Placeholder 2">
             <a:extLst>
               <a:ext uri="{FF2B5EF4-FFF2-40B4-BE49-F238E27FC236}">
-                <a16:creationId xmlns:a16="http://schemas.microsoft.com/office/drawing/2014/main" id="{3BC7DAD2-ECEC-4467-8701-9C29E74A6CF2}"/>
+                <a16:creationId xmlns:a16="http://schemas.microsoft.com/office/drawing/2014/main" xmlns="" id="{3BC7DAD2-ECEC-4467-8701-9C29E74A6CF2}"/>
               </a:ext>
             </a:extLst>
           </p:cNvPr>
@@ -1621,7 +1975,7 @@
           <p:cNvPr id="4" name="Content Placeholder 3">
             <a:extLst>
               <a:ext uri="{FF2B5EF4-FFF2-40B4-BE49-F238E27FC236}">
-                <a16:creationId xmlns:a16="http://schemas.microsoft.com/office/drawing/2014/main" id="{E818D659-94A4-4254-9471-53D87BA55F58}"/>
+                <a16:creationId xmlns:a16="http://schemas.microsoft.com/office/drawing/2014/main" xmlns="" id="{E818D659-94A4-4254-9471-53D87BA55F58}"/>
               </a:ext>
             </a:extLst>
           </p:cNvPr>
@@ -1684,7 +2038,7 @@
           <p:cNvPr id="5" name="Text Placeholder 4">
             <a:extLst>
               <a:ext uri="{FF2B5EF4-FFF2-40B4-BE49-F238E27FC236}">
-                <a16:creationId xmlns:a16="http://schemas.microsoft.com/office/drawing/2014/main" id="{67C49C95-95CE-40A0-B5F2-0CF343C6B1F5}"/>
+                <a16:creationId xmlns:a16="http://schemas.microsoft.com/office/drawing/2014/main" xmlns="" id="{67C49C95-95CE-40A0-B5F2-0CF343C6B1F5}"/>
               </a:ext>
             </a:extLst>
           </p:cNvPr>
@@ -1755,7 +2109,7 @@
           <p:cNvPr id="6" name="Content Placeholder 5">
             <a:extLst>
               <a:ext uri="{FF2B5EF4-FFF2-40B4-BE49-F238E27FC236}">
-                <a16:creationId xmlns:a16="http://schemas.microsoft.com/office/drawing/2014/main" id="{00C83844-4C99-4839-837C-9665EA930A22}"/>
+                <a16:creationId xmlns:a16="http://schemas.microsoft.com/office/drawing/2014/main" xmlns="" id="{00C83844-4C99-4839-837C-9665EA930A22}"/>
               </a:ext>
             </a:extLst>
           </p:cNvPr>
@@ -1818,7 +2172,7 @@
           <p:cNvPr id="7" name="Date Placeholder 6">
             <a:extLst>
               <a:ext uri="{FF2B5EF4-FFF2-40B4-BE49-F238E27FC236}">
-                <a16:creationId xmlns:a16="http://schemas.microsoft.com/office/drawing/2014/main" id="{D51E42A7-EA97-486A-9345-8CEC87BB973E}"/>
+                <a16:creationId xmlns:a16="http://schemas.microsoft.com/office/drawing/2014/main" xmlns="" id="{D51E42A7-EA97-486A-9345-8CEC87BB973E}"/>
               </a:ext>
             </a:extLst>
           </p:cNvPr>
@@ -1847,7 +2201,7 @@
           <p:cNvPr id="8" name="Footer Placeholder 7">
             <a:extLst>
               <a:ext uri="{FF2B5EF4-FFF2-40B4-BE49-F238E27FC236}">
-                <a16:creationId xmlns:a16="http://schemas.microsoft.com/office/drawing/2014/main" id="{CE67D431-882F-4B9B-B2E3-500EC42F79DE}"/>
+                <a16:creationId xmlns:a16="http://schemas.microsoft.com/office/drawing/2014/main" xmlns="" id="{CE67D431-882F-4B9B-B2E3-500EC42F79DE}"/>
               </a:ext>
             </a:extLst>
           </p:cNvPr>
@@ -1872,7 +2226,7 @@
           <p:cNvPr id="9" name="Slide Number Placeholder 8">
             <a:extLst>
               <a:ext uri="{FF2B5EF4-FFF2-40B4-BE49-F238E27FC236}">
-                <a16:creationId xmlns:a16="http://schemas.microsoft.com/office/drawing/2014/main" id="{36C8039C-E0C1-4041-9311-86F5ABA45186}"/>
+                <a16:creationId xmlns:a16="http://schemas.microsoft.com/office/drawing/2014/main" xmlns="" id="{36C8039C-E0C1-4041-9311-86F5ABA45186}"/>
               </a:ext>
             </a:extLst>
           </p:cNvPr>
@@ -1931,7 +2285,7 @@
           <p:cNvPr id="2" name="Title 1">
             <a:extLst>
               <a:ext uri="{FF2B5EF4-FFF2-40B4-BE49-F238E27FC236}">
-                <a16:creationId xmlns:a16="http://schemas.microsoft.com/office/drawing/2014/main" id="{71A9D944-3568-4360-A787-0808C61592B9}"/>
+                <a16:creationId xmlns:a16="http://schemas.microsoft.com/office/drawing/2014/main" xmlns="" id="{71A9D944-3568-4360-A787-0808C61592B9}"/>
               </a:ext>
             </a:extLst>
           </p:cNvPr>
@@ -1960,7 +2314,7 @@
           <p:cNvPr id="3" name="Date Placeholder 2">
             <a:extLst>
               <a:ext uri="{FF2B5EF4-FFF2-40B4-BE49-F238E27FC236}">
-                <a16:creationId xmlns:a16="http://schemas.microsoft.com/office/drawing/2014/main" id="{1411A4D5-7F72-4874-8EA5-45A7013AC4EF}"/>
+                <a16:creationId xmlns:a16="http://schemas.microsoft.com/office/drawing/2014/main" xmlns="" id="{1411A4D5-7F72-4874-8EA5-45A7013AC4EF}"/>
               </a:ext>
             </a:extLst>
           </p:cNvPr>
@@ -1989,7 +2343,7 @@
           <p:cNvPr id="4" name="Footer Placeholder 3">
             <a:extLst>
               <a:ext uri="{FF2B5EF4-FFF2-40B4-BE49-F238E27FC236}">
-                <a16:creationId xmlns:a16="http://schemas.microsoft.com/office/drawing/2014/main" id="{C4917865-F0AE-4866-B694-548CFB0E43DB}"/>
+                <a16:creationId xmlns:a16="http://schemas.microsoft.com/office/drawing/2014/main" xmlns="" id="{C4917865-F0AE-4866-B694-548CFB0E43DB}"/>
               </a:ext>
             </a:extLst>
           </p:cNvPr>
@@ -2014,7 +2368,7 @@
           <p:cNvPr id="5" name="Slide Number Placeholder 4">
             <a:extLst>
               <a:ext uri="{FF2B5EF4-FFF2-40B4-BE49-F238E27FC236}">
-                <a16:creationId xmlns:a16="http://schemas.microsoft.com/office/drawing/2014/main" id="{5633254D-643E-43A2-8FBB-DE4EDE72DD06}"/>
+                <a16:creationId xmlns:a16="http://schemas.microsoft.com/office/drawing/2014/main" xmlns="" id="{5633254D-643E-43A2-8FBB-DE4EDE72DD06}"/>
               </a:ext>
             </a:extLst>
           </p:cNvPr>
@@ -2073,7 +2427,7 @@
           <p:cNvPr id="2" name="Date Placeholder 1">
             <a:extLst>
               <a:ext uri="{FF2B5EF4-FFF2-40B4-BE49-F238E27FC236}">
-                <a16:creationId xmlns:a16="http://schemas.microsoft.com/office/drawing/2014/main" id="{314CA5AE-AC2E-4C13-B485-A003065AFFF3}"/>
+                <a16:creationId xmlns:a16="http://schemas.microsoft.com/office/drawing/2014/main" xmlns="" id="{314CA5AE-AC2E-4C13-B485-A003065AFFF3}"/>
               </a:ext>
             </a:extLst>
           </p:cNvPr>
@@ -2102,7 +2456,7 @@
           <p:cNvPr id="3" name="Footer Placeholder 2">
             <a:extLst>
               <a:ext uri="{FF2B5EF4-FFF2-40B4-BE49-F238E27FC236}">
-                <a16:creationId xmlns:a16="http://schemas.microsoft.com/office/drawing/2014/main" id="{CC132C0A-B444-481A-A11E-7E9208F4C78B}"/>
+                <a16:creationId xmlns:a16="http://schemas.microsoft.com/office/drawing/2014/main" xmlns="" id="{CC132C0A-B444-481A-A11E-7E9208F4C78B}"/>
               </a:ext>
             </a:extLst>
           </p:cNvPr>
@@ -2127,7 +2481,7 @@
           <p:cNvPr id="4" name="Slide Number Placeholder 3">
             <a:extLst>
               <a:ext uri="{FF2B5EF4-FFF2-40B4-BE49-F238E27FC236}">
-                <a16:creationId xmlns:a16="http://schemas.microsoft.com/office/drawing/2014/main" id="{8570568E-4390-4DCF-B56B-DBF04DABF4AD}"/>
+                <a16:creationId xmlns:a16="http://schemas.microsoft.com/office/drawing/2014/main" xmlns="" id="{8570568E-4390-4DCF-B56B-DBF04DABF4AD}"/>
               </a:ext>
             </a:extLst>
           </p:cNvPr>
@@ -2186,7 +2540,7 @@
           <p:cNvPr id="2" name="Title 1">
             <a:extLst>
               <a:ext uri="{FF2B5EF4-FFF2-40B4-BE49-F238E27FC236}">
-                <a16:creationId xmlns:a16="http://schemas.microsoft.com/office/drawing/2014/main" id="{D70C4B00-9A26-46FC-80CC-254D5FEE0A71}"/>
+                <a16:creationId xmlns:a16="http://schemas.microsoft.com/office/drawing/2014/main" xmlns="" id="{D70C4B00-9A26-46FC-80CC-254D5FEE0A71}"/>
               </a:ext>
             </a:extLst>
           </p:cNvPr>
@@ -2224,7 +2578,7 @@
           <p:cNvPr id="3" name="Content Placeholder 2">
             <a:extLst>
               <a:ext uri="{FF2B5EF4-FFF2-40B4-BE49-F238E27FC236}">
-                <a16:creationId xmlns:a16="http://schemas.microsoft.com/office/drawing/2014/main" id="{162AD264-09CF-49D3-8F27-06D24AB3F0D2}"/>
+                <a16:creationId xmlns:a16="http://schemas.microsoft.com/office/drawing/2014/main" xmlns="" id="{162AD264-09CF-49D3-8F27-06D24AB3F0D2}"/>
               </a:ext>
             </a:extLst>
           </p:cNvPr>
@@ -2315,7 +2669,7 @@
           <p:cNvPr id="4" name="Text Placeholder 3">
             <a:extLst>
               <a:ext uri="{FF2B5EF4-FFF2-40B4-BE49-F238E27FC236}">
-                <a16:creationId xmlns:a16="http://schemas.microsoft.com/office/drawing/2014/main" id="{033DC8EB-5283-4C5D-B77D-3E82972492CB}"/>
+                <a16:creationId xmlns:a16="http://schemas.microsoft.com/office/drawing/2014/main" xmlns="" id="{033DC8EB-5283-4C5D-B77D-3E82972492CB}"/>
               </a:ext>
             </a:extLst>
           </p:cNvPr>
@@ -2386,7 +2740,7 @@
           <p:cNvPr id="5" name="Date Placeholder 4">
             <a:extLst>
               <a:ext uri="{FF2B5EF4-FFF2-40B4-BE49-F238E27FC236}">
-                <a16:creationId xmlns:a16="http://schemas.microsoft.com/office/drawing/2014/main" id="{CD6B27C8-9AFF-491F-B3D3-69AE2EEC4F7F}"/>
+                <a16:creationId xmlns:a16="http://schemas.microsoft.com/office/drawing/2014/main" xmlns="" id="{CD6B27C8-9AFF-491F-B3D3-69AE2EEC4F7F}"/>
               </a:ext>
             </a:extLst>
           </p:cNvPr>
@@ -2415,7 +2769,7 @@
           <p:cNvPr id="6" name="Footer Placeholder 5">
             <a:extLst>
               <a:ext uri="{FF2B5EF4-FFF2-40B4-BE49-F238E27FC236}">
-                <a16:creationId xmlns:a16="http://schemas.microsoft.com/office/drawing/2014/main" id="{703CE241-682E-4952-811D-3AAF3B898648}"/>
+                <a16:creationId xmlns:a16="http://schemas.microsoft.com/office/drawing/2014/main" xmlns="" id="{703CE241-682E-4952-811D-3AAF3B898648}"/>
               </a:ext>
             </a:extLst>
           </p:cNvPr>
@@ -2440,7 +2794,7 @@
           <p:cNvPr id="7" name="Slide Number Placeholder 6">
             <a:extLst>
               <a:ext uri="{FF2B5EF4-FFF2-40B4-BE49-F238E27FC236}">
-                <a16:creationId xmlns:a16="http://schemas.microsoft.com/office/drawing/2014/main" id="{111247E3-C2AD-4BA1-852C-5D1590D08C17}"/>
+                <a16:creationId xmlns:a16="http://schemas.microsoft.com/office/drawing/2014/main" xmlns="" id="{111247E3-C2AD-4BA1-852C-5D1590D08C17}"/>
               </a:ext>
             </a:extLst>
           </p:cNvPr>
@@ -2499,7 +2853,7 @@
           <p:cNvPr id="2" name="Title 1">
             <a:extLst>
               <a:ext uri="{FF2B5EF4-FFF2-40B4-BE49-F238E27FC236}">
-                <a16:creationId xmlns:a16="http://schemas.microsoft.com/office/drawing/2014/main" id="{613183E6-9D66-48F3-A10A-169A583EC2FD}"/>
+                <a16:creationId xmlns:a16="http://schemas.microsoft.com/office/drawing/2014/main" xmlns="" id="{613183E6-9D66-48F3-A10A-169A583EC2FD}"/>
               </a:ext>
             </a:extLst>
           </p:cNvPr>
@@ -2537,7 +2891,7 @@
           <p:cNvPr id="3" name="Picture Placeholder 2">
             <a:extLst>
               <a:ext uri="{FF2B5EF4-FFF2-40B4-BE49-F238E27FC236}">
-                <a16:creationId xmlns:a16="http://schemas.microsoft.com/office/drawing/2014/main" id="{5FE3BD5B-84C7-484D-9A56-99AC79AF1E19}"/>
+                <a16:creationId xmlns:a16="http://schemas.microsoft.com/office/drawing/2014/main" xmlns="" id="{5FE3BD5B-84C7-484D-9A56-99AC79AF1E19}"/>
               </a:ext>
             </a:extLst>
           </p:cNvPr>
@@ -2604,7 +2958,7 @@
           <p:cNvPr id="4" name="Text Placeholder 3">
             <a:extLst>
               <a:ext uri="{FF2B5EF4-FFF2-40B4-BE49-F238E27FC236}">
-                <a16:creationId xmlns:a16="http://schemas.microsoft.com/office/drawing/2014/main" id="{8B79B15C-66DE-456A-A087-44443836BD3E}"/>
+                <a16:creationId xmlns:a16="http://schemas.microsoft.com/office/drawing/2014/main" xmlns="" id="{8B79B15C-66DE-456A-A087-44443836BD3E}"/>
               </a:ext>
             </a:extLst>
           </p:cNvPr>
@@ -2675,7 +3029,7 @@
           <p:cNvPr id="5" name="Date Placeholder 4">
             <a:extLst>
               <a:ext uri="{FF2B5EF4-FFF2-40B4-BE49-F238E27FC236}">
-                <a16:creationId xmlns:a16="http://schemas.microsoft.com/office/drawing/2014/main" id="{C52C82CC-1890-480A-BAAB-87213507DBFE}"/>
+                <a16:creationId xmlns:a16="http://schemas.microsoft.com/office/drawing/2014/main" xmlns="" id="{C52C82CC-1890-480A-BAAB-87213507DBFE}"/>
               </a:ext>
             </a:extLst>
           </p:cNvPr>
@@ -2704,7 +3058,7 @@
           <p:cNvPr id="6" name="Footer Placeholder 5">
             <a:extLst>
               <a:ext uri="{FF2B5EF4-FFF2-40B4-BE49-F238E27FC236}">
-                <a16:creationId xmlns:a16="http://schemas.microsoft.com/office/drawing/2014/main" id="{08196BB1-6A82-4E70-8A14-4EDAFE556515}"/>
+                <a16:creationId xmlns:a16="http://schemas.microsoft.com/office/drawing/2014/main" xmlns="" id="{08196BB1-6A82-4E70-8A14-4EDAFE556515}"/>
               </a:ext>
             </a:extLst>
           </p:cNvPr>
@@ -2729,7 +3083,7 @@
           <p:cNvPr id="7" name="Slide Number Placeholder 6">
             <a:extLst>
               <a:ext uri="{FF2B5EF4-FFF2-40B4-BE49-F238E27FC236}">
-                <a16:creationId xmlns:a16="http://schemas.microsoft.com/office/drawing/2014/main" id="{21B05CBD-6411-4A63-8A3E-503EDBF81A8E}"/>
+                <a16:creationId xmlns:a16="http://schemas.microsoft.com/office/drawing/2014/main" xmlns="" id="{21B05CBD-6411-4A63-8A3E-503EDBF81A8E}"/>
               </a:ext>
             </a:extLst>
           </p:cNvPr>
@@ -2793,7 +3147,7 @@
           <p:cNvPr id="2" name="Title Placeholder 1">
             <a:extLst>
               <a:ext uri="{FF2B5EF4-FFF2-40B4-BE49-F238E27FC236}">
-                <a16:creationId xmlns:a16="http://schemas.microsoft.com/office/drawing/2014/main" id="{CE371E93-D560-49C3-9888-F964B7CA9E30}"/>
+                <a16:creationId xmlns:a16="http://schemas.microsoft.com/office/drawing/2014/main" xmlns="" id="{CE371E93-D560-49C3-9888-F964B7CA9E30}"/>
               </a:ext>
             </a:extLst>
           </p:cNvPr>
@@ -2832,7 +3186,7 @@
           <p:cNvPr id="3" name="Text Placeholder 2">
             <a:extLst>
               <a:ext uri="{FF2B5EF4-FFF2-40B4-BE49-F238E27FC236}">
-                <a16:creationId xmlns:a16="http://schemas.microsoft.com/office/drawing/2014/main" id="{27B6C883-01A4-437E-80E4-209479DE3BA6}"/>
+                <a16:creationId xmlns:a16="http://schemas.microsoft.com/office/drawing/2014/main" xmlns="" id="{27B6C883-01A4-437E-80E4-209479DE3BA6}"/>
               </a:ext>
             </a:extLst>
           </p:cNvPr>
@@ -2900,7 +3254,7 @@
           <p:cNvPr id="4" name="Date Placeholder 3">
             <a:extLst>
               <a:ext uri="{FF2B5EF4-FFF2-40B4-BE49-F238E27FC236}">
-                <a16:creationId xmlns:a16="http://schemas.microsoft.com/office/drawing/2014/main" id="{0222A804-0978-40E7-8FAF-79D5D7F1672B}"/>
+                <a16:creationId xmlns:a16="http://schemas.microsoft.com/office/drawing/2014/main" xmlns="" id="{0222A804-0978-40E7-8FAF-79D5D7F1672B}"/>
               </a:ext>
             </a:extLst>
           </p:cNvPr>
@@ -2947,7 +3301,7 @@
           <p:cNvPr id="5" name="Footer Placeholder 4">
             <a:extLst>
               <a:ext uri="{FF2B5EF4-FFF2-40B4-BE49-F238E27FC236}">
-                <a16:creationId xmlns:a16="http://schemas.microsoft.com/office/drawing/2014/main" id="{C03BDE63-F4C7-49B1-B216-7536CDC931BF}"/>
+                <a16:creationId xmlns:a16="http://schemas.microsoft.com/office/drawing/2014/main" xmlns="" id="{C03BDE63-F4C7-49B1-B216-7536CDC931BF}"/>
               </a:ext>
             </a:extLst>
           </p:cNvPr>
@@ -2990,7 +3344,7 @@
           <p:cNvPr id="6" name="Slide Number Placeholder 5">
             <a:extLst>
               <a:ext uri="{FF2B5EF4-FFF2-40B4-BE49-F238E27FC236}">
-                <a16:creationId xmlns:a16="http://schemas.microsoft.com/office/drawing/2014/main" id="{DAA2EDFA-FD04-4BE8-A5A9-51FA011E4D19}"/>
+                <a16:creationId xmlns:a16="http://schemas.microsoft.com/office/drawing/2014/main" xmlns="" id="{DAA2EDFA-FD04-4BE8-A5A9-51FA011E4D19}"/>
               </a:ext>
             </a:extLst>
           </p:cNvPr>
@@ -3358,7 +3712,7 @@
           <p:cNvPr id="2" name="Title 1">
             <a:extLst>
               <a:ext uri="{FF2B5EF4-FFF2-40B4-BE49-F238E27FC236}">
-                <a16:creationId xmlns:a16="http://schemas.microsoft.com/office/drawing/2014/main" id="{AA8F10E1-8CD4-40D6-8FD3-9A29DC99D8D7}"/>
+                <a16:creationId xmlns:a16="http://schemas.microsoft.com/office/drawing/2014/main" xmlns="" id="{AA8F10E1-8CD4-40D6-8FD3-9A29DC99D8D7}"/>
               </a:ext>
             </a:extLst>
           </p:cNvPr>
@@ -3385,6 +3739,10 @@
               <a:rPr lang="en-GB" b="1" dirty="0"/>
               <a:t>Modelling a Cold Atom using a Driven Gyroscope</a:t>
             </a:r>
+            <a:r>
+              <a:rPr lang="en-GB" dirty="0"/>
+              <a:t/>
+            </a:r>
             <a:br>
               <a:rPr lang="en-GB" dirty="0"/>
             </a:br>
@@ -3397,7 +3755,7 @@
           <p:cNvPr id="3" name="Subtitle 2">
             <a:extLst>
               <a:ext uri="{FF2B5EF4-FFF2-40B4-BE49-F238E27FC236}">
-                <a16:creationId xmlns:a16="http://schemas.microsoft.com/office/drawing/2014/main" id="{879EB53F-BA39-43F2-A78A-52C505FF8285}"/>
+                <a16:creationId xmlns:a16="http://schemas.microsoft.com/office/drawing/2014/main" xmlns="" id="{879EB53F-BA39-43F2-A78A-52C505FF8285}"/>
               </a:ext>
             </a:extLst>
           </p:cNvPr>
@@ -3430,7 +3788,7 @@
           <p:cNvPr id="4" name="TextBox 3">
             <a:extLst>
               <a:ext uri="{FF2B5EF4-FFF2-40B4-BE49-F238E27FC236}">
-                <a16:creationId xmlns:a16="http://schemas.microsoft.com/office/drawing/2014/main" id="{3EF5D434-3192-44DE-9628-C528C798010B}"/>
+                <a16:creationId xmlns:a16="http://schemas.microsoft.com/office/drawing/2014/main" xmlns="" id="{3EF5D434-3192-44DE-9628-C528C798010B}"/>
               </a:ext>
             </a:extLst>
           </p:cNvPr>
@@ -3495,7 +3853,7 @@
           <p:cNvPr id="2" name="Title 1">
             <a:extLst>
               <a:ext uri="{FF2B5EF4-FFF2-40B4-BE49-F238E27FC236}">
-                <a16:creationId xmlns:a16="http://schemas.microsoft.com/office/drawing/2014/main" id="{776ED940-42A6-42A1-8B00-ADBF8C3EA07A}"/>
+                <a16:creationId xmlns:a16="http://schemas.microsoft.com/office/drawing/2014/main" xmlns="" id="{776ED940-42A6-42A1-8B00-ADBF8C3EA07A}"/>
               </a:ext>
             </a:extLst>
           </p:cNvPr>
@@ -3512,7 +3870,7 @@
           <a:lstStyle/>
           <a:p>
             <a:r>
-              <a:rPr lang="en-GB" b="1" dirty="0"/>
+              <a:rPr lang="en-GB" dirty="0"/>
               <a:t>Aims</a:t>
             </a:r>
           </a:p>
@@ -3523,7 +3881,7 @@
           <p:cNvPr id="3" name="Content Placeholder 2">
             <a:extLst>
               <a:ext uri="{FF2B5EF4-FFF2-40B4-BE49-F238E27FC236}">
-                <a16:creationId xmlns:a16="http://schemas.microsoft.com/office/drawing/2014/main" id="{A403DE32-9B9A-4FE6-8520-B799E751D32C}"/>
+                <a16:creationId xmlns:a16="http://schemas.microsoft.com/office/drawing/2014/main" xmlns="" id="{A403DE32-9B9A-4FE6-8520-B799E751D32C}"/>
               </a:ext>
             </a:extLst>
           </p:cNvPr>
@@ -3587,7 +3945,15 @@
           <a:p>
             <a:r>
               <a:rPr lang="en-GB" dirty="0"/>
-              <a:t>Produce a torque with electromagnetism causing the gyroscope to process</a:t>
+              <a:t>Produce a torque with </a:t>
+            </a:r>
+            <a:r>
+              <a:rPr lang="en-GB" dirty="0" smtClean="0"/>
+              <a:t>electromagnetism </a:t>
+            </a:r>
+            <a:r>
+              <a:rPr lang="en-GB" dirty="0"/>
+              <a:t>causing the gyroscope to process</a:t>
             </a:r>
           </a:p>
           <a:p>
@@ -3639,7 +4005,7 @@
           <p:cNvPr id="2" name="Title 1">
             <a:extLst>
               <a:ext uri="{FF2B5EF4-FFF2-40B4-BE49-F238E27FC236}">
-                <a16:creationId xmlns:a16="http://schemas.microsoft.com/office/drawing/2014/main" id="{8F5736DB-FFCE-47EA-A366-CC4E8587CD49}"/>
+                <a16:creationId xmlns:a16="http://schemas.microsoft.com/office/drawing/2014/main" xmlns="" id="{8F5736DB-FFCE-47EA-A366-CC4E8587CD49}"/>
               </a:ext>
             </a:extLst>
           </p:cNvPr>
@@ -3656,9 +4022,10 @@
           <a:lstStyle/>
           <a:p>
             <a:r>
-              <a:rPr lang="en-GB" b="1" dirty="0"/>
-              <a:t>Introduction</a:t>
-            </a:r>
+              <a:rPr lang="en-GB" dirty="0" smtClean="0"/>
+              <a:t>Theory</a:t>
+            </a:r>
+            <a:endParaRPr lang="en-GB" dirty="0"/>
           </a:p>
         </p:txBody>
       </p:sp>
@@ -3667,7 +4034,7 @@
           <p:cNvPr id="3" name="Content Placeholder 2">
             <a:extLst>
               <a:ext uri="{FF2B5EF4-FFF2-40B4-BE49-F238E27FC236}">
-                <a16:creationId xmlns:a16="http://schemas.microsoft.com/office/drawing/2014/main" id="{A1C0B25C-1540-4636-8004-EF1DBC7C92CA}"/>
+                <a16:creationId xmlns:a16="http://schemas.microsoft.com/office/drawing/2014/main" xmlns="" id="{A1C0B25C-1540-4636-8004-EF1DBC7C92CA}"/>
               </a:ext>
             </a:extLst>
           </p:cNvPr>
@@ -3683,7 +4050,39 @@
           <a:bodyPr/>
           <a:lstStyle/>
           <a:p>
-            <a:endParaRPr lang="en-GB"/>
+            <a:r>
+              <a:rPr lang="en-GB" dirty="0" smtClean="0"/>
+              <a:t>Bloch sphere</a:t>
+            </a:r>
+          </a:p>
+          <a:p>
+            <a:endParaRPr lang="en-GB" dirty="0"/>
+          </a:p>
+          <a:p>
+            <a:r>
+              <a:rPr lang="en-GB" dirty="0" err="1" smtClean="0"/>
+              <a:t>Biot</a:t>
+            </a:r>
+            <a:r>
+              <a:rPr lang="en-GB" dirty="0" smtClean="0"/>
+              <a:t>-Savart </a:t>
+            </a:r>
+          </a:p>
+          <a:p>
+            <a:endParaRPr lang="en-GB" dirty="0"/>
+          </a:p>
+          <a:p>
+            <a:r>
+              <a:rPr lang="en-GB" smtClean="0"/>
+              <a:t>Helmholtz coil</a:t>
+            </a:r>
+            <a:endParaRPr lang="en-GB" dirty="0" smtClean="0"/>
+          </a:p>
+          <a:p>
+            <a:endParaRPr lang="en-GB" dirty="0"/>
+          </a:p>
+          <a:p>
+            <a:endParaRPr lang="en-GB" dirty="0"/>
           </a:p>
         </p:txBody>
       </p:sp>
@@ -3719,13 +4118,7 @@
       </p:grpSpPr>
       <p:sp>
         <p:nvSpPr>
-          <p:cNvPr id="2" name="Title 1">
-            <a:extLst>
-              <a:ext uri="{FF2B5EF4-FFF2-40B4-BE49-F238E27FC236}">
-                <a16:creationId xmlns:a16="http://schemas.microsoft.com/office/drawing/2014/main" id="{E86B6ED6-1BE4-441C-80DC-274325747CF3}"/>
-              </a:ext>
-            </a:extLst>
-          </p:cNvPr>
+          <p:cNvPr id="2" name="Title 1"/>
           <p:cNvSpPr>
             <a:spLocks noGrp="1"/>
           </p:cNvSpPr>
@@ -3739,21 +4132,16 @@
           <a:lstStyle/>
           <a:p>
             <a:r>
-              <a:rPr lang="en-GB" dirty="0"/>
-              <a:t>Plans</a:t>
-            </a:r>
-          </a:p>
-        </p:txBody>
-      </p:sp>
-      <p:sp>
-        <p:nvSpPr>
-          <p:cNvPr id="3" name="Content Placeholder 2">
-            <a:extLst>
-              <a:ext uri="{FF2B5EF4-FFF2-40B4-BE49-F238E27FC236}">
-                <a16:creationId xmlns:a16="http://schemas.microsoft.com/office/drawing/2014/main" id="{85C57FF7-E60F-4E0A-8A80-89763CE959D4}"/>
-              </a:ext>
-            </a:extLst>
-          </p:cNvPr>
+              <a:rPr lang="en-US" dirty="0" smtClean="0"/>
+              <a:t>Feasibility studies</a:t>
+            </a:r>
+            <a:endParaRPr lang="en-US" dirty="0"/>
+          </a:p>
+        </p:txBody>
+      </p:sp>
+      <p:sp>
+        <p:nvSpPr>
+          <p:cNvPr id="3" name="Content Placeholder 2"/>
           <p:cNvSpPr>
             <a:spLocks noGrp="1"/>
           </p:cNvSpPr>
@@ -3767,34 +4155,35 @@
           <a:lstStyle/>
           <a:p>
             <a:r>
-              <a:rPr lang="en-GB" dirty="0"/>
-              <a:t>Currently in workshop having motor fitted</a:t>
-            </a:r>
-          </a:p>
-          <a:p>
-            <a:r>
-              <a:rPr lang="en-GB" dirty="0"/>
-              <a:t>Magnet analysis and attachment</a:t>
-            </a:r>
-          </a:p>
-          <a:p>
-            <a:r>
-              <a:rPr lang="en-GB" dirty="0"/>
-              <a:t>Weeks 9-10 is testing</a:t>
-            </a:r>
-          </a:p>
-          <a:p>
-            <a:r>
-              <a:rPr lang="en-GB" dirty="0"/>
-              <a:t>Finishing and report writing</a:t>
-            </a:r>
+              <a:rPr lang="en-US" dirty="0" smtClean="0"/>
+              <a:t>Driving the rotor of the gyroscope with a current</a:t>
+            </a:r>
+          </a:p>
+          <a:p>
+            <a:endParaRPr lang="en-US" dirty="0"/>
+          </a:p>
+          <a:p>
+            <a:r>
+              <a:rPr lang="en-US" dirty="0" smtClean="0"/>
+              <a:t>With small conducting magnets</a:t>
+            </a:r>
+          </a:p>
+          <a:p>
+            <a:endParaRPr lang="en-US" dirty="0"/>
+          </a:p>
+          <a:p>
+            <a:r>
+              <a:rPr lang="en-US" dirty="0" smtClean="0"/>
+              <a:t>Tachometer and motor arrangement</a:t>
+            </a:r>
+            <a:endParaRPr lang="en-US" dirty="0"/>
           </a:p>
         </p:txBody>
       </p:sp>
     </p:spTree>
     <p:extLst>
       <p:ext uri="{BB962C8B-B14F-4D97-AF65-F5344CB8AC3E}">
-        <p14:creationId xmlns:p14="http://schemas.microsoft.com/office/powerpoint/2010/main" val="1746099802"/>
+        <p14:creationId xmlns:p14="http://schemas.microsoft.com/office/powerpoint/2010/main" val="1838107109"/>
       </p:ext>
     </p:extLst>
   </p:cSld>
@@ -3826,7 +4215,7 @@
           <p:cNvPr id="2" name="Title 1">
             <a:extLst>
               <a:ext uri="{FF2B5EF4-FFF2-40B4-BE49-F238E27FC236}">
-                <a16:creationId xmlns:a16="http://schemas.microsoft.com/office/drawing/2014/main" id="{BA2C8F2B-EEF3-4B33-BA8A-C9A78BBF5175}"/>
+                <a16:creationId xmlns:a16="http://schemas.microsoft.com/office/drawing/2014/main" xmlns="" id="{E86B6ED6-1BE4-441C-80DC-274325747CF3}"/>
               </a:ext>
             </a:extLst>
           </p:cNvPr>
@@ -3843,8 +4232,8 @@
           <a:lstStyle/>
           <a:p>
             <a:r>
-              <a:rPr lang="en-GB" b="1" dirty="0"/>
-              <a:t>So far</a:t>
+              <a:rPr lang="en-GB" dirty="0"/>
+              <a:t>Plans</a:t>
             </a:r>
           </a:p>
         </p:txBody>
@@ -3854,7 +4243,7 @@
           <p:cNvPr id="3" name="Content Placeholder 2">
             <a:extLst>
               <a:ext uri="{FF2B5EF4-FFF2-40B4-BE49-F238E27FC236}">
-                <a16:creationId xmlns:a16="http://schemas.microsoft.com/office/drawing/2014/main" id="{741E673C-D4E4-4878-88DD-E3CE0E3A8E57}"/>
+                <a16:creationId xmlns:a16="http://schemas.microsoft.com/office/drawing/2014/main" xmlns="" id="{85C57FF7-E60F-4E0A-8A80-89763CE959D4}"/>
               </a:ext>
             </a:extLst>
           </p:cNvPr>
@@ -3872,19 +4261,7 @@
           <a:p>
             <a:r>
               <a:rPr lang="en-GB" dirty="0"/>
-              <a:t>Research and design of Faraday Disk</a:t>
-            </a:r>
-          </a:p>
-          <a:p>
-            <a:r>
-              <a:rPr lang="en-GB" dirty="0"/>
-              <a:t>Redesign and proposal</a:t>
-            </a:r>
-          </a:p>
-          <a:p>
-            <a:r>
-              <a:rPr lang="en-GB" dirty="0"/>
-              <a:t>Motor design</a:t>
+              <a:t>Currently in workshop having motor fitted</a:t>
             </a:r>
           </a:p>
           <a:p>
@@ -3896,19 +4273,19 @@
           <a:p>
             <a:r>
               <a:rPr lang="en-GB" dirty="0"/>
-              <a:t>Magnet analysis</a:t>
-            </a:r>
-          </a:p>
-          <a:p>
-            <a:endParaRPr lang="en-GB" dirty="0"/>
-          </a:p>
-          <a:p>
-            <a:pPr marL="0" indent="0">
-              <a:buNone/>
-            </a:pPr>
+              <a:t>Magnet analysis and attachment</a:t>
+            </a:r>
+          </a:p>
+          <a:p>
             <a:r>
               <a:rPr lang="en-GB" dirty="0"/>
-              <a:t> </a:t>
+              <a:t>Weeks 9-10 is testing</a:t>
+            </a:r>
+          </a:p>
+          <a:p>
+            <a:r>
+              <a:rPr lang="en-GB" dirty="0"/>
+              <a:t>Finishing and report writing</a:t>
             </a:r>
           </a:p>
         </p:txBody>
@@ -3916,7 +4293,7 @@
     </p:spTree>
     <p:extLst>
       <p:ext uri="{BB962C8B-B14F-4D97-AF65-F5344CB8AC3E}">
-        <p14:creationId xmlns:p14="http://schemas.microsoft.com/office/powerpoint/2010/main" val="2237587994"/>
+        <p14:creationId xmlns:p14="http://schemas.microsoft.com/office/powerpoint/2010/main" val="1746099802"/>
       </p:ext>
     </p:extLst>
   </p:cSld>
@@ -3948,7 +4325,7 @@
           <p:cNvPr id="2" name="Title 1">
             <a:extLst>
               <a:ext uri="{FF2B5EF4-FFF2-40B4-BE49-F238E27FC236}">
-                <a16:creationId xmlns:a16="http://schemas.microsoft.com/office/drawing/2014/main" id="{9B854454-8067-465B-AD45-B2CDC88CB231}"/>
+                <a16:creationId xmlns:a16="http://schemas.microsoft.com/office/drawing/2014/main" xmlns="" id="{BA2C8F2B-EEF3-4B33-BA8A-C9A78BBF5175}"/>
               </a:ext>
             </a:extLst>
           </p:cNvPr>
@@ -3965,8 +4342,8 @@
           <a:lstStyle/>
           <a:p>
             <a:r>
-              <a:rPr lang="en-GB" b="1" dirty="0"/>
-              <a:t>Summary</a:t>
+              <a:rPr lang="en-GB" dirty="0"/>
+              <a:t>So far</a:t>
             </a:r>
           </a:p>
         </p:txBody>
@@ -3976,7 +4353,7 @@
           <p:cNvPr id="3" name="Content Placeholder 2">
             <a:extLst>
               <a:ext uri="{FF2B5EF4-FFF2-40B4-BE49-F238E27FC236}">
-                <a16:creationId xmlns:a16="http://schemas.microsoft.com/office/drawing/2014/main" id="{0ACB5D71-029B-4F3A-B332-3EC01F9BA7F2}"/>
+                <a16:creationId xmlns:a16="http://schemas.microsoft.com/office/drawing/2014/main" xmlns="" id="{741E673C-D4E4-4878-88DD-E3CE0E3A8E57}"/>
               </a:ext>
             </a:extLst>
           </p:cNvPr>
@@ -3992,14 +4369,38 @@
           <a:bodyPr/>
           <a:lstStyle/>
           <a:p>
-            <a:endParaRPr lang="en-GB"/>
+            <a:r>
+              <a:rPr lang="en-GB" dirty="0"/>
+              <a:t>Research and design of Faraday Disk</a:t>
+            </a:r>
+          </a:p>
+          <a:p>
+            <a:r>
+              <a:rPr lang="en-GB" dirty="0"/>
+              <a:t>Redesign and proposal</a:t>
+            </a:r>
+          </a:p>
+          <a:p>
+            <a:r>
+              <a:rPr lang="en-GB" dirty="0"/>
+              <a:t>Motor design</a:t>
+            </a:r>
+          </a:p>
+          <a:p>
+            <a:pPr marL="0" indent="0">
+              <a:buNone/>
+            </a:pPr>
+            <a:r>
+              <a:rPr lang="en-GB" dirty="0"/>
+              <a:t> </a:t>
+            </a:r>
           </a:p>
         </p:txBody>
       </p:sp>
     </p:spTree>
     <p:extLst>
       <p:ext uri="{BB962C8B-B14F-4D97-AF65-F5344CB8AC3E}">
-        <p14:creationId xmlns:p14="http://schemas.microsoft.com/office/powerpoint/2010/main" val="2669640703"/>
+        <p14:creationId xmlns:p14="http://schemas.microsoft.com/office/powerpoint/2010/main" val="2237587994"/>
       </p:ext>
     </p:extLst>
   </p:cSld>
@@ -4031,7 +4432,90 @@
           <p:cNvPr id="2" name="Title 1">
             <a:extLst>
               <a:ext uri="{FF2B5EF4-FFF2-40B4-BE49-F238E27FC236}">
-                <a16:creationId xmlns:a16="http://schemas.microsoft.com/office/drawing/2014/main" id="{21E26BB8-45B0-4985-B79D-3ED7DF7DB300}"/>
+                <a16:creationId xmlns:a16="http://schemas.microsoft.com/office/drawing/2014/main" xmlns="" id="{9B854454-8067-465B-AD45-B2CDC88CB231}"/>
+              </a:ext>
+            </a:extLst>
+          </p:cNvPr>
+          <p:cNvSpPr>
+            <a:spLocks noGrp="1"/>
+          </p:cNvSpPr>
+          <p:nvPr>
+            <p:ph type="title"/>
+          </p:nvPr>
+        </p:nvSpPr>
+        <p:spPr/>
+        <p:txBody>
+          <a:bodyPr/>
+          <a:lstStyle/>
+          <a:p>
+            <a:r>
+              <a:rPr lang="en-GB" dirty="0"/>
+              <a:t>Summary</a:t>
+            </a:r>
+          </a:p>
+        </p:txBody>
+      </p:sp>
+      <p:sp>
+        <p:nvSpPr>
+          <p:cNvPr id="3" name="Content Placeholder 2">
+            <a:extLst>
+              <a:ext uri="{FF2B5EF4-FFF2-40B4-BE49-F238E27FC236}">
+                <a16:creationId xmlns:a16="http://schemas.microsoft.com/office/drawing/2014/main" xmlns="" id="{0ACB5D71-029B-4F3A-B332-3EC01F9BA7F2}"/>
+              </a:ext>
+            </a:extLst>
+          </p:cNvPr>
+          <p:cNvSpPr>
+            <a:spLocks noGrp="1"/>
+          </p:cNvSpPr>
+          <p:nvPr>
+            <p:ph idx="1"/>
+          </p:nvPr>
+        </p:nvSpPr>
+        <p:spPr/>
+        <p:txBody>
+          <a:bodyPr/>
+          <a:lstStyle/>
+          <a:p>
+            <a:endParaRPr lang="en-GB"/>
+          </a:p>
+        </p:txBody>
+      </p:sp>
+    </p:spTree>
+    <p:extLst>
+      <p:ext uri="{BB962C8B-B14F-4D97-AF65-F5344CB8AC3E}">
+        <p14:creationId xmlns:p14="http://schemas.microsoft.com/office/powerpoint/2010/main" val="2669640703"/>
+      </p:ext>
+    </p:extLst>
+  </p:cSld>
+  <p:clrMapOvr>
+    <a:masterClrMapping/>
+  </p:clrMapOvr>
+</p:sld>
+</file>
+
+<file path=ppt/slides/slide8.xml><?xml version="1.0" encoding="utf-8"?>
+<p:sld xmlns:a="http://schemas.openxmlformats.org/drawingml/2006/main" xmlns:r="http://schemas.openxmlformats.org/officeDocument/2006/relationships" xmlns:p="http://schemas.openxmlformats.org/presentationml/2006/main">
+  <p:cSld>
+    <p:spTree>
+      <p:nvGrpSpPr>
+        <p:cNvPr id="1" name=""/>
+        <p:cNvGrpSpPr/>
+        <p:nvPr/>
+      </p:nvGrpSpPr>
+      <p:grpSpPr>
+        <a:xfrm>
+          <a:off x="0" y="0"/>
+          <a:ext cx="0" cy="0"/>
+          <a:chOff x="0" y="0"/>
+          <a:chExt cx="0" cy="0"/>
+        </a:xfrm>
+      </p:grpSpPr>
+      <p:sp>
+        <p:nvSpPr>
+          <p:cNvPr id="2" name="Title 1">
+            <a:extLst>
+              <a:ext uri="{FF2B5EF4-FFF2-40B4-BE49-F238E27FC236}">
+                <a16:creationId xmlns:a16="http://schemas.microsoft.com/office/drawing/2014/main" xmlns="" id="{21E26BB8-45B0-4985-B79D-3ED7DF7DB300}"/>
               </a:ext>
             </a:extLst>
           </p:cNvPr>
@@ -4059,7 +4543,7 @@
           <p:cNvPr id="3" name="Content Placeholder 2">
             <a:extLst>
               <a:ext uri="{FF2B5EF4-FFF2-40B4-BE49-F238E27FC236}">
-                <a16:creationId xmlns:a16="http://schemas.microsoft.com/office/drawing/2014/main" id="{FC6D7CB9-CDA0-4B6E-96C6-F7A4FEFDF70A}"/>
+                <a16:creationId xmlns:a16="http://schemas.microsoft.com/office/drawing/2014/main" xmlns="" id="{FC6D7CB9-CDA0-4B6E-96C6-F7A4FEFDF70A}"/>
               </a:ext>
             </a:extLst>
           </p:cNvPr>
@@ -4385,4 +4869,265 @@
     </a:ext>
   </a:extLst>
 </a:theme>
+</file>
+
+<file path=ppt/theme/theme2.xml><?xml version="1.0" encoding="utf-8"?>
+<a:theme xmlns:a="http://schemas.openxmlformats.org/drawingml/2006/main" name="Office Theme">
+  <a:themeElements>
+    <a:clrScheme name="Office">
+      <a:dk1>
+        <a:sysClr val="windowText" lastClr="000000"/>
+      </a:dk1>
+      <a:lt1>
+        <a:sysClr val="window" lastClr="FFFFFF"/>
+      </a:lt1>
+      <a:dk2>
+        <a:srgbClr val="44546A"/>
+      </a:dk2>
+      <a:lt2>
+        <a:srgbClr val="E7E6E6"/>
+      </a:lt2>
+      <a:accent1>
+        <a:srgbClr val="4472C4"/>
+      </a:accent1>
+      <a:accent2>
+        <a:srgbClr val="ED7D31"/>
+      </a:accent2>
+      <a:accent3>
+        <a:srgbClr val="A5A5A5"/>
+      </a:accent3>
+      <a:accent4>
+        <a:srgbClr val="FFC000"/>
+      </a:accent4>
+      <a:accent5>
+        <a:srgbClr val="5B9BD5"/>
+      </a:accent5>
+      <a:accent6>
+        <a:srgbClr val="70AD47"/>
+      </a:accent6>
+      <a:hlink>
+        <a:srgbClr val="0563C1"/>
+      </a:hlink>
+      <a:folHlink>
+        <a:srgbClr val="954F72"/>
+      </a:folHlink>
+    </a:clrScheme>
+    <a:fontScheme name="Office">
+      <a:majorFont>
+        <a:latin typeface="Calibri Light" panose="020F0302020204030204"/>
+        <a:ea typeface=""/>
+        <a:cs typeface=""/>
+        <a:font script="Jpan" typeface="Yu Gothic Light"/>
+        <a:font script="Hang" typeface="맑은 고딕"/>
+        <a:font script="Hans" typeface="DengXian Light"/>
+        <a:font script="Hant" typeface="新細明體"/>
+        <a:font script="Arab" typeface="Times New Roman"/>
+        <a:font script="Hebr" typeface="Times New Roman"/>
+        <a:font script="Thai" typeface="Angsana New"/>
+        <a:font script="Ethi" typeface="Nyala"/>
+        <a:font script="Beng" typeface="Vrinda"/>
+        <a:font script="Gujr" typeface="Shruti"/>
+        <a:font script="Khmr" typeface="MoolBoran"/>
+        <a:font script="Knda" typeface="Tunga"/>
+        <a:font script="Guru" typeface="Raavi"/>
+        <a:font script="Cans" typeface="Euphemia"/>
+        <a:font script="Cher" typeface="Plantagenet Cherokee"/>
+        <a:font script="Yiii" typeface="Microsoft Yi Baiti"/>
+        <a:font script="Tibt" typeface="Microsoft Himalaya"/>
+        <a:font script="Thaa" typeface="MV Boli"/>
+        <a:font script="Deva" typeface="Mangal"/>
+        <a:font script="Telu" typeface="Gautami"/>
+        <a:font script="Taml" typeface="Latha"/>
+        <a:font script="Syrc" typeface="Estrangelo Edessa"/>
+        <a:font script="Orya" typeface="Kalinga"/>
+        <a:font script="Mlym" typeface="Kartika"/>
+        <a:font script="Laoo" typeface="DokChampa"/>
+        <a:font script="Sinh" typeface="Iskoola Pota"/>
+        <a:font script="Mong" typeface="Mongolian Baiti"/>
+        <a:font script="Viet" typeface="Times New Roman"/>
+        <a:font script="Uigh" typeface="Microsoft Uighur"/>
+        <a:font script="Geor" typeface="Sylfaen"/>
+      </a:majorFont>
+      <a:minorFont>
+        <a:latin typeface="Calibri" panose="020F0502020204030204"/>
+        <a:ea typeface=""/>
+        <a:cs typeface=""/>
+        <a:font script="Jpan" typeface="Yu Gothic"/>
+        <a:font script="Hang" typeface="맑은 고딕"/>
+        <a:font script="Hans" typeface="DengXian"/>
+        <a:font script="Hant" typeface="新細明體"/>
+        <a:font script="Arab" typeface="Arial"/>
+        <a:font script="Hebr" typeface="Arial"/>
+        <a:font script="Thai" typeface="Cordia New"/>
+        <a:font script="Ethi" typeface="Nyala"/>
+        <a:font script="Beng" typeface="Vrinda"/>
+        <a:font script="Gujr" typeface="Shruti"/>
+        <a:font script="Khmr" typeface="DaunPenh"/>
+        <a:font script="Knda" typeface="Tunga"/>
+        <a:font script="Guru" typeface="Raavi"/>
+        <a:font script="Cans" typeface="Euphemia"/>
+        <a:font script="Cher" typeface="Plantagenet Cherokee"/>
+        <a:font script="Yiii" typeface="Microsoft Yi Baiti"/>
+        <a:font script="Tibt" typeface="Microsoft Himalaya"/>
+        <a:font script="Thaa" typeface="MV Boli"/>
+        <a:font script="Deva" typeface="Mangal"/>
+        <a:font script="Telu" typeface="Gautami"/>
+        <a:font script="Taml" typeface="Latha"/>
+        <a:font script="Syrc" typeface="Estrangelo Edessa"/>
+        <a:font script="Orya" typeface="Kalinga"/>
+        <a:font script="Mlym" typeface="Kartika"/>
+        <a:font script="Laoo" typeface="DokChampa"/>
+        <a:font script="Sinh" typeface="Iskoola Pota"/>
+        <a:font script="Mong" typeface="Mongolian Baiti"/>
+        <a:font script="Viet" typeface="Arial"/>
+        <a:font script="Uigh" typeface="Microsoft Uighur"/>
+        <a:font script="Geor" typeface="Sylfaen"/>
+      </a:minorFont>
+    </a:fontScheme>
+    <a:fmtScheme name="Office">
+      <a:fillStyleLst>
+        <a:solidFill>
+          <a:schemeClr val="phClr"/>
+        </a:solidFill>
+        <a:gradFill rotWithShape="1">
+          <a:gsLst>
+            <a:gs pos="0">
+              <a:schemeClr val="phClr">
+                <a:lumMod val="110000"/>
+                <a:satMod val="105000"/>
+                <a:tint val="67000"/>
+              </a:schemeClr>
+            </a:gs>
+            <a:gs pos="50000">
+              <a:schemeClr val="phClr">
+                <a:lumMod val="105000"/>
+                <a:satMod val="103000"/>
+                <a:tint val="73000"/>
+              </a:schemeClr>
+            </a:gs>
+            <a:gs pos="100000">
+              <a:schemeClr val="phClr">
+                <a:lumMod val="105000"/>
+                <a:satMod val="109000"/>
+                <a:tint val="81000"/>
+              </a:schemeClr>
+            </a:gs>
+          </a:gsLst>
+          <a:lin ang="5400000" scaled="0"/>
+        </a:gradFill>
+        <a:gradFill rotWithShape="1">
+          <a:gsLst>
+            <a:gs pos="0">
+              <a:schemeClr val="phClr">
+                <a:satMod val="103000"/>
+                <a:lumMod val="102000"/>
+                <a:tint val="94000"/>
+              </a:schemeClr>
+            </a:gs>
+            <a:gs pos="50000">
+              <a:schemeClr val="phClr">
+                <a:satMod val="110000"/>
+                <a:lumMod val="100000"/>
+                <a:shade val="100000"/>
+              </a:schemeClr>
+            </a:gs>
+            <a:gs pos="100000">
+              <a:schemeClr val="phClr">
+                <a:lumMod val="99000"/>
+                <a:satMod val="120000"/>
+                <a:shade val="78000"/>
+              </a:schemeClr>
+            </a:gs>
+          </a:gsLst>
+          <a:lin ang="5400000" scaled="0"/>
+        </a:gradFill>
+      </a:fillStyleLst>
+      <a:lnStyleLst>
+        <a:ln w="6350" cap="flat" cmpd="sng" algn="ctr">
+          <a:solidFill>
+            <a:schemeClr val="phClr"/>
+          </a:solidFill>
+          <a:prstDash val="solid"/>
+          <a:miter lim="800000"/>
+        </a:ln>
+        <a:ln w="12700" cap="flat" cmpd="sng" algn="ctr">
+          <a:solidFill>
+            <a:schemeClr val="phClr"/>
+          </a:solidFill>
+          <a:prstDash val="solid"/>
+          <a:miter lim="800000"/>
+        </a:ln>
+        <a:ln w="19050" cap="flat" cmpd="sng" algn="ctr">
+          <a:solidFill>
+            <a:schemeClr val="phClr"/>
+          </a:solidFill>
+          <a:prstDash val="solid"/>
+          <a:miter lim="800000"/>
+        </a:ln>
+      </a:lnStyleLst>
+      <a:effectStyleLst>
+        <a:effectStyle>
+          <a:effectLst/>
+        </a:effectStyle>
+        <a:effectStyle>
+          <a:effectLst/>
+        </a:effectStyle>
+        <a:effectStyle>
+          <a:effectLst>
+            <a:outerShdw blurRad="57150" dist="19050" dir="5400000" algn="ctr" rotWithShape="0">
+              <a:srgbClr val="000000">
+                <a:alpha val="63000"/>
+              </a:srgbClr>
+            </a:outerShdw>
+          </a:effectLst>
+        </a:effectStyle>
+      </a:effectStyleLst>
+      <a:bgFillStyleLst>
+        <a:solidFill>
+          <a:schemeClr val="phClr"/>
+        </a:solidFill>
+        <a:solidFill>
+          <a:schemeClr val="phClr">
+            <a:tint val="95000"/>
+            <a:satMod val="170000"/>
+          </a:schemeClr>
+        </a:solidFill>
+        <a:gradFill rotWithShape="1">
+          <a:gsLst>
+            <a:gs pos="0">
+              <a:schemeClr val="phClr">
+                <a:tint val="93000"/>
+                <a:satMod val="150000"/>
+                <a:shade val="98000"/>
+                <a:lumMod val="102000"/>
+              </a:schemeClr>
+            </a:gs>
+            <a:gs pos="50000">
+              <a:schemeClr val="phClr">
+                <a:tint val="98000"/>
+                <a:satMod val="130000"/>
+                <a:shade val="90000"/>
+                <a:lumMod val="103000"/>
+              </a:schemeClr>
+            </a:gs>
+            <a:gs pos="100000">
+              <a:schemeClr val="phClr">
+                <a:shade val="63000"/>
+                <a:satMod val="120000"/>
+              </a:schemeClr>
+            </a:gs>
+          </a:gsLst>
+          <a:lin ang="5400000" scaled="0"/>
+        </a:gradFill>
+      </a:bgFillStyleLst>
+    </a:fmtScheme>
+  </a:themeElements>
+  <a:objectDefaults/>
+  <a:extraClrSchemeLst/>
+  <a:extLst>
+    <a:ext uri="{05A4C25C-085E-4340-85A3-A5531E510DB2}">
+      <thm15:themeFamily xmlns:thm15="http://schemas.microsoft.com/office/thememl/2012/main" name="Office Theme" id="{62F939B6-93AF-4DB8-9C6B-D6C7DFDC589F}" vid="{4A3C46E8-61CC-4603-A589-7422A47A8E4A}"/>
+    </a:ext>
+  </a:extLst>
+</a:theme>
 </file>
--- a/Project Presentation.pptx
+++ b/Project Presentation.pptx
@@ -5,17 +5,19 @@
     <p:sldMasterId id="2147483648" r:id="rId1"/>
   </p:sldMasterIdLst>
   <p:notesMasterIdLst>
-    <p:notesMasterId r:id="rId10"/>
+    <p:notesMasterId r:id="rId12"/>
   </p:notesMasterIdLst>
   <p:sldIdLst>
     <p:sldId id="256" r:id="rId2"/>
     <p:sldId id="257" r:id="rId3"/>
     <p:sldId id="258" r:id="rId4"/>
     <p:sldId id="263" r:id="rId5"/>
-    <p:sldId id="259" r:id="rId6"/>
-    <p:sldId id="260" r:id="rId7"/>
-    <p:sldId id="261" r:id="rId8"/>
-    <p:sldId id="262" r:id="rId9"/>
+    <p:sldId id="264" r:id="rId6"/>
+    <p:sldId id="265" r:id="rId7"/>
+    <p:sldId id="259" r:id="rId8"/>
+    <p:sldId id="260" r:id="rId9"/>
+    <p:sldId id="261" r:id="rId10"/>
+    <p:sldId id="262" r:id="rId11"/>
   </p:sldIdLst>
   <p:sldSz cx="12192000" cy="6858000"/>
   <p:notesSz cx="6858000" cy="9144000"/>
@@ -3831,6 +3833,89 @@
 </p:sld>
 </file>
 
+<file path=ppt/slides/slide10.xml><?xml version="1.0" encoding="utf-8"?>
+<p:sld xmlns:a="http://schemas.openxmlformats.org/drawingml/2006/main" xmlns:r="http://schemas.openxmlformats.org/officeDocument/2006/relationships" xmlns:p="http://schemas.openxmlformats.org/presentationml/2006/main">
+  <p:cSld>
+    <p:spTree>
+      <p:nvGrpSpPr>
+        <p:cNvPr id="1" name=""/>
+        <p:cNvGrpSpPr/>
+        <p:nvPr/>
+      </p:nvGrpSpPr>
+      <p:grpSpPr>
+        <a:xfrm>
+          <a:off x="0" y="0"/>
+          <a:ext cx="0" cy="0"/>
+          <a:chOff x="0" y="0"/>
+          <a:chExt cx="0" cy="0"/>
+        </a:xfrm>
+      </p:grpSpPr>
+      <p:sp>
+        <p:nvSpPr>
+          <p:cNvPr id="2" name="Title 1">
+            <a:extLst>
+              <a:ext uri="{FF2B5EF4-FFF2-40B4-BE49-F238E27FC236}">
+                <a16:creationId xmlns:a16="http://schemas.microsoft.com/office/drawing/2014/main" xmlns="" id="{21E26BB8-45B0-4985-B79D-3ED7DF7DB300}"/>
+              </a:ext>
+            </a:extLst>
+          </p:cNvPr>
+          <p:cNvSpPr>
+            <a:spLocks noGrp="1"/>
+          </p:cNvSpPr>
+          <p:nvPr>
+            <p:ph type="title"/>
+          </p:nvPr>
+        </p:nvSpPr>
+        <p:spPr/>
+        <p:txBody>
+          <a:bodyPr/>
+          <a:lstStyle/>
+          <a:p>
+            <a:r>
+              <a:rPr lang="en-GB" dirty="0"/>
+              <a:t>Bibliography</a:t>
+            </a:r>
+          </a:p>
+        </p:txBody>
+      </p:sp>
+      <p:sp>
+        <p:nvSpPr>
+          <p:cNvPr id="3" name="Content Placeholder 2">
+            <a:extLst>
+              <a:ext uri="{FF2B5EF4-FFF2-40B4-BE49-F238E27FC236}">
+                <a16:creationId xmlns:a16="http://schemas.microsoft.com/office/drawing/2014/main" xmlns="" id="{FC6D7CB9-CDA0-4B6E-96C6-F7A4FEFDF70A}"/>
+              </a:ext>
+            </a:extLst>
+          </p:cNvPr>
+          <p:cNvSpPr>
+            <a:spLocks noGrp="1"/>
+          </p:cNvSpPr>
+          <p:nvPr>
+            <p:ph idx="1"/>
+          </p:nvPr>
+        </p:nvSpPr>
+        <p:spPr/>
+        <p:txBody>
+          <a:bodyPr/>
+          <a:lstStyle/>
+          <a:p>
+            <a:endParaRPr lang="en-GB"/>
+          </a:p>
+        </p:txBody>
+      </p:sp>
+    </p:spTree>
+    <p:extLst>
+      <p:ext uri="{BB962C8B-B14F-4D97-AF65-F5344CB8AC3E}">
+        <p14:creationId xmlns:p14="http://schemas.microsoft.com/office/powerpoint/2010/main" val="4026458594"/>
+      </p:ext>
+    </p:extLst>
+  </p:cSld>
+  <p:clrMapOvr>
+    <a:masterClrMapping/>
+  </p:clrMapOvr>
+</p:sld>
+</file>
+
 <file path=ppt/slides/slide2.xml><?xml version="1.0" encoding="utf-8"?>
 <p:sld xmlns:a="http://schemas.openxmlformats.org/drawingml/2006/main" xmlns:r="http://schemas.openxmlformats.org/officeDocument/2006/relationships" xmlns:p="http://schemas.openxmlformats.org/presentationml/2006/main">
   <p:cSld>
@@ -4073,10 +4158,9 @@
           </a:p>
           <a:p>
             <a:r>
-              <a:rPr lang="en-GB" smtClean="0"/>
+              <a:rPr lang="en-GB" dirty="0" smtClean="0"/>
               <a:t>Helmholtz coil</a:t>
             </a:r>
-            <a:endParaRPr lang="en-GB" dirty="0" smtClean="0"/>
           </a:p>
           <a:p>
             <a:endParaRPr lang="en-GB" dirty="0"/>
@@ -4212,13 +4296,7 @@
       </p:grpSpPr>
       <p:sp>
         <p:nvSpPr>
-          <p:cNvPr id="2" name="Title 1">
-            <a:extLst>
-              <a:ext uri="{FF2B5EF4-FFF2-40B4-BE49-F238E27FC236}">
-                <a16:creationId xmlns:a16="http://schemas.microsoft.com/office/drawing/2014/main" xmlns="" id="{E86B6ED6-1BE4-441C-80DC-274325747CF3}"/>
-              </a:ext>
-            </a:extLst>
-          </p:cNvPr>
+          <p:cNvPr id="2" name="Title 1"/>
           <p:cNvSpPr>
             <a:spLocks noGrp="1"/>
           </p:cNvSpPr>
@@ -4232,68 +4310,134 @@
           <a:lstStyle/>
           <a:p>
             <a:r>
-              <a:rPr lang="en-GB" dirty="0"/>
-              <a:t>Plans</a:t>
-            </a:r>
-          </a:p>
-        </p:txBody>
-      </p:sp>
-      <p:sp>
-        <p:nvSpPr>
-          <p:cNvPr id="3" name="Content Placeholder 2">
-            <a:extLst>
-              <a:ext uri="{FF2B5EF4-FFF2-40B4-BE49-F238E27FC236}">
-                <a16:creationId xmlns:a16="http://schemas.microsoft.com/office/drawing/2014/main" xmlns="" id="{85C57FF7-E60F-4E0A-8A80-89763CE959D4}"/>
-              </a:ext>
-            </a:extLst>
-          </p:cNvPr>
-          <p:cNvSpPr>
-            <a:spLocks noGrp="1"/>
-          </p:cNvSpPr>
+              <a:rPr lang="en-US" dirty="0" smtClean="0"/>
+              <a:t>Programming</a:t>
+            </a:r>
+            <a:endParaRPr lang="en-US" dirty="0"/>
+          </a:p>
+        </p:txBody>
+      </p:sp>
+      <p:pic>
+        <p:nvPicPr>
+          <p:cNvPr id="4" name="Content Placeholder 3"/>
+          <p:cNvPicPr>
+            <a:picLocks noGrp="1" noChangeAspect="1"/>
+          </p:cNvPicPr>
           <p:nvPr>
             <p:ph idx="1"/>
           </p:nvPr>
-        </p:nvSpPr>
-        <p:spPr/>
-        <p:txBody>
-          <a:bodyPr/>
-          <a:lstStyle/>
-          <a:p>
-            <a:r>
-              <a:rPr lang="en-GB" dirty="0"/>
-              <a:t>Currently in workshop having motor fitted</a:t>
-            </a:r>
-          </a:p>
-          <a:p>
-            <a:r>
-              <a:rPr lang="en-GB" dirty="0"/>
-              <a:t>Code being written to interpret results from the tachometer</a:t>
-            </a:r>
-          </a:p>
-          <a:p>
-            <a:r>
-              <a:rPr lang="en-GB" dirty="0"/>
-              <a:t>Magnet analysis and attachment</a:t>
-            </a:r>
-          </a:p>
-          <a:p>
-            <a:r>
-              <a:rPr lang="en-GB" dirty="0"/>
-              <a:t>Weeks 9-10 is testing</a:t>
-            </a:r>
-          </a:p>
-          <a:p>
-            <a:r>
-              <a:rPr lang="en-GB" dirty="0"/>
-              <a:t>Finishing and report writing</a:t>
-            </a:r>
-          </a:p>
-        </p:txBody>
-      </p:sp>
+        </p:nvPicPr>
+        <p:blipFill>
+          <a:blip r:embed="rId2">
+            <a:extLst>
+              <a:ext uri="{28A0092B-C50C-407E-A947-70E740481C1C}">
+                <a14:useLocalDpi xmlns:a14="http://schemas.microsoft.com/office/drawing/2010/main" val="0"/>
+              </a:ext>
+            </a:extLst>
+          </a:blip>
+          <a:stretch>
+            <a:fillRect/>
+          </a:stretch>
+        </p:blipFill>
+        <p:spPr>
+          <a:xfrm>
+            <a:off x="219490" y="1690688"/>
+            <a:ext cx="2588245" cy="4119097"/>
+          </a:xfrm>
+        </p:spPr>
+      </p:pic>
+      <p:pic>
+        <p:nvPicPr>
+          <p:cNvPr id="5" name="Picture 4"/>
+          <p:cNvPicPr>
+            <a:picLocks noChangeAspect="1"/>
+          </p:cNvPicPr>
+          <p:nvPr/>
+        </p:nvPicPr>
+        <p:blipFill>
+          <a:blip r:embed="rId3">
+            <a:extLst>
+              <a:ext uri="{28A0092B-C50C-407E-A947-70E740481C1C}">
+                <a14:useLocalDpi xmlns:a14="http://schemas.microsoft.com/office/drawing/2010/main" val="0"/>
+              </a:ext>
+            </a:extLst>
+          </a:blip>
+          <a:stretch>
+            <a:fillRect/>
+          </a:stretch>
+        </p:blipFill>
+        <p:spPr>
+          <a:xfrm>
+            <a:off x="2807735" y="1590375"/>
+            <a:ext cx="4341127" cy="4451651"/>
+          </a:xfrm>
+          <a:prstGeom prst="rect">
+            <a:avLst/>
+          </a:prstGeom>
+        </p:spPr>
+      </p:pic>
+      <p:pic>
+        <p:nvPicPr>
+          <p:cNvPr id="6" name="Picture 5"/>
+          <p:cNvPicPr>
+            <a:picLocks noChangeAspect="1"/>
+          </p:cNvPicPr>
+          <p:nvPr/>
+        </p:nvPicPr>
+        <p:blipFill rotWithShape="1">
+          <a:blip r:embed="rId4">
+            <a:extLst>
+              <a:ext uri="{28A0092B-C50C-407E-A947-70E740481C1C}">
+                <a14:useLocalDpi xmlns:a14="http://schemas.microsoft.com/office/drawing/2010/main" val="0"/>
+              </a:ext>
+            </a:extLst>
+          </a:blip>
+          <a:srcRect l="7925" t="9427" r="8841" b="35852"/>
+          <a:stretch/>
+        </p:blipFill>
+        <p:spPr>
+          <a:xfrm>
+            <a:off x="7275640" y="3560533"/>
+            <a:ext cx="4427034" cy="2910468"/>
+          </a:xfrm>
+          <a:prstGeom prst="rect">
+            <a:avLst/>
+          </a:prstGeom>
+        </p:spPr>
+      </p:pic>
+      <p:pic>
+        <p:nvPicPr>
+          <p:cNvPr id="7" name="Picture 6"/>
+          <p:cNvPicPr>
+            <a:picLocks noChangeAspect="1"/>
+          </p:cNvPicPr>
+          <p:nvPr/>
+        </p:nvPicPr>
+        <p:blipFill rotWithShape="1">
+          <a:blip r:embed="rId5">
+            <a:extLst>
+              <a:ext uri="{28A0092B-C50C-407E-A947-70E740481C1C}">
+                <a14:useLocalDpi xmlns:a14="http://schemas.microsoft.com/office/drawing/2010/main" val="0"/>
+              </a:ext>
+            </a:extLst>
+          </a:blip>
+          <a:srcRect l="7715" t="10476" r="9260" b="35574"/>
+          <a:stretch/>
+        </p:blipFill>
+        <p:spPr>
+          <a:xfrm>
+            <a:off x="7247762" y="528096"/>
+            <a:ext cx="4415883" cy="2869466"/>
+          </a:xfrm>
+          <a:prstGeom prst="rect">
+            <a:avLst/>
+          </a:prstGeom>
+        </p:spPr>
+      </p:pic>
     </p:spTree>
     <p:extLst>
       <p:ext uri="{BB962C8B-B14F-4D97-AF65-F5344CB8AC3E}">
-        <p14:creationId xmlns:p14="http://schemas.microsoft.com/office/powerpoint/2010/main" val="1746099802"/>
+        <p14:creationId xmlns:p14="http://schemas.microsoft.com/office/powerpoint/2010/main" val="223262154"/>
       </p:ext>
     </p:extLst>
   </p:cSld>
@@ -4322,13 +4466,7 @@
       </p:grpSpPr>
       <p:sp>
         <p:nvSpPr>
-          <p:cNvPr id="2" name="Title 1">
-            <a:extLst>
-              <a:ext uri="{FF2B5EF4-FFF2-40B4-BE49-F238E27FC236}">
-                <a16:creationId xmlns:a16="http://schemas.microsoft.com/office/drawing/2014/main" xmlns="" id="{BA2C8F2B-EEF3-4B33-BA8A-C9A78BBF5175}"/>
-              </a:ext>
-            </a:extLst>
-          </p:cNvPr>
+          <p:cNvPr id="2" name="Title 1"/>
           <p:cNvSpPr>
             <a:spLocks noGrp="1"/>
           </p:cNvSpPr>
@@ -4342,21 +4480,16 @@
           <a:lstStyle/>
           <a:p>
             <a:r>
-              <a:rPr lang="en-GB" dirty="0"/>
-              <a:t>So far</a:t>
-            </a:r>
-          </a:p>
-        </p:txBody>
-      </p:sp>
-      <p:sp>
-        <p:nvSpPr>
-          <p:cNvPr id="3" name="Content Placeholder 2">
-            <a:extLst>
-              <a:ext uri="{FF2B5EF4-FFF2-40B4-BE49-F238E27FC236}">
-                <a16:creationId xmlns:a16="http://schemas.microsoft.com/office/drawing/2014/main" xmlns="" id="{741E673C-D4E4-4878-88DD-E3CE0E3A8E57}"/>
-              </a:ext>
-            </a:extLst>
-          </p:cNvPr>
+              <a:rPr lang="en-US" dirty="0" smtClean="0"/>
+              <a:t>Data manipulation</a:t>
+            </a:r>
+            <a:endParaRPr lang="en-US" dirty="0"/>
+          </a:p>
+        </p:txBody>
+      </p:sp>
+      <p:sp>
+        <p:nvSpPr>
+          <p:cNvPr id="3" name="Content Placeholder 2"/>
           <p:cNvSpPr>
             <a:spLocks noGrp="1"/>
           </p:cNvSpPr>
@@ -4364,43 +4497,714 @@
             <p:ph idx="1"/>
           </p:nvPr>
         </p:nvSpPr>
-        <p:spPr/>
-        <p:txBody>
-          <a:bodyPr/>
-          <a:lstStyle/>
-          <a:p>
-            <a:r>
-              <a:rPr lang="en-GB" dirty="0"/>
-              <a:t>Research and design of Faraday Disk</a:t>
-            </a:r>
-          </a:p>
-          <a:p>
-            <a:r>
-              <a:rPr lang="en-GB" dirty="0"/>
-              <a:t>Redesign and proposal</a:t>
-            </a:r>
-          </a:p>
-          <a:p>
-            <a:r>
-              <a:rPr lang="en-GB" dirty="0"/>
-              <a:t>Motor design</a:t>
-            </a:r>
-          </a:p>
-          <a:p>
-            <a:pPr marL="0" indent="0">
-              <a:buNone/>
+        <p:spPr>
+          <a:xfrm>
+            <a:off x="334537" y="1825625"/>
+            <a:ext cx="11753385" cy="4351338"/>
+          </a:xfrm>
+        </p:spPr>
+        <p:txBody>
+          <a:bodyPr>
+            <a:normAutofit/>
+          </a:bodyPr>
+          <a:lstStyle/>
+          <a:p>
+            <a:pPr marL="514350" indent="-514350">
+              <a:buFont typeface="+mj-lt"/>
+              <a:buAutoNum type="arabicPeriod"/>
             </a:pPr>
             <a:r>
-              <a:rPr lang="en-GB" dirty="0"/>
+              <a:rPr lang="fi-FI" dirty="0" smtClean="0"/>
+              <a:t>Data input: 0D020001014DA6560000 </a:t>
+            </a:r>
+          </a:p>
+          <a:p>
+            <a:pPr marL="514350" indent="-514350">
+              <a:buFont typeface="+mj-lt"/>
+              <a:buAutoNum type="arabicPeriod"/>
+            </a:pPr>
+            <a:r>
+              <a:rPr lang="en-GB" dirty="0" smtClean="0"/>
+              <a:t>Put data in pairs: </a:t>
+            </a:r>
+            <a:r>
+              <a:rPr lang="mr-IN" dirty="0" smtClean="0"/>
+              <a:t>[</a:t>
+            </a:r>
+            <a:r>
+              <a:rPr lang="mr-IN" dirty="0"/>
+              <a:t>'0D', </a:t>
+            </a:r>
+            <a:r>
+              <a:rPr lang="mr-IN" dirty="0">
+                <a:solidFill>
+                  <a:schemeClr val="accent6">
+                    <a:lumMod val="75000"/>
+                  </a:schemeClr>
+                </a:solidFill>
+              </a:rPr>
+              <a:t>'02'</a:t>
+            </a:r>
+            <a:r>
+              <a:rPr lang="mr-IN" dirty="0"/>
+              <a:t>, '00', </a:t>
+            </a:r>
+            <a:r>
+              <a:rPr lang="mr-IN" dirty="0">
+                <a:solidFill>
+                  <a:srgbClr val="C00000"/>
+                </a:solidFill>
+              </a:rPr>
+              <a:t>'01'</a:t>
+            </a:r>
+            <a:r>
+              <a:rPr lang="mr-IN" dirty="0"/>
+              <a:t>, '01', </a:t>
+            </a:r>
+            <a:r>
+              <a:rPr lang="mr-IN" dirty="0" smtClean="0"/>
+              <a:t>’</a:t>
+            </a:r>
+            <a:r>
+              <a:rPr lang="en-GB" dirty="0" smtClean="0"/>
+              <a:t>4D</a:t>
+            </a:r>
+            <a:r>
+              <a:rPr lang="mr-IN" dirty="0" smtClean="0"/>
+              <a:t>', </a:t>
+            </a:r>
+            <a:r>
+              <a:rPr lang="mr-IN" dirty="0" smtClean="0">
+                <a:solidFill>
+                  <a:schemeClr val="accent5">
+                    <a:lumMod val="75000"/>
+                  </a:schemeClr>
+                </a:solidFill>
+              </a:rPr>
+              <a:t>'</a:t>
+            </a:r>
+            <a:r>
+              <a:rPr lang="mr-IN" dirty="0" err="1" smtClean="0">
+                <a:solidFill>
+                  <a:schemeClr val="accent5">
+                    <a:lumMod val="75000"/>
+                  </a:schemeClr>
+                </a:solidFill>
+              </a:rPr>
+              <a:t>A</a:t>
+            </a:r>
+            <a:r>
+              <a:rPr lang="en-GB" dirty="0" smtClean="0">
+                <a:solidFill>
+                  <a:schemeClr val="accent5">
+                    <a:lumMod val="75000"/>
+                  </a:schemeClr>
+                </a:solidFill>
+              </a:rPr>
+              <a:t>6</a:t>
+            </a:r>
+            <a:r>
+              <a:rPr lang="mr-IN" dirty="0" smtClean="0">
+                <a:solidFill>
+                  <a:schemeClr val="accent5">
+                    <a:lumMod val="75000"/>
+                  </a:schemeClr>
+                </a:solidFill>
+              </a:rPr>
+              <a:t>'</a:t>
+            </a:r>
+            <a:r>
+              <a:rPr lang="mr-IN" dirty="0" smtClean="0"/>
+              <a:t>, </a:t>
+            </a:r>
+            <a:r>
+              <a:rPr lang="mr-IN" dirty="0" smtClean="0">
+                <a:solidFill>
+                  <a:schemeClr val="accent2">
+                    <a:lumMod val="60000"/>
+                    <a:lumOff val="40000"/>
+                  </a:schemeClr>
+                </a:solidFill>
+              </a:rPr>
+              <a:t>’</a:t>
+            </a:r>
+            <a:r>
+              <a:rPr lang="en-GB" dirty="0" smtClean="0">
+                <a:solidFill>
+                  <a:schemeClr val="accent2">
+                    <a:lumMod val="60000"/>
+                    <a:lumOff val="40000"/>
+                  </a:schemeClr>
+                </a:solidFill>
+              </a:rPr>
+              <a:t>56</a:t>
+            </a:r>
+            <a:r>
+              <a:rPr lang="mr-IN" dirty="0" smtClean="0">
+                <a:solidFill>
+                  <a:schemeClr val="accent2">
+                    <a:lumMod val="60000"/>
+                    <a:lumOff val="40000"/>
+                  </a:schemeClr>
+                </a:solidFill>
+              </a:rPr>
+              <a:t>’</a:t>
+            </a:r>
+            <a:r>
+              <a:rPr lang="mr-IN" dirty="0" smtClean="0"/>
+              <a:t>,</a:t>
+            </a:r>
+            <a:r>
+              <a:rPr lang="mr-IN" dirty="0" smtClean="0">
+                <a:solidFill>
+                  <a:schemeClr val="accent2">
+                    <a:lumMod val="60000"/>
+                    <a:lumOff val="40000"/>
+                  </a:schemeClr>
+                </a:solidFill>
+              </a:rPr>
               <a:t> </a:t>
             </a:r>
+            <a:r>
+              <a:rPr lang="mr-IN" dirty="0" smtClean="0">
+                <a:solidFill>
+                  <a:srgbClr val="7030A0"/>
+                </a:solidFill>
+              </a:rPr>
+              <a:t>’</a:t>
+            </a:r>
+            <a:r>
+              <a:rPr lang="en-GB" dirty="0" smtClean="0">
+                <a:solidFill>
+                  <a:srgbClr val="7030A0"/>
+                </a:solidFill>
+              </a:rPr>
+              <a:t>00’</a:t>
+            </a:r>
+            <a:r>
+              <a:rPr lang="mr-IN" dirty="0" smtClean="0"/>
+              <a:t>, </a:t>
+            </a:r>
+            <a:r>
+              <a:rPr lang="mr-IN" dirty="0"/>
+              <a:t>'00</a:t>
+            </a:r>
+            <a:r>
+              <a:rPr lang="mr-IN" dirty="0" smtClean="0"/>
+              <a:t>']</a:t>
+            </a:r>
+            <a:endParaRPr lang="en-GB" dirty="0" smtClean="0"/>
+          </a:p>
+          <a:p>
+            <a:pPr marL="514350" indent="-514350">
+              <a:buFont typeface="+mj-lt"/>
+              <a:buAutoNum type="arabicPeriod"/>
+            </a:pPr>
+            <a:r>
+              <a:rPr lang="en-GB" dirty="0" smtClean="0"/>
+              <a:t>Keep pairs needed: </a:t>
+            </a:r>
+            <a:r>
+              <a:rPr lang="mr-IN" dirty="0" smtClean="0"/>
+              <a:t>[</a:t>
+            </a:r>
+            <a:r>
+              <a:rPr lang="mr-IN" dirty="0"/>
+              <a:t>'</a:t>
+            </a:r>
+            <a:r>
+              <a:rPr lang="mr-IN" dirty="0">
+                <a:solidFill>
+                  <a:schemeClr val="accent6">
+                    <a:lumMod val="75000"/>
+                  </a:schemeClr>
+                </a:solidFill>
+              </a:rPr>
+              <a:t>02</a:t>
+            </a:r>
+            <a:r>
+              <a:rPr lang="mr-IN" dirty="0"/>
+              <a:t>' </a:t>
+            </a:r>
+            <a:r>
+              <a:rPr lang="mr-IN" dirty="0">
+                <a:solidFill>
+                  <a:srgbClr val="C00000"/>
+                </a:solidFill>
+              </a:rPr>
+              <a:t>'01'</a:t>
+            </a:r>
+            <a:r>
+              <a:rPr lang="mr-IN" dirty="0"/>
+              <a:t> </a:t>
+            </a:r>
+            <a:r>
+              <a:rPr lang="mr-IN" dirty="0">
+                <a:solidFill>
+                  <a:schemeClr val="accent5">
+                    <a:lumMod val="75000"/>
+                  </a:schemeClr>
+                </a:solidFill>
+              </a:rPr>
+              <a:t>'A6'</a:t>
+            </a:r>
+            <a:r>
+              <a:rPr lang="mr-IN" dirty="0"/>
+              <a:t> </a:t>
+            </a:r>
+            <a:r>
+              <a:rPr lang="mr-IN" dirty="0">
+                <a:solidFill>
+                  <a:schemeClr val="accent2">
+                    <a:lumMod val="60000"/>
+                    <a:lumOff val="40000"/>
+                  </a:schemeClr>
+                </a:solidFill>
+              </a:rPr>
+              <a:t>'56'</a:t>
+            </a:r>
+            <a:r>
+              <a:rPr lang="mr-IN" dirty="0"/>
+              <a:t> </a:t>
+            </a:r>
+            <a:r>
+              <a:rPr lang="mr-IN" dirty="0">
+                <a:solidFill>
+                  <a:srgbClr val="7030A0"/>
+                </a:solidFill>
+              </a:rPr>
+              <a:t>'00</a:t>
+            </a:r>
+            <a:r>
+              <a:rPr lang="mr-IN" dirty="0" smtClean="0">
+                <a:solidFill>
+                  <a:srgbClr val="7030A0"/>
+                </a:solidFill>
+              </a:rPr>
+              <a:t>'</a:t>
+            </a:r>
+            <a:r>
+              <a:rPr lang="mr-IN" dirty="0" smtClean="0"/>
+              <a:t>]</a:t>
+            </a:r>
+            <a:endParaRPr lang="en-GB" dirty="0" smtClean="0"/>
+          </a:p>
+          <a:p>
+            <a:pPr marL="514350" indent="-514350">
+              <a:buFont typeface="+mj-lt"/>
+              <a:buAutoNum type="arabicPeriod"/>
+            </a:pPr>
+            <a:r>
+              <a:rPr lang="en-GB" dirty="0" smtClean="0"/>
+              <a:t>Converted to hex: </a:t>
+            </a:r>
+            <a:r>
+              <a:rPr lang="mr-IN" dirty="0" smtClean="0"/>
+              <a:t>[</a:t>
+            </a:r>
+            <a:r>
+              <a:rPr lang="mr-IN" dirty="0" smtClean="0">
+                <a:solidFill>
+                  <a:schemeClr val="accent6">
+                    <a:lumMod val="75000"/>
+                  </a:schemeClr>
+                </a:solidFill>
+              </a:rPr>
+              <a:t>02</a:t>
+            </a:r>
+            <a:r>
+              <a:rPr lang="mr-IN" dirty="0" smtClean="0"/>
+              <a:t>, </a:t>
+            </a:r>
+            <a:r>
+              <a:rPr lang="mr-IN" dirty="0" smtClean="0">
+                <a:solidFill>
+                  <a:srgbClr val="C00000"/>
+                </a:solidFill>
+              </a:rPr>
+              <a:t>01</a:t>
+            </a:r>
+            <a:r>
+              <a:rPr lang="mr-IN" dirty="0" smtClean="0"/>
+              <a:t>, </a:t>
+            </a:r>
+            <a:r>
+              <a:rPr lang="mr-IN" dirty="0">
+                <a:solidFill>
+                  <a:srgbClr val="0070C0"/>
+                </a:solidFill>
+              </a:rPr>
+              <a:t>166</a:t>
+            </a:r>
+            <a:r>
+              <a:rPr lang="mr-IN" dirty="0"/>
+              <a:t>, </a:t>
+            </a:r>
+            <a:r>
+              <a:rPr lang="mr-IN" dirty="0">
+                <a:solidFill>
+                  <a:schemeClr val="accent2">
+                    <a:lumMod val="60000"/>
+                    <a:lumOff val="40000"/>
+                  </a:schemeClr>
+                </a:solidFill>
+              </a:rPr>
+              <a:t>86</a:t>
+            </a:r>
+            <a:r>
+              <a:rPr lang="mr-IN" dirty="0"/>
+              <a:t>, </a:t>
+            </a:r>
+            <a:r>
+              <a:rPr lang="mr-IN" dirty="0">
+                <a:solidFill>
+                  <a:srgbClr val="7030A0"/>
+                </a:solidFill>
+              </a:rPr>
+              <a:t>0</a:t>
+            </a:r>
+            <a:r>
+              <a:rPr lang="mr-IN" dirty="0" smtClean="0"/>
+              <a:t>]</a:t>
+            </a:r>
+            <a:endParaRPr lang="en-GB" dirty="0" smtClean="0"/>
+          </a:p>
+          <a:p>
+            <a:pPr marL="514350" indent="-514350">
+              <a:buFont typeface="+mj-lt"/>
+              <a:buAutoNum type="arabicPeriod"/>
+            </a:pPr>
+            <a:r>
+              <a:rPr lang="en-GB" dirty="0" smtClean="0"/>
+              <a:t>Find rpm (without unit): </a:t>
+            </a:r>
+            <a:r>
+              <a:rPr lang="mr-IN" sz="2000" dirty="0" err="1" smtClean="0"/>
+              <a:t>float</a:t>
+            </a:r>
+            <a:r>
+              <a:rPr lang="mr-IN" sz="2000" dirty="0" smtClean="0"/>
+              <a:t>(</a:t>
+            </a:r>
+            <a:r>
+              <a:rPr lang="mr-IN" sz="2000" dirty="0" err="1" smtClean="0">
+                <a:solidFill>
+                  <a:srgbClr val="0070C0"/>
+                </a:solidFill>
+              </a:rPr>
+              <a:t>k</a:t>
+            </a:r>
+            <a:r>
+              <a:rPr lang="mr-IN" sz="2000" dirty="0" smtClean="0">
+                <a:solidFill>
+                  <a:srgbClr val="0070C0"/>
+                </a:solidFill>
+              </a:rPr>
+              <a:t>[2</a:t>
+            </a:r>
+            <a:r>
+              <a:rPr lang="mr-IN" sz="2000" dirty="0">
+                <a:solidFill>
+                  <a:srgbClr val="0070C0"/>
+                </a:solidFill>
+              </a:rPr>
+              <a:t>]</a:t>
+            </a:r>
+            <a:r>
+              <a:rPr lang="mr-IN" sz="2000" dirty="0"/>
+              <a:t>) + </a:t>
+            </a:r>
+            <a:r>
+              <a:rPr lang="mr-IN" sz="2000" dirty="0" smtClean="0"/>
+              <a:t>256*</a:t>
+            </a:r>
+            <a:r>
+              <a:rPr lang="mr-IN" sz="2000" dirty="0" err="1" smtClean="0"/>
+              <a:t>float</a:t>
+            </a:r>
+            <a:r>
+              <a:rPr lang="en-GB" sz="2000" dirty="0" smtClean="0"/>
+              <a:t> </a:t>
+            </a:r>
+            <a:r>
+              <a:rPr lang="mr-IN" sz="2000" dirty="0" smtClean="0"/>
+              <a:t>(</a:t>
+            </a:r>
+            <a:r>
+              <a:rPr lang="mr-IN" sz="2000" dirty="0" err="1">
+                <a:solidFill>
+                  <a:schemeClr val="accent2">
+                    <a:lumMod val="60000"/>
+                    <a:lumOff val="40000"/>
+                  </a:schemeClr>
+                </a:solidFill>
+              </a:rPr>
+              <a:t>k</a:t>
+            </a:r>
+            <a:r>
+              <a:rPr lang="mr-IN" sz="2000" dirty="0">
+                <a:solidFill>
+                  <a:schemeClr val="accent2">
+                    <a:lumMod val="60000"/>
+                    <a:lumOff val="40000"/>
+                  </a:schemeClr>
+                </a:solidFill>
+              </a:rPr>
+              <a:t>[3]</a:t>
+            </a:r>
+            <a:r>
+              <a:rPr lang="mr-IN" sz="2000" dirty="0"/>
+              <a:t>) + </a:t>
+            </a:r>
+            <a:r>
+              <a:rPr lang="mr-IN" sz="2000" dirty="0" smtClean="0"/>
+              <a:t>65536*</a:t>
+            </a:r>
+            <a:r>
+              <a:rPr lang="mr-IN" sz="2000" dirty="0" err="1" smtClean="0"/>
+              <a:t>float</a:t>
+            </a:r>
+            <a:r>
+              <a:rPr lang="mr-IN" sz="2000" dirty="0" smtClean="0"/>
+              <a:t>(</a:t>
+            </a:r>
+            <a:r>
+              <a:rPr lang="mr-IN" sz="2000" dirty="0" err="1" smtClean="0">
+                <a:solidFill>
+                  <a:srgbClr val="7030A0"/>
+                </a:solidFill>
+              </a:rPr>
+              <a:t>k</a:t>
+            </a:r>
+            <a:r>
+              <a:rPr lang="mr-IN" sz="2000" dirty="0" smtClean="0">
+                <a:solidFill>
+                  <a:srgbClr val="7030A0"/>
+                </a:solidFill>
+              </a:rPr>
+              <a:t>[4]</a:t>
+            </a:r>
+            <a:r>
+              <a:rPr lang="mr-IN" sz="2000" dirty="0" smtClean="0"/>
+              <a:t>)</a:t>
+            </a:r>
+            <a:r>
+              <a:rPr lang="en-GB" sz="2000" dirty="0" smtClean="0"/>
+              <a:t> = </a:t>
+            </a:r>
+            <a:r>
+              <a:rPr lang="en-GB" sz="2000" b="1" dirty="0" smtClean="0"/>
+              <a:t>221.82</a:t>
+            </a:r>
+            <a:endParaRPr lang="en-GB" b="1" dirty="0" smtClean="0"/>
+          </a:p>
+          <a:p>
+            <a:pPr marL="514350" indent="-514350">
+              <a:buFont typeface="+mj-lt"/>
+              <a:buAutoNum type="arabicPeriod"/>
+            </a:pPr>
+            <a:r>
+              <a:rPr lang="hr-HR" dirty="0" err="1" smtClean="0"/>
+              <a:t>Create</a:t>
+            </a:r>
+            <a:r>
+              <a:rPr lang="hr-HR" dirty="0" smtClean="0"/>
+              <a:t> </a:t>
+            </a:r>
+            <a:r>
+              <a:rPr lang="hr-HR" dirty="0" err="1" smtClean="0"/>
+              <a:t>rpm</a:t>
+            </a:r>
+            <a:r>
+              <a:rPr lang="hr-HR" dirty="0" smtClean="0"/>
+              <a:t> + </a:t>
+            </a:r>
+            <a:r>
+              <a:rPr lang="hr-HR" dirty="0" err="1" smtClean="0"/>
+              <a:t>decimal</a:t>
+            </a:r>
+            <a:r>
+              <a:rPr lang="hr-HR" dirty="0" smtClean="0"/>
+              <a:t> place: </a:t>
+            </a:r>
+            <a:r>
+              <a:rPr lang="mr-IN" sz="2000" dirty="0" err="1" smtClean="0"/>
+              <a:t>readings.append</a:t>
+            </a:r>
+            <a:r>
+              <a:rPr lang="mr-IN" sz="2000" dirty="0"/>
+              <a:t>((</a:t>
+            </a:r>
+            <a:r>
+              <a:rPr lang="mr-IN" sz="2000" dirty="0" err="1"/>
+              <a:t>value</a:t>
+            </a:r>
+            <a:r>
+              <a:rPr lang="mr-IN" sz="2000" dirty="0"/>
+              <a:t>/(10**(</a:t>
+            </a:r>
+            <a:r>
+              <a:rPr lang="mr-IN" sz="2000" dirty="0" err="1" smtClean="0"/>
+              <a:t>int</a:t>
+            </a:r>
+            <a:r>
+              <a:rPr lang="mr-IN" sz="2000" dirty="0" smtClean="0"/>
+              <a:t>(</a:t>
+            </a:r>
+            <a:r>
+              <a:rPr lang="mr-IN" sz="2000" dirty="0" err="1" smtClean="0">
+                <a:solidFill>
+                  <a:schemeClr val="accent6">
+                    <a:lumMod val="75000"/>
+                  </a:schemeClr>
+                </a:solidFill>
+              </a:rPr>
+              <a:t>k</a:t>
+            </a:r>
+            <a:r>
+              <a:rPr lang="mr-IN" sz="2000" dirty="0" smtClean="0">
+                <a:solidFill>
+                  <a:schemeClr val="accent6">
+                    <a:lumMod val="75000"/>
+                  </a:schemeClr>
+                </a:solidFill>
+              </a:rPr>
+              <a:t>[0</a:t>
+            </a:r>
+            <a:r>
+              <a:rPr lang="mr-IN" sz="2000" dirty="0">
+                <a:solidFill>
+                  <a:schemeClr val="accent6">
+                    <a:lumMod val="75000"/>
+                  </a:schemeClr>
+                </a:solidFill>
+              </a:rPr>
+              <a:t>]</a:t>
+            </a:r>
+            <a:r>
+              <a:rPr lang="mr-IN" sz="2000" dirty="0"/>
+              <a:t>)/</a:t>
+            </a:r>
+            <a:r>
+              <a:rPr lang="mr-IN" sz="2000" dirty="0" smtClean="0"/>
+              <a:t>2</a:t>
+            </a:r>
+            <a:r>
+              <a:rPr lang="en-GB" sz="2000" dirty="0" smtClean="0"/>
+              <a:t> </a:t>
+            </a:r>
+            <a:r>
+              <a:rPr lang="mr-IN" sz="2000" dirty="0" smtClean="0"/>
+              <a:t>+1),</a:t>
+            </a:r>
+            <a:r>
+              <a:rPr lang="mr-IN" sz="2000" dirty="0" err="1" smtClean="0"/>
+              <a:t>int</a:t>
+            </a:r>
+            <a:r>
+              <a:rPr lang="mr-IN" sz="2000" dirty="0" smtClean="0"/>
+              <a:t>(</a:t>
+            </a:r>
+            <a:r>
+              <a:rPr lang="mr-IN" sz="2000" dirty="0" err="1" smtClean="0">
+                <a:solidFill>
+                  <a:srgbClr val="C00000"/>
+                </a:solidFill>
+              </a:rPr>
+              <a:t>k</a:t>
+            </a:r>
+            <a:r>
+              <a:rPr lang="mr-IN" sz="2000" dirty="0" smtClean="0">
+                <a:solidFill>
+                  <a:srgbClr val="C00000"/>
+                </a:solidFill>
+              </a:rPr>
+              <a:t>[1]</a:t>
+            </a:r>
+            <a:r>
+              <a:rPr lang="mr-IN" sz="2000" dirty="0" smtClean="0"/>
+              <a:t>)))</a:t>
+            </a:r>
+            <a:endParaRPr lang="en-GB" sz="2000" dirty="0" smtClean="0"/>
+          </a:p>
+          <a:p>
+            <a:pPr marL="514350" indent="-514350">
+              <a:buFont typeface="+mj-lt"/>
+              <a:buAutoNum type="arabicPeriod"/>
+            </a:pPr>
+            <a:r>
+              <a:rPr lang="hr-HR" dirty="0" err="1" smtClean="0"/>
+              <a:t>Get</a:t>
+            </a:r>
+            <a:r>
+              <a:rPr lang="hr-HR" dirty="0" smtClean="0"/>
+              <a:t> </a:t>
+            </a:r>
+            <a:r>
+              <a:rPr lang="hr-HR" dirty="0" err="1" smtClean="0"/>
+              <a:t>rpm</a:t>
+            </a:r>
+            <a:r>
+              <a:rPr lang="hr-HR" dirty="0" smtClean="0"/>
+              <a:t> </a:t>
+            </a:r>
+            <a:r>
+              <a:rPr lang="hr-HR" dirty="0" err="1" smtClean="0"/>
+              <a:t>with</a:t>
+            </a:r>
+            <a:r>
+              <a:rPr lang="hr-HR" dirty="0" smtClean="0"/>
+              <a:t> </a:t>
+            </a:r>
+            <a:r>
+              <a:rPr lang="hr-HR" dirty="0" err="1" smtClean="0"/>
+              <a:t>unit</a:t>
+            </a:r>
+            <a:r>
+              <a:rPr lang="hr-HR" dirty="0" smtClean="0"/>
+              <a:t>: [(</a:t>
+            </a:r>
+            <a:r>
+              <a:rPr lang="hr-HR" b="1" dirty="0" smtClean="0"/>
+              <a:t>221.82</a:t>
+            </a:r>
+            <a:r>
+              <a:rPr lang="hr-HR" dirty="0"/>
+              <a:t>, </a:t>
+            </a:r>
+            <a:r>
+              <a:rPr lang="hr-HR" dirty="0" smtClean="0"/>
+              <a:t>1),</a:t>
+            </a:r>
+            <a:r>
+              <a:rPr lang="mr-IN" dirty="0" smtClean="0"/>
+              <a:t>…</a:t>
+            </a:r>
+            <a:r>
+              <a:rPr lang="en-GB" dirty="0" smtClean="0"/>
+              <a:t>] </a:t>
+            </a:r>
+            <a:r>
+              <a:rPr lang="en-GB" dirty="0" smtClean="0">
+                <a:sym typeface="Wingdings"/>
+              </a:rPr>
+              <a:t> </a:t>
+            </a:r>
+            <a:r>
+              <a:rPr lang="en-GB" b="1" dirty="0" smtClean="0"/>
+              <a:t>221.82 rpm</a:t>
+            </a:r>
+            <a:endParaRPr lang="en-GB" dirty="0" smtClean="0"/>
+          </a:p>
+          <a:p>
+            <a:endParaRPr lang="en-US" dirty="0"/>
           </a:p>
         </p:txBody>
       </p:sp>
     </p:spTree>
     <p:extLst>
       <p:ext uri="{BB962C8B-B14F-4D97-AF65-F5344CB8AC3E}">
-        <p14:creationId xmlns:p14="http://schemas.microsoft.com/office/powerpoint/2010/main" val="2237587994"/>
+        <p14:creationId xmlns:p14="http://schemas.microsoft.com/office/powerpoint/2010/main" val="1907985991"/>
       </p:ext>
     </p:extLst>
   </p:cSld>
@@ -4432,7 +5236,7 @@
           <p:cNvPr id="2" name="Title 1">
             <a:extLst>
               <a:ext uri="{FF2B5EF4-FFF2-40B4-BE49-F238E27FC236}">
-                <a16:creationId xmlns:a16="http://schemas.microsoft.com/office/drawing/2014/main" xmlns="" id="{9B854454-8067-465B-AD45-B2CDC88CB231}"/>
+                <a16:creationId xmlns:a16="http://schemas.microsoft.com/office/drawing/2014/main" xmlns="" id="{E86B6ED6-1BE4-441C-80DC-274325747CF3}"/>
               </a:ext>
             </a:extLst>
           </p:cNvPr>
@@ -4450,7 +5254,7 @@
           <a:p>
             <a:r>
               <a:rPr lang="en-GB" dirty="0"/>
-              <a:t>Summary</a:t>
+              <a:t>Plans</a:t>
             </a:r>
           </a:p>
         </p:txBody>
@@ -4460,7 +5264,7 @@
           <p:cNvPr id="3" name="Content Placeholder 2">
             <a:extLst>
               <a:ext uri="{FF2B5EF4-FFF2-40B4-BE49-F238E27FC236}">
-                <a16:creationId xmlns:a16="http://schemas.microsoft.com/office/drawing/2014/main" xmlns="" id="{0ACB5D71-029B-4F3A-B332-3EC01F9BA7F2}"/>
+                <a16:creationId xmlns:a16="http://schemas.microsoft.com/office/drawing/2014/main" xmlns="" id="{85C57FF7-E60F-4E0A-8A80-89763CE959D4}"/>
               </a:ext>
             </a:extLst>
           </p:cNvPr>
@@ -4476,14 +5280,41 @@
           <a:bodyPr/>
           <a:lstStyle/>
           <a:p>
-            <a:endParaRPr lang="en-GB"/>
+            <a:r>
+              <a:rPr lang="en-GB" dirty="0"/>
+              <a:t>Currently in workshop having motor fitted</a:t>
+            </a:r>
+          </a:p>
+          <a:p>
+            <a:r>
+              <a:rPr lang="en-GB" dirty="0"/>
+              <a:t>Code being written to interpret results from the tachometer</a:t>
+            </a:r>
+          </a:p>
+          <a:p>
+            <a:r>
+              <a:rPr lang="en-GB" dirty="0"/>
+              <a:t>Magnet analysis and attachment</a:t>
+            </a:r>
+          </a:p>
+          <a:p>
+            <a:r>
+              <a:rPr lang="en-GB" dirty="0"/>
+              <a:t>Weeks 9-10 is testing</a:t>
+            </a:r>
+          </a:p>
+          <a:p>
+            <a:r>
+              <a:rPr lang="en-GB" dirty="0"/>
+              <a:t>Finishing and report writing</a:t>
+            </a:r>
           </a:p>
         </p:txBody>
       </p:sp>
     </p:spTree>
     <p:extLst>
       <p:ext uri="{BB962C8B-B14F-4D97-AF65-F5344CB8AC3E}">
-        <p14:creationId xmlns:p14="http://schemas.microsoft.com/office/powerpoint/2010/main" val="2669640703"/>
+        <p14:creationId xmlns:p14="http://schemas.microsoft.com/office/powerpoint/2010/main" val="1746099802"/>
       </p:ext>
     </p:extLst>
   </p:cSld>
@@ -4515,7 +5346,7 @@
           <p:cNvPr id="2" name="Title 1">
             <a:extLst>
               <a:ext uri="{FF2B5EF4-FFF2-40B4-BE49-F238E27FC236}">
-                <a16:creationId xmlns:a16="http://schemas.microsoft.com/office/drawing/2014/main" xmlns="" id="{21E26BB8-45B0-4985-B79D-3ED7DF7DB300}"/>
+                <a16:creationId xmlns:a16="http://schemas.microsoft.com/office/drawing/2014/main" xmlns="" id="{BA2C8F2B-EEF3-4B33-BA8A-C9A78BBF5175}"/>
               </a:ext>
             </a:extLst>
           </p:cNvPr>
@@ -4533,7 +5364,7 @@
           <a:p>
             <a:r>
               <a:rPr lang="en-GB" dirty="0"/>
-              <a:t>Bibliography</a:t>
+              <a:t>So far</a:t>
             </a:r>
           </a:p>
         </p:txBody>
@@ -4543,7 +5374,7 @@
           <p:cNvPr id="3" name="Content Placeholder 2">
             <a:extLst>
               <a:ext uri="{FF2B5EF4-FFF2-40B4-BE49-F238E27FC236}">
-                <a16:creationId xmlns:a16="http://schemas.microsoft.com/office/drawing/2014/main" xmlns="" id="{FC6D7CB9-CDA0-4B6E-96C6-F7A4FEFDF70A}"/>
+                <a16:creationId xmlns:a16="http://schemas.microsoft.com/office/drawing/2014/main" xmlns="" id="{741E673C-D4E4-4878-88DD-E3CE0E3A8E57}"/>
               </a:ext>
             </a:extLst>
           </p:cNvPr>
@@ -4559,14 +5390,121 @@
           <a:bodyPr/>
           <a:lstStyle/>
           <a:p>
-            <a:endParaRPr lang="en-GB"/>
+            <a:r>
+              <a:rPr lang="en-GB" dirty="0"/>
+              <a:t>Research and design of Faraday Disk</a:t>
+            </a:r>
+          </a:p>
+          <a:p>
+            <a:r>
+              <a:rPr lang="en-GB" dirty="0"/>
+              <a:t>Redesign and proposal</a:t>
+            </a:r>
+          </a:p>
+          <a:p>
+            <a:r>
+              <a:rPr lang="en-GB" dirty="0"/>
+              <a:t>Motor design</a:t>
+            </a:r>
+          </a:p>
+          <a:p>
+            <a:pPr marL="0" indent="0">
+              <a:buNone/>
+            </a:pPr>
+            <a:r>
+              <a:rPr lang="en-GB" dirty="0"/>
+              <a:t> </a:t>
+            </a:r>
           </a:p>
         </p:txBody>
       </p:sp>
     </p:spTree>
     <p:extLst>
       <p:ext uri="{BB962C8B-B14F-4D97-AF65-F5344CB8AC3E}">
-        <p14:creationId xmlns:p14="http://schemas.microsoft.com/office/powerpoint/2010/main" val="4026458594"/>
+        <p14:creationId xmlns:p14="http://schemas.microsoft.com/office/powerpoint/2010/main" val="2237587994"/>
+      </p:ext>
+    </p:extLst>
+  </p:cSld>
+  <p:clrMapOvr>
+    <a:masterClrMapping/>
+  </p:clrMapOvr>
+</p:sld>
+</file>
+
+<file path=ppt/slides/slide9.xml><?xml version="1.0" encoding="utf-8"?>
+<p:sld xmlns:a="http://schemas.openxmlformats.org/drawingml/2006/main" xmlns:r="http://schemas.openxmlformats.org/officeDocument/2006/relationships" xmlns:p="http://schemas.openxmlformats.org/presentationml/2006/main">
+  <p:cSld>
+    <p:spTree>
+      <p:nvGrpSpPr>
+        <p:cNvPr id="1" name=""/>
+        <p:cNvGrpSpPr/>
+        <p:nvPr/>
+      </p:nvGrpSpPr>
+      <p:grpSpPr>
+        <a:xfrm>
+          <a:off x="0" y="0"/>
+          <a:ext cx="0" cy="0"/>
+          <a:chOff x="0" y="0"/>
+          <a:chExt cx="0" cy="0"/>
+        </a:xfrm>
+      </p:grpSpPr>
+      <p:sp>
+        <p:nvSpPr>
+          <p:cNvPr id="2" name="Title 1">
+            <a:extLst>
+              <a:ext uri="{FF2B5EF4-FFF2-40B4-BE49-F238E27FC236}">
+                <a16:creationId xmlns:a16="http://schemas.microsoft.com/office/drawing/2014/main" xmlns="" id="{9B854454-8067-465B-AD45-B2CDC88CB231}"/>
+              </a:ext>
+            </a:extLst>
+          </p:cNvPr>
+          <p:cNvSpPr>
+            <a:spLocks noGrp="1"/>
+          </p:cNvSpPr>
+          <p:nvPr>
+            <p:ph type="title"/>
+          </p:nvPr>
+        </p:nvSpPr>
+        <p:spPr/>
+        <p:txBody>
+          <a:bodyPr/>
+          <a:lstStyle/>
+          <a:p>
+            <a:r>
+              <a:rPr lang="en-GB" dirty="0"/>
+              <a:t>Summary</a:t>
+            </a:r>
+          </a:p>
+        </p:txBody>
+      </p:sp>
+      <p:sp>
+        <p:nvSpPr>
+          <p:cNvPr id="3" name="Content Placeholder 2">
+            <a:extLst>
+              <a:ext uri="{FF2B5EF4-FFF2-40B4-BE49-F238E27FC236}">
+                <a16:creationId xmlns:a16="http://schemas.microsoft.com/office/drawing/2014/main" xmlns="" id="{0ACB5D71-029B-4F3A-B332-3EC01F9BA7F2}"/>
+              </a:ext>
+            </a:extLst>
+          </p:cNvPr>
+          <p:cNvSpPr>
+            <a:spLocks noGrp="1"/>
+          </p:cNvSpPr>
+          <p:nvPr>
+            <p:ph idx="1"/>
+          </p:nvPr>
+        </p:nvSpPr>
+        <p:spPr/>
+        <p:txBody>
+          <a:bodyPr/>
+          <a:lstStyle/>
+          <a:p>
+            <a:endParaRPr lang="en-GB"/>
+          </a:p>
+        </p:txBody>
+      </p:sp>
+    </p:spTree>
+    <p:extLst>
+      <p:ext uri="{BB962C8B-B14F-4D97-AF65-F5344CB8AC3E}">
+        <p14:creationId xmlns:p14="http://schemas.microsoft.com/office/powerpoint/2010/main" val="2669640703"/>
       </p:ext>
     </p:extLst>
   </p:cSld>

--- a/Project Presentation.pptx
+++ b/Project Presentation.pptx
@@ -5,7 +5,7 @@
     <p:sldMasterId id="2147483648" r:id="rId1"/>
   </p:sldMasterIdLst>
   <p:notesMasterIdLst>
-    <p:notesMasterId r:id="rId12"/>
+    <p:notesMasterId r:id="rId13"/>
   </p:notesMasterIdLst>
   <p:sldIdLst>
     <p:sldId id="256" r:id="rId2"/>
@@ -14,10 +14,11 @@
     <p:sldId id="263" r:id="rId5"/>
     <p:sldId id="264" r:id="rId6"/>
     <p:sldId id="265" r:id="rId7"/>
-    <p:sldId id="259" r:id="rId8"/>
-    <p:sldId id="260" r:id="rId9"/>
-    <p:sldId id="261" r:id="rId10"/>
-    <p:sldId id="262" r:id="rId11"/>
+    <p:sldId id="266" r:id="rId8"/>
+    <p:sldId id="259" r:id="rId9"/>
+    <p:sldId id="260" r:id="rId10"/>
+    <p:sldId id="261" r:id="rId11"/>
+    <p:sldId id="262" r:id="rId12"/>
   </p:sldIdLst>
   <p:sldSz cx="12192000" cy="6858000"/>
   <p:notesSz cx="6858000" cy="9144000"/>
@@ -3855,6 +3856,89 @@
           <p:cNvPr id="2" name="Title 1">
             <a:extLst>
               <a:ext uri="{FF2B5EF4-FFF2-40B4-BE49-F238E27FC236}">
+                <a16:creationId xmlns:a16="http://schemas.microsoft.com/office/drawing/2014/main" xmlns="" id="{9B854454-8067-465B-AD45-B2CDC88CB231}"/>
+              </a:ext>
+            </a:extLst>
+          </p:cNvPr>
+          <p:cNvSpPr>
+            <a:spLocks noGrp="1"/>
+          </p:cNvSpPr>
+          <p:nvPr>
+            <p:ph type="title"/>
+          </p:nvPr>
+        </p:nvSpPr>
+        <p:spPr/>
+        <p:txBody>
+          <a:bodyPr/>
+          <a:lstStyle/>
+          <a:p>
+            <a:r>
+              <a:rPr lang="en-GB" dirty="0"/>
+              <a:t>Summary</a:t>
+            </a:r>
+          </a:p>
+        </p:txBody>
+      </p:sp>
+      <p:sp>
+        <p:nvSpPr>
+          <p:cNvPr id="3" name="Content Placeholder 2">
+            <a:extLst>
+              <a:ext uri="{FF2B5EF4-FFF2-40B4-BE49-F238E27FC236}">
+                <a16:creationId xmlns:a16="http://schemas.microsoft.com/office/drawing/2014/main" xmlns="" id="{0ACB5D71-029B-4F3A-B332-3EC01F9BA7F2}"/>
+              </a:ext>
+            </a:extLst>
+          </p:cNvPr>
+          <p:cNvSpPr>
+            <a:spLocks noGrp="1"/>
+          </p:cNvSpPr>
+          <p:nvPr>
+            <p:ph idx="1"/>
+          </p:nvPr>
+        </p:nvSpPr>
+        <p:spPr/>
+        <p:txBody>
+          <a:bodyPr/>
+          <a:lstStyle/>
+          <a:p>
+            <a:endParaRPr lang="en-GB"/>
+          </a:p>
+        </p:txBody>
+      </p:sp>
+    </p:spTree>
+    <p:extLst>
+      <p:ext uri="{BB962C8B-B14F-4D97-AF65-F5344CB8AC3E}">
+        <p14:creationId xmlns:p14="http://schemas.microsoft.com/office/powerpoint/2010/main" val="2669640703"/>
+      </p:ext>
+    </p:extLst>
+  </p:cSld>
+  <p:clrMapOvr>
+    <a:masterClrMapping/>
+  </p:clrMapOvr>
+</p:sld>
+</file>
+
+<file path=ppt/slides/slide11.xml><?xml version="1.0" encoding="utf-8"?>
+<p:sld xmlns:a="http://schemas.openxmlformats.org/drawingml/2006/main" xmlns:r="http://schemas.openxmlformats.org/officeDocument/2006/relationships" xmlns:p="http://schemas.openxmlformats.org/presentationml/2006/main">
+  <p:cSld>
+    <p:spTree>
+      <p:nvGrpSpPr>
+        <p:cNvPr id="1" name=""/>
+        <p:cNvGrpSpPr/>
+        <p:nvPr/>
+      </p:nvGrpSpPr>
+      <p:grpSpPr>
+        <a:xfrm>
+          <a:off x="0" y="0"/>
+          <a:ext cx="0" cy="0"/>
+          <a:chOff x="0" y="0"/>
+          <a:chExt cx="0" cy="0"/>
+        </a:xfrm>
+      </p:grpSpPr>
+      <p:sp>
+        <p:nvSpPr>
+          <p:cNvPr id="2" name="Title 1">
+            <a:extLst>
+              <a:ext uri="{FF2B5EF4-FFF2-40B4-BE49-F238E27FC236}">
                 <a16:creationId xmlns:a16="http://schemas.microsoft.com/office/drawing/2014/main" xmlns="" id="{21E26BB8-45B0-4985-B79D-3ED7DF7DB300}"/>
               </a:ext>
             </a:extLst>
@@ -4514,8 +4598,12 @@
               <a:buAutoNum type="arabicPeriod"/>
             </a:pPr>
             <a:r>
+              <a:rPr lang="fi-FI" i="1" dirty="0" smtClean="0"/>
+              <a:t>Data input</a:t>
+            </a:r>
+            <a:r>
               <a:rPr lang="fi-FI" dirty="0" smtClean="0"/>
-              <a:t>Data input: 0D020001014DA6560000 </a:t>
+              <a:t>: 0D020001014DA6560000 </a:t>
             </a:r>
           </a:p>
           <a:p>
@@ -4524,8 +4612,12 @@
               <a:buAutoNum type="arabicPeriod"/>
             </a:pPr>
             <a:r>
+              <a:rPr lang="en-GB" i="1" dirty="0" smtClean="0"/>
+              <a:t>Put data in pairs</a:t>
+            </a:r>
+            <a:r>
               <a:rPr lang="en-GB" dirty="0" smtClean="0"/>
-              <a:t>Put data in pairs: </a:t>
+              <a:t>: </a:t>
             </a:r>
             <a:r>
               <a:rPr lang="mr-IN" dirty="0" smtClean="0"/>
@@ -4701,8 +4793,12 @@
               <a:buAutoNum type="arabicPeriod"/>
             </a:pPr>
             <a:r>
+              <a:rPr lang="en-GB" i="1" dirty="0" smtClean="0"/>
+              <a:t>Keep pairs needed</a:t>
+            </a:r>
+            <a:r>
               <a:rPr lang="en-GB" dirty="0" smtClean="0"/>
-              <a:t>Keep pairs needed: </a:t>
+              <a:t>: </a:t>
             </a:r>
             <a:r>
               <a:rPr lang="mr-IN" dirty="0" smtClean="0"/>
@@ -4795,8 +4891,12 @@
               <a:buAutoNum type="arabicPeriod"/>
             </a:pPr>
             <a:r>
+              <a:rPr lang="en-GB" i="1" dirty="0" smtClean="0"/>
+              <a:t>Converted to hex</a:t>
+            </a:r>
+            <a:r>
               <a:rPr lang="en-GB" dirty="0" smtClean="0"/>
-              <a:t>Converted to hex: </a:t>
+              <a:t>: </a:t>
             </a:r>
             <a:r>
               <a:rPr lang="mr-IN" dirty="0" smtClean="0"/>
@@ -4875,8 +4975,12 @@
               <a:buAutoNum type="arabicPeriod"/>
             </a:pPr>
             <a:r>
+              <a:rPr lang="en-GB" i="1" dirty="0" smtClean="0"/>
+              <a:t>Find rpm (without unit)</a:t>
+            </a:r>
+            <a:r>
               <a:rPr lang="en-GB" dirty="0" smtClean="0"/>
-              <a:t>Find rpm (without unit): </a:t>
+              <a:t>: </a:t>
             </a:r>
             <a:r>
               <a:rPr lang="mr-IN" sz="2000" dirty="0" err="1" smtClean="0"/>
@@ -5004,28 +5108,32 @@
               <a:buAutoNum type="arabicPeriod"/>
             </a:pPr>
             <a:r>
-              <a:rPr lang="hr-HR" dirty="0" err="1" smtClean="0"/>
+              <a:rPr lang="hr-HR" i="1" dirty="0" err="1" smtClean="0"/>
               <a:t>Create</a:t>
             </a:r>
             <a:r>
+              <a:rPr lang="hr-HR" i="1" dirty="0" smtClean="0"/>
+              <a:t> </a:t>
+            </a:r>
+            <a:r>
+              <a:rPr lang="hr-HR" i="1" dirty="0" err="1" smtClean="0"/>
+              <a:t>rpm</a:t>
+            </a:r>
+            <a:r>
+              <a:rPr lang="hr-HR" i="1" dirty="0" smtClean="0"/>
+              <a:t> + </a:t>
+            </a:r>
+            <a:r>
+              <a:rPr lang="hr-HR" i="1" dirty="0" err="1" smtClean="0"/>
+              <a:t>decimal</a:t>
+            </a:r>
+            <a:r>
+              <a:rPr lang="hr-HR" i="1" dirty="0" smtClean="0"/>
+              <a:t> place</a:t>
+            </a:r>
+            <a:r>
               <a:rPr lang="hr-HR" dirty="0" smtClean="0"/>
-              <a:t> </a:t>
-            </a:r>
-            <a:r>
-              <a:rPr lang="hr-HR" dirty="0" err="1" smtClean="0"/>
-              <a:t>rpm</a:t>
-            </a:r>
-            <a:r>
-              <a:rPr lang="hr-HR" dirty="0" smtClean="0"/>
-              <a:t> + </a:t>
-            </a:r>
-            <a:r>
-              <a:rPr lang="hr-HR" dirty="0" err="1" smtClean="0"/>
-              <a:t>decimal</a:t>
-            </a:r>
-            <a:r>
-              <a:rPr lang="hr-HR" dirty="0" smtClean="0"/>
-              <a:t> place: </a:t>
+              <a:t>: </a:t>
             </a:r>
             <a:r>
               <a:rPr lang="mr-IN" sz="2000" dirty="0" err="1" smtClean="0"/>
@@ -5133,31 +5241,31 @@
               <a:buAutoNum type="arabicPeriod"/>
             </a:pPr>
             <a:r>
-              <a:rPr lang="hr-HR" dirty="0" err="1" smtClean="0"/>
+              <a:rPr lang="hr-HR" i="1" dirty="0" err="1" smtClean="0"/>
               <a:t>Get</a:t>
             </a:r>
             <a:r>
-              <a:rPr lang="hr-HR" dirty="0" smtClean="0"/>
+              <a:rPr lang="hr-HR" i="1" dirty="0" smtClean="0"/>
               <a:t> </a:t>
             </a:r>
             <a:r>
-              <a:rPr lang="hr-HR" dirty="0" err="1" smtClean="0"/>
+              <a:rPr lang="hr-HR" i="1" dirty="0" err="1" smtClean="0"/>
               <a:t>rpm</a:t>
             </a:r>
             <a:r>
-              <a:rPr lang="hr-HR" dirty="0" smtClean="0"/>
+              <a:rPr lang="hr-HR" i="1" dirty="0" smtClean="0"/>
               <a:t> </a:t>
             </a:r>
             <a:r>
-              <a:rPr lang="hr-HR" dirty="0" err="1" smtClean="0"/>
+              <a:rPr lang="hr-HR" i="1" dirty="0" err="1" smtClean="0"/>
               <a:t>with</a:t>
             </a:r>
             <a:r>
-              <a:rPr lang="hr-HR" dirty="0" smtClean="0"/>
+              <a:rPr lang="hr-HR" i="1" dirty="0" smtClean="0"/>
               <a:t> </a:t>
             </a:r>
             <a:r>
-              <a:rPr lang="hr-HR" dirty="0" err="1" smtClean="0"/>
+              <a:rPr lang="hr-HR" i="1" dirty="0" err="1" smtClean="0"/>
               <a:t>unit</a:t>
             </a:r>
             <a:r>
@@ -5211,6 +5319,13 @@
   <p:clrMapOvr>
     <a:masterClrMapping/>
   </p:clrMapOvr>
+  <p:timing>
+    <p:tnLst>
+      <p:par>
+        <p:cTn id="1" dur="indefinite" restart="never" nodeType="tmRoot"/>
+      </p:par>
+    </p:tnLst>
+  </p:timing>
 </p:sld>
 </file>
 
@@ -5233,13 +5348,7 @@
       </p:grpSpPr>
       <p:sp>
         <p:nvSpPr>
-          <p:cNvPr id="2" name="Title 1">
-            <a:extLst>
-              <a:ext uri="{FF2B5EF4-FFF2-40B4-BE49-F238E27FC236}">
-                <a16:creationId xmlns:a16="http://schemas.microsoft.com/office/drawing/2014/main" xmlns="" id="{E86B6ED6-1BE4-441C-80DC-274325747CF3}"/>
-              </a:ext>
-            </a:extLst>
-          </p:cNvPr>
+          <p:cNvPr id="2" name="Title 1"/>
           <p:cNvSpPr>
             <a:spLocks noGrp="1"/>
           </p:cNvSpPr>
@@ -5253,21 +5362,16 @@
           <a:lstStyle/>
           <a:p>
             <a:r>
-              <a:rPr lang="en-GB" dirty="0"/>
-              <a:t>Plans</a:t>
-            </a:r>
-          </a:p>
-        </p:txBody>
-      </p:sp>
-      <p:sp>
-        <p:nvSpPr>
-          <p:cNvPr id="3" name="Content Placeholder 2">
-            <a:extLst>
-              <a:ext uri="{FF2B5EF4-FFF2-40B4-BE49-F238E27FC236}">
-                <a16:creationId xmlns:a16="http://schemas.microsoft.com/office/drawing/2014/main" xmlns="" id="{85C57FF7-E60F-4E0A-8A80-89763CE959D4}"/>
-              </a:ext>
-            </a:extLst>
-          </p:cNvPr>
+              <a:rPr lang="en-US" dirty="0" smtClean="0"/>
+              <a:t>Graphing the data</a:t>
+            </a:r>
+            <a:endParaRPr lang="en-US" dirty="0"/>
+          </a:p>
+        </p:txBody>
+      </p:sp>
+      <p:sp>
+        <p:nvSpPr>
+          <p:cNvPr id="3" name="Content Placeholder 2"/>
           <p:cNvSpPr>
             <a:spLocks noGrp="1"/>
           </p:cNvSpPr>
@@ -5275,52 +5379,343 @@
             <p:ph idx="1"/>
           </p:nvPr>
         </p:nvSpPr>
-        <p:spPr/>
-        <p:txBody>
-          <a:bodyPr/>
-          <a:lstStyle/>
-          <a:p>
-            <a:r>
-              <a:rPr lang="en-GB" dirty="0"/>
-              <a:t>Currently in workshop having motor fitted</a:t>
-            </a:r>
-          </a:p>
-          <a:p>
-            <a:r>
-              <a:rPr lang="en-GB" dirty="0"/>
-              <a:t>Code being written to interpret results from the tachometer</a:t>
-            </a:r>
-          </a:p>
-          <a:p>
-            <a:r>
-              <a:rPr lang="en-GB" dirty="0"/>
-              <a:t>Magnet analysis and attachment</a:t>
-            </a:r>
-          </a:p>
-          <a:p>
-            <a:r>
-              <a:rPr lang="en-GB" dirty="0"/>
-              <a:t>Weeks 9-10 is testing</a:t>
-            </a:r>
-          </a:p>
-          <a:p>
-            <a:r>
-              <a:rPr lang="en-GB" dirty="0"/>
-              <a:t>Finishing and report writing</a:t>
-            </a:r>
+        <p:spPr>
+          <a:xfrm>
+            <a:off x="301083" y="1825625"/>
+            <a:ext cx="11563815" cy="3616170"/>
+          </a:xfrm>
+        </p:spPr>
+        <p:txBody>
+          <a:bodyPr>
+            <a:normAutofit fontScale="92500"/>
+          </a:bodyPr>
+          <a:lstStyle/>
+          <a:p>
+            <a:pPr marL="514350" indent="-514350">
+              <a:buFont typeface="+mj-lt"/>
+              <a:buAutoNum type="arabicPeriod"/>
+            </a:pPr>
+            <a:r>
+              <a:rPr lang="en-US" i="1" dirty="0"/>
+              <a:t>Finding time when reading taken</a:t>
+            </a:r>
+            <a:r>
+              <a:rPr lang="en-US" dirty="0" smtClean="0"/>
+              <a:t>: </a:t>
+            </a:r>
+            <a:r>
+              <a:rPr lang="hr-HR" dirty="0" smtClean="0"/>
+              <a:t>[(</a:t>
+            </a:r>
+            <a:r>
+              <a:rPr lang="hr-HR" b="1" dirty="0">
+                <a:solidFill>
+                  <a:srgbClr val="C00000"/>
+                </a:solidFill>
+              </a:rPr>
+              <a:t>221.82</a:t>
+            </a:r>
+            <a:r>
+              <a:rPr lang="hr-HR" dirty="0"/>
+              <a:t>, </a:t>
+            </a:r>
+            <a:r>
+              <a:rPr lang="hr-HR" dirty="0" smtClean="0"/>
+              <a:t>1),</a:t>
+            </a:r>
+            <a:r>
+              <a:rPr lang="mr-IN" dirty="0" smtClean="0"/>
+              <a:t>…</a:t>
+            </a:r>
+            <a:r>
+              <a:rPr lang="en-GB" dirty="0" smtClean="0"/>
+              <a:t>]</a:t>
+            </a:r>
+          </a:p>
+          <a:p>
+            <a:pPr lvl="1">
+              <a:buFont typeface="Arial" charset="0"/>
+              <a:buChar char="•"/>
+            </a:pPr>
+            <a:r>
+              <a:rPr lang="en-US" i="1" dirty="0"/>
+              <a:t>Loop over pairs creating list of times cumulatively adding previous time of measurement</a:t>
+            </a:r>
+          </a:p>
+          <a:p>
+            <a:pPr lvl="2">
+              <a:buFont typeface="Arial" charset="0"/>
+              <a:buChar char="•"/>
+            </a:pPr>
+            <a:r>
+              <a:rPr lang="en-US" dirty="0" err="1"/>
+              <a:t>readings.append</a:t>
+            </a:r>
+            <a:r>
+              <a:rPr lang="en-US" dirty="0"/>
+              <a:t>((float(60/</a:t>
+            </a:r>
+            <a:r>
+              <a:rPr lang="en-US" b="1" dirty="0">
+                <a:solidFill>
+                  <a:srgbClr val="C00000"/>
+                </a:solidFill>
+              </a:rPr>
+              <a:t>k[0]</a:t>
+            </a:r>
+            <a:r>
+              <a:rPr lang="en-US" dirty="0"/>
+              <a:t>)))  </a:t>
+            </a:r>
+            <a:r>
+              <a:rPr lang="en-US" dirty="0">
+                <a:sym typeface="Wingdings"/>
+              </a:rPr>
+              <a:t> </a:t>
+            </a:r>
+            <a:r>
+              <a:rPr lang="en-US" i="1" dirty="0"/>
+              <a:t>returns a time</a:t>
+            </a:r>
+            <a:r>
+              <a:rPr lang="en-US" dirty="0"/>
+              <a:t> </a:t>
+            </a:r>
+            <a:r>
+              <a:rPr lang="en-US" dirty="0">
+                <a:sym typeface="Wingdings"/>
+              </a:rPr>
+              <a:t> </a:t>
+            </a:r>
+            <a:r>
+              <a:rPr lang="en-US" dirty="0"/>
+              <a:t> list(accumulate(readings) </a:t>
+            </a:r>
+            <a:r>
+              <a:rPr lang="en-US" dirty="0">
+                <a:sym typeface="Wingdings"/>
+              </a:rPr>
+              <a:t> </a:t>
+            </a:r>
+            <a:r>
+              <a:rPr lang="en-US" i="1" dirty="0">
+                <a:sym typeface="Wingdings"/>
+              </a:rPr>
+              <a:t>summing them up</a:t>
+            </a:r>
+            <a:endParaRPr lang="en-US" dirty="0">
+              <a:sym typeface="Wingdings"/>
+            </a:endParaRPr>
+          </a:p>
+          <a:p>
+            <a:pPr lvl="2">
+              <a:buFont typeface="Arial" charset="0"/>
+              <a:buChar char="•"/>
+            </a:pPr>
+            <a:r>
+              <a:rPr lang="en-US" dirty="0" err="1"/>
+              <a:t>E.g</a:t>
+            </a:r>
+            <a:r>
+              <a:rPr lang="en-US" dirty="0"/>
+              <a:t> </a:t>
+            </a:r>
+            <a:r>
+              <a:rPr lang="en-US" dirty="0" err="1"/>
+              <a:t>readings.append</a:t>
+            </a:r>
+            <a:r>
+              <a:rPr lang="en-US" dirty="0"/>
+              <a:t>(float(60/221.82)) </a:t>
+            </a:r>
+            <a:r>
+              <a:rPr lang="en-US" dirty="0">
+                <a:sym typeface="Wingdings"/>
+              </a:rPr>
+              <a:t> [0.27,</a:t>
+            </a:r>
+            <a:r>
+              <a:rPr lang="en-GB" dirty="0">
+                <a:sym typeface="Wingdings"/>
+              </a:rPr>
+              <a:t> a, b, c]  [0.27, </a:t>
+            </a:r>
+            <a:r>
+              <a:rPr lang="en-US" dirty="0">
+                <a:sym typeface="Wingdings"/>
+              </a:rPr>
+              <a:t>0.27+a, 0.27+a+b, 0.27+a+b+c, </a:t>
+            </a:r>
+            <a:r>
+              <a:rPr lang="mr-IN" dirty="0">
+                <a:sym typeface="Wingdings"/>
+              </a:rPr>
+              <a:t>…</a:t>
+            </a:r>
+            <a:r>
+              <a:rPr lang="en-GB" dirty="0" smtClean="0">
+                <a:sym typeface="Wingdings"/>
+              </a:rPr>
+              <a:t>]</a:t>
+            </a:r>
+            <a:endParaRPr lang="en-GB" dirty="0" smtClean="0"/>
+          </a:p>
+          <a:p>
+            <a:pPr marL="514350" indent="-514350">
+              <a:buFont typeface="+mj-lt"/>
+              <a:buAutoNum type="arabicPeriod"/>
+            </a:pPr>
+            <a:r>
+              <a:rPr lang="en-US" i="1" dirty="0" smtClean="0"/>
+              <a:t>Use </a:t>
+            </a:r>
+            <a:r>
+              <a:rPr lang="en-US" i="1" dirty="0"/>
+              <a:t>an arbitrary fit function</a:t>
+            </a:r>
+            <a:r>
+              <a:rPr lang="en-US" dirty="0"/>
+              <a:t>: </a:t>
+            </a:r>
+            <a:r>
+              <a:rPr lang="en-US" dirty="0" err="1"/>
+              <a:t>params</a:t>
+            </a:r>
+            <a:r>
+              <a:rPr lang="en-US" dirty="0"/>
+              <a:t>, </a:t>
+            </a:r>
+            <a:r>
+              <a:rPr lang="en-US" dirty="0" err="1" smtClean="0">
+                <a:solidFill>
+                  <a:schemeClr val="accent5"/>
+                </a:solidFill>
+              </a:rPr>
+              <a:t>pcov</a:t>
+            </a:r>
+            <a:r>
+              <a:rPr lang="en-US" dirty="0" smtClean="0"/>
+              <a:t> = </a:t>
+            </a:r>
+            <a:r>
+              <a:rPr lang="en-US" dirty="0" err="1" smtClean="0"/>
+              <a:t>optimize.curve_fit</a:t>
+            </a:r>
+            <a:r>
+              <a:rPr lang="en-US" dirty="0" smtClean="0"/>
+              <a:t>(</a:t>
+            </a:r>
+            <a:r>
+              <a:rPr lang="en-US" dirty="0" err="1" smtClean="0"/>
+              <a:t>func</a:t>
+            </a:r>
+            <a:r>
+              <a:rPr lang="en-US" dirty="0"/>
+              <a:t>, time, </a:t>
+            </a:r>
+            <a:r>
+              <a:rPr lang="en-US" dirty="0" smtClean="0"/>
+              <a:t>velocity)</a:t>
+            </a:r>
+          </a:p>
+          <a:p>
+            <a:pPr marL="514350" indent="-514350">
+              <a:buFont typeface="+mj-lt"/>
+              <a:buAutoNum type="arabicPeriod"/>
+            </a:pPr>
+            <a:r>
+              <a:rPr lang="en-US" i="1" dirty="0" smtClean="0"/>
+              <a:t>Plot </a:t>
+            </a:r>
+            <a:r>
+              <a:rPr lang="en-US" i="1" dirty="0"/>
+              <a:t>velocity vs </a:t>
+            </a:r>
+            <a:r>
+              <a:rPr lang="en-US" i="1" dirty="0" smtClean="0"/>
+              <a:t>time</a:t>
+            </a:r>
+          </a:p>
+          <a:p>
+            <a:pPr marL="514350" indent="-514350">
+              <a:buFont typeface="+mj-lt"/>
+              <a:buAutoNum type="arabicPeriod"/>
+            </a:pPr>
+            <a:r>
+              <a:rPr lang="en-US" i="1" dirty="0" smtClean="0"/>
+              <a:t>Extract </a:t>
+            </a:r>
+            <a:r>
+              <a:rPr lang="en-US" i="1" dirty="0"/>
+              <a:t>fit parameters: </a:t>
+            </a:r>
+            <a:r>
+              <a:rPr lang="en-US" dirty="0" err="1" smtClean="0"/>
+              <a:t>standard_deviation</a:t>
+            </a:r>
+            <a:r>
+              <a:rPr lang="en-US" dirty="0" smtClean="0"/>
+              <a:t> </a:t>
+            </a:r>
+            <a:r>
+              <a:rPr lang="en-US" dirty="0"/>
+              <a:t>= </a:t>
+            </a:r>
+            <a:r>
+              <a:rPr lang="en-US" dirty="0" err="1"/>
+              <a:t>np.sqrt</a:t>
+            </a:r>
+            <a:r>
+              <a:rPr lang="en-US" dirty="0"/>
+              <a:t>(</a:t>
+            </a:r>
+            <a:r>
+              <a:rPr lang="en-US" dirty="0" err="1"/>
+              <a:t>np.diag</a:t>
+            </a:r>
+            <a:r>
+              <a:rPr lang="en-US" dirty="0"/>
+              <a:t>(</a:t>
+            </a:r>
+            <a:r>
+              <a:rPr lang="en-US" dirty="0" err="1">
+                <a:solidFill>
+                  <a:schemeClr val="accent5"/>
+                </a:solidFill>
+              </a:rPr>
+              <a:t>pcov</a:t>
+            </a:r>
+            <a:r>
+              <a:rPr lang="en-US" dirty="0" smtClean="0"/>
+              <a:t>))</a:t>
+            </a:r>
+          </a:p>
+          <a:p>
+            <a:pPr marL="514350" indent="-514350">
+              <a:buFont typeface="+mj-lt"/>
+              <a:buAutoNum type="arabicPeriod"/>
+            </a:pPr>
+            <a:endParaRPr lang="en-US" i="1" dirty="0"/>
           </a:p>
         </p:txBody>
       </p:sp>
     </p:spTree>
     <p:extLst>
       <p:ext uri="{BB962C8B-B14F-4D97-AF65-F5344CB8AC3E}">
-        <p14:creationId xmlns:p14="http://schemas.microsoft.com/office/powerpoint/2010/main" val="1746099802"/>
+        <p14:creationId xmlns:p14="http://schemas.microsoft.com/office/powerpoint/2010/main" val="2000236960"/>
       </p:ext>
     </p:extLst>
   </p:cSld>
   <p:clrMapOvr>
     <a:masterClrMapping/>
   </p:clrMapOvr>
+  <p:timing>
+    <p:tnLst>
+      <p:par>
+        <p:cTn id="1" dur="indefinite" restart="never" nodeType="tmRoot"/>
+      </p:par>
+    </p:tnLst>
+  </p:timing>
 </p:sld>
 </file>
 
@@ -5346,7 +5741,7 @@
           <p:cNvPr id="2" name="Title 1">
             <a:extLst>
               <a:ext uri="{FF2B5EF4-FFF2-40B4-BE49-F238E27FC236}">
-                <a16:creationId xmlns:a16="http://schemas.microsoft.com/office/drawing/2014/main" xmlns="" id="{BA2C8F2B-EEF3-4B33-BA8A-C9A78BBF5175}"/>
+                <a16:creationId xmlns:a16="http://schemas.microsoft.com/office/drawing/2014/main" xmlns="" id="{E86B6ED6-1BE4-441C-80DC-274325747CF3}"/>
               </a:ext>
             </a:extLst>
           </p:cNvPr>
@@ -5364,7 +5759,7 @@
           <a:p>
             <a:r>
               <a:rPr lang="en-GB" dirty="0"/>
-              <a:t>So far</a:t>
+              <a:t>Plans</a:t>
             </a:r>
           </a:p>
         </p:txBody>
@@ -5374,7 +5769,7 @@
           <p:cNvPr id="3" name="Content Placeholder 2">
             <a:extLst>
               <a:ext uri="{FF2B5EF4-FFF2-40B4-BE49-F238E27FC236}">
-                <a16:creationId xmlns:a16="http://schemas.microsoft.com/office/drawing/2014/main" xmlns="" id="{741E673C-D4E4-4878-88DD-E3CE0E3A8E57}"/>
+                <a16:creationId xmlns:a16="http://schemas.microsoft.com/office/drawing/2014/main" xmlns="" id="{85C57FF7-E60F-4E0A-8A80-89763CE959D4}"/>
               </a:ext>
             </a:extLst>
           </p:cNvPr>
@@ -5392,28 +5787,31 @@
           <a:p>
             <a:r>
               <a:rPr lang="en-GB" dirty="0"/>
-              <a:t>Research and design of Faraday Disk</a:t>
+              <a:t>Currently in workshop having motor fitted</a:t>
             </a:r>
           </a:p>
           <a:p>
             <a:r>
               <a:rPr lang="en-GB" dirty="0"/>
-              <a:t>Redesign and proposal</a:t>
+              <a:t>Code being written to interpret results from the tachometer</a:t>
             </a:r>
           </a:p>
           <a:p>
             <a:r>
               <a:rPr lang="en-GB" dirty="0"/>
-              <a:t>Motor design</a:t>
-            </a:r>
-          </a:p>
-          <a:p>
-            <a:pPr marL="0" indent="0">
-              <a:buNone/>
-            </a:pPr>
+              <a:t>Magnet analysis and attachment</a:t>
+            </a:r>
+          </a:p>
+          <a:p>
             <a:r>
               <a:rPr lang="en-GB" dirty="0"/>
-              <a:t> </a:t>
+              <a:t>Weeks 9-10 is testing</a:t>
+            </a:r>
+          </a:p>
+          <a:p>
+            <a:r>
+              <a:rPr lang="en-GB" dirty="0"/>
+              <a:t>Finishing and report writing</a:t>
             </a:r>
           </a:p>
         </p:txBody>
@@ -5421,13 +5819,20 @@
     </p:spTree>
     <p:extLst>
       <p:ext uri="{BB962C8B-B14F-4D97-AF65-F5344CB8AC3E}">
-        <p14:creationId xmlns:p14="http://schemas.microsoft.com/office/powerpoint/2010/main" val="2237587994"/>
+        <p14:creationId xmlns:p14="http://schemas.microsoft.com/office/powerpoint/2010/main" val="1746099802"/>
       </p:ext>
     </p:extLst>
   </p:cSld>
   <p:clrMapOvr>
     <a:masterClrMapping/>
   </p:clrMapOvr>
+  <p:timing>
+    <p:tnLst>
+      <p:par>
+        <p:cTn id="1" dur="indefinite" restart="never" nodeType="tmRoot"/>
+      </p:par>
+    </p:tnLst>
+  </p:timing>
 </p:sld>
 </file>
 
@@ -5453,7 +5858,7 @@
           <p:cNvPr id="2" name="Title 1">
             <a:extLst>
               <a:ext uri="{FF2B5EF4-FFF2-40B4-BE49-F238E27FC236}">
-                <a16:creationId xmlns:a16="http://schemas.microsoft.com/office/drawing/2014/main" xmlns="" id="{9B854454-8067-465B-AD45-B2CDC88CB231}"/>
+                <a16:creationId xmlns:a16="http://schemas.microsoft.com/office/drawing/2014/main" xmlns="" id="{BA2C8F2B-EEF3-4B33-BA8A-C9A78BBF5175}"/>
               </a:ext>
             </a:extLst>
           </p:cNvPr>
@@ -5471,7 +5876,7 @@
           <a:p>
             <a:r>
               <a:rPr lang="en-GB" dirty="0"/>
-              <a:t>Summary</a:t>
+              <a:t>So far</a:t>
             </a:r>
           </a:p>
         </p:txBody>
@@ -5481,7 +5886,7 @@
           <p:cNvPr id="3" name="Content Placeholder 2">
             <a:extLst>
               <a:ext uri="{FF2B5EF4-FFF2-40B4-BE49-F238E27FC236}">
-                <a16:creationId xmlns:a16="http://schemas.microsoft.com/office/drawing/2014/main" xmlns="" id="{0ACB5D71-029B-4F3A-B332-3EC01F9BA7F2}"/>
+                <a16:creationId xmlns:a16="http://schemas.microsoft.com/office/drawing/2014/main" xmlns="" id="{741E673C-D4E4-4878-88DD-E3CE0E3A8E57}"/>
               </a:ext>
             </a:extLst>
           </p:cNvPr>
@@ -5497,20 +5902,51 @@
           <a:bodyPr/>
           <a:lstStyle/>
           <a:p>
-            <a:endParaRPr lang="en-GB"/>
+            <a:r>
+              <a:rPr lang="en-GB" dirty="0"/>
+              <a:t>Research and design of Faraday Disk</a:t>
+            </a:r>
+          </a:p>
+          <a:p>
+            <a:r>
+              <a:rPr lang="en-GB" dirty="0"/>
+              <a:t>Redesign and proposal</a:t>
+            </a:r>
+          </a:p>
+          <a:p>
+            <a:r>
+              <a:rPr lang="en-GB" dirty="0"/>
+              <a:t>Motor design</a:t>
+            </a:r>
+          </a:p>
+          <a:p>
+            <a:pPr marL="0" indent="0">
+              <a:buNone/>
+            </a:pPr>
+            <a:r>
+              <a:rPr lang="en-GB" dirty="0"/>
+              <a:t> </a:t>
+            </a:r>
           </a:p>
         </p:txBody>
       </p:sp>
     </p:spTree>
     <p:extLst>
       <p:ext uri="{BB962C8B-B14F-4D97-AF65-F5344CB8AC3E}">
-        <p14:creationId xmlns:p14="http://schemas.microsoft.com/office/powerpoint/2010/main" val="2669640703"/>
+        <p14:creationId xmlns:p14="http://schemas.microsoft.com/office/powerpoint/2010/main" val="2237587994"/>
       </p:ext>
     </p:extLst>
   </p:cSld>
   <p:clrMapOvr>
     <a:masterClrMapping/>
   </p:clrMapOvr>
+  <p:timing>
+    <p:tnLst>
+      <p:par>
+        <p:cTn id="1" dur="indefinite" restart="never" nodeType="tmRoot"/>
+      </p:par>
+    </p:tnLst>
+  </p:timing>
 </p:sld>
 </file>
 

--- a/Project Presentation.pptx
+++ b/Project Presentation.pptx
@@ -4892,10 +4892,14 @@
             </a:pPr>
             <a:r>
               <a:rPr lang="en-GB" i="1" dirty="0" smtClean="0"/>
-              <a:t>Converted to hex</a:t>
-            </a:r>
-            <a:r>
-              <a:rPr lang="en-GB" dirty="0" smtClean="0"/>
+              <a:t>Converted </a:t>
+            </a:r>
+            <a:r>
+              <a:rPr lang="en-GB" i="1" smtClean="0"/>
+              <a:t>to decimal (from hex)</a:t>
+            </a:r>
+            <a:r>
+              <a:rPr lang="en-GB" smtClean="0"/>
               <a:t>: </a:t>
             </a:r>
             <a:r>
